--- a/CapstoneProject.pptx
+++ b/CapstoneProject.pptx
@@ -10,14 +10,15 @@
     <p:sldId id="258" r:id="rId4"/>
     <p:sldId id="259" r:id="rId5"/>
     <p:sldId id="260" r:id="rId6"/>
-    <p:sldId id="261" r:id="rId7"/>
-    <p:sldId id="268" r:id="rId8"/>
-    <p:sldId id="263" r:id="rId9"/>
-    <p:sldId id="264" r:id="rId10"/>
-    <p:sldId id="265" r:id="rId11"/>
-    <p:sldId id="266" r:id="rId12"/>
-    <p:sldId id="267" r:id="rId13"/>
-    <p:sldId id="262" r:id="rId14"/>
+    <p:sldId id="269" r:id="rId7"/>
+    <p:sldId id="261" r:id="rId8"/>
+    <p:sldId id="268" r:id="rId9"/>
+    <p:sldId id="263" r:id="rId10"/>
+    <p:sldId id="264" r:id="rId11"/>
+    <p:sldId id="265" r:id="rId12"/>
+    <p:sldId id="266" r:id="rId13"/>
+    <p:sldId id="267" r:id="rId14"/>
+    <p:sldId id="262" r:id="rId15"/>
   </p:sldIdLst>
   <p:sldSz cx="12192000" cy="6858000"/>
   <p:notesSz cx="6858000" cy="9144000"/>
@@ -5762,6 +5763,4298 @@
           <a:p>
             <a:r>
               <a:rPr lang="en-US" dirty="0"/>
+              <a:t>Venue COMPARISON</a:t>
+            </a:r>
+          </a:p>
+        </p:txBody>
+      </p:sp>
+      <p:sp>
+        <p:nvSpPr>
+          <p:cNvPr id="13" name="Content Placeholder 2">
+            <a:extLst>
+              <a:ext uri="{FF2B5EF4-FFF2-40B4-BE49-F238E27FC236}">
+                <a16:creationId xmlns:a16="http://schemas.microsoft.com/office/drawing/2014/main" id="{34F91C69-DE7D-7341-8B2D-0C3ACACE9AAE}"/>
+              </a:ext>
+            </a:extLst>
+          </p:cNvPr>
+          <p:cNvSpPr txBox="1">
+            <a:spLocks/>
+          </p:cNvSpPr>
+          <p:nvPr/>
+        </p:nvSpPr>
+        <p:spPr>
+          <a:xfrm>
+            <a:off x="9268786" y="1793875"/>
+            <a:ext cx="2614603" cy="4024125"/>
+          </a:xfrm>
+          <a:prstGeom prst="rect">
+            <a:avLst/>
+          </a:prstGeom>
+        </p:spPr>
+        <p:txBody>
+          <a:bodyPr vert="horz" lIns="91440" tIns="45720" rIns="91440" bIns="45720" rtlCol="0">
+            <a:normAutofit/>
+          </a:bodyPr>
+          <a:lstStyle>
+            <a:lvl1pPr marL="228600" indent="-228600" algn="l" defTabSz="914400" rtl="0" eaLnBrk="1" latinLnBrk="0" hangingPunct="1">
+              <a:lnSpc>
+                <a:spcPct val="90000"/>
+              </a:lnSpc>
+              <a:spcBef>
+                <a:spcPts val="1000"/>
+              </a:spcBef>
+              <a:buFont typeface="Arial" panose="020B0604020202020204" pitchFamily="34" charset="0"/>
+              <a:buChar char="•"/>
+              <a:defRPr sz="2200" kern="1200">
+                <a:solidFill>
+                  <a:schemeClr val="tx1"/>
+                </a:solidFill>
+                <a:latin typeface="+mn-lt"/>
+                <a:ea typeface="+mn-ea"/>
+                <a:cs typeface="+mn-cs"/>
+              </a:defRPr>
+            </a:lvl1pPr>
+            <a:lvl2pPr marL="685800" indent="-228600" algn="l" defTabSz="914400" rtl="0" eaLnBrk="1" latinLnBrk="0" hangingPunct="1">
+              <a:lnSpc>
+                <a:spcPct val="90000"/>
+              </a:lnSpc>
+              <a:spcBef>
+                <a:spcPts val="500"/>
+              </a:spcBef>
+              <a:buFont typeface="Arial" panose="020B0604020202020204" pitchFamily="34" charset="0"/>
+              <a:buChar char="•"/>
+              <a:defRPr sz="2000" kern="1200">
+                <a:solidFill>
+                  <a:schemeClr val="tx1"/>
+                </a:solidFill>
+                <a:latin typeface="+mn-lt"/>
+                <a:ea typeface="+mn-ea"/>
+                <a:cs typeface="+mn-cs"/>
+              </a:defRPr>
+            </a:lvl2pPr>
+            <a:lvl3pPr marL="1143000" indent="-228600" algn="l" defTabSz="914400" rtl="0" eaLnBrk="1" latinLnBrk="0" hangingPunct="1">
+              <a:lnSpc>
+                <a:spcPct val="90000"/>
+              </a:lnSpc>
+              <a:spcBef>
+                <a:spcPts val="500"/>
+              </a:spcBef>
+              <a:buFont typeface="Arial" panose="020B0604020202020204" pitchFamily="34" charset="0"/>
+              <a:buChar char="•"/>
+              <a:defRPr sz="1800" kern="1200">
+                <a:solidFill>
+                  <a:schemeClr val="tx1"/>
+                </a:solidFill>
+                <a:latin typeface="+mn-lt"/>
+                <a:ea typeface="+mn-ea"/>
+                <a:cs typeface="+mn-cs"/>
+              </a:defRPr>
+            </a:lvl3pPr>
+            <a:lvl4pPr marL="1600200" indent="-228600" algn="l" defTabSz="914400" rtl="0" eaLnBrk="1" latinLnBrk="0" hangingPunct="1">
+              <a:lnSpc>
+                <a:spcPct val="90000"/>
+              </a:lnSpc>
+              <a:spcBef>
+                <a:spcPts val="500"/>
+              </a:spcBef>
+              <a:buFont typeface="Arial" panose="020B0604020202020204" pitchFamily="34" charset="0"/>
+              <a:buChar char="•"/>
+              <a:defRPr sz="1600" kern="1200">
+                <a:solidFill>
+                  <a:schemeClr val="tx1"/>
+                </a:solidFill>
+                <a:latin typeface="+mn-lt"/>
+                <a:ea typeface="+mn-ea"/>
+                <a:cs typeface="+mn-cs"/>
+              </a:defRPr>
+            </a:lvl4pPr>
+            <a:lvl5pPr marL="2057400" indent="-228600" algn="l" defTabSz="914400" rtl="0" eaLnBrk="1" latinLnBrk="0" hangingPunct="1">
+              <a:lnSpc>
+                <a:spcPct val="90000"/>
+              </a:lnSpc>
+              <a:spcBef>
+                <a:spcPts val="500"/>
+              </a:spcBef>
+              <a:buFont typeface="Arial" panose="020B0604020202020204" pitchFamily="34" charset="0"/>
+              <a:buChar char="•"/>
+              <a:defRPr sz="1600" kern="1200">
+                <a:solidFill>
+                  <a:schemeClr val="tx1"/>
+                </a:solidFill>
+                <a:latin typeface="+mn-lt"/>
+                <a:ea typeface="+mn-ea"/>
+                <a:cs typeface="+mn-cs"/>
+              </a:defRPr>
+            </a:lvl5pPr>
+            <a:lvl6pPr marL="2514600" indent="-228600" algn="l" defTabSz="914400" rtl="0" eaLnBrk="1" latinLnBrk="0" hangingPunct="1">
+              <a:lnSpc>
+                <a:spcPct val="90000"/>
+              </a:lnSpc>
+              <a:spcBef>
+                <a:spcPts val="500"/>
+              </a:spcBef>
+              <a:buFont typeface="Arial" panose="020B0604020202020204" pitchFamily="34" charset="0"/>
+              <a:buChar char="•"/>
+              <a:defRPr sz="1600" kern="1200">
+                <a:solidFill>
+                  <a:schemeClr val="tx1"/>
+                </a:solidFill>
+                <a:latin typeface="+mn-lt"/>
+                <a:ea typeface="+mn-ea"/>
+                <a:cs typeface="+mn-cs"/>
+              </a:defRPr>
+            </a:lvl6pPr>
+            <a:lvl7pPr marL="2971800" indent="-228600" algn="l" defTabSz="914400" rtl="0" eaLnBrk="1" latinLnBrk="0" hangingPunct="1">
+              <a:lnSpc>
+                <a:spcPct val="90000"/>
+              </a:lnSpc>
+              <a:spcBef>
+                <a:spcPts val="500"/>
+              </a:spcBef>
+              <a:buFont typeface="Arial" panose="020B0604020202020204" pitchFamily="34" charset="0"/>
+              <a:buChar char="•"/>
+              <a:defRPr sz="1600" kern="1200">
+                <a:solidFill>
+                  <a:schemeClr val="tx1"/>
+                </a:solidFill>
+                <a:latin typeface="+mn-lt"/>
+                <a:ea typeface="+mn-ea"/>
+                <a:cs typeface="+mn-cs"/>
+              </a:defRPr>
+            </a:lvl7pPr>
+            <a:lvl8pPr marL="3429000" indent="-228600" algn="l" defTabSz="914400" rtl="0" eaLnBrk="1" latinLnBrk="0" hangingPunct="1">
+              <a:lnSpc>
+                <a:spcPct val="90000"/>
+              </a:lnSpc>
+              <a:spcBef>
+                <a:spcPts val="500"/>
+              </a:spcBef>
+              <a:buFont typeface="Arial" panose="020B0604020202020204" pitchFamily="34" charset="0"/>
+              <a:buChar char="•"/>
+              <a:defRPr sz="1600" kern="1200">
+                <a:solidFill>
+                  <a:schemeClr val="tx1"/>
+                </a:solidFill>
+                <a:latin typeface="+mn-lt"/>
+                <a:ea typeface="+mn-ea"/>
+                <a:cs typeface="+mn-cs"/>
+              </a:defRPr>
+            </a:lvl8pPr>
+            <a:lvl9pPr marL="3886200" indent="-228600" algn="l" defTabSz="914400" rtl="0" eaLnBrk="1" latinLnBrk="0" hangingPunct="1">
+              <a:lnSpc>
+                <a:spcPct val="90000"/>
+              </a:lnSpc>
+              <a:spcBef>
+                <a:spcPts val="500"/>
+              </a:spcBef>
+              <a:buFont typeface="Arial" panose="020B0604020202020204" pitchFamily="34" charset="0"/>
+              <a:buChar char="•"/>
+              <a:defRPr sz="1600" kern="1200">
+                <a:solidFill>
+                  <a:schemeClr val="tx1"/>
+                </a:solidFill>
+                <a:latin typeface="+mn-lt"/>
+                <a:ea typeface="+mn-ea"/>
+                <a:cs typeface="+mn-cs"/>
+              </a:defRPr>
+            </a:lvl9pPr>
+          </a:lstStyle>
+          <a:p>
+            <a:r>
+              <a:rPr lang="en-US" sz="2000" dirty="0"/>
+              <a:t>The different neighbors in these cities can be allocated to each of the cluster identified, except cluster 1.</a:t>
+            </a:r>
+          </a:p>
+        </p:txBody>
+      </p:sp>
+      <p:graphicFrame>
+        <p:nvGraphicFramePr>
+          <p:cNvPr id="3" name="Table 2">
+            <a:extLst>
+              <a:ext uri="{FF2B5EF4-FFF2-40B4-BE49-F238E27FC236}">
+                <a16:creationId xmlns:a16="http://schemas.microsoft.com/office/drawing/2014/main" id="{613BB8FA-F7DF-8F4F-8F50-066DC07B85FF}"/>
+              </a:ext>
+            </a:extLst>
+          </p:cNvPr>
+          <p:cNvGraphicFramePr>
+            <a:graphicFrameLocks noGrp="1"/>
+          </p:cNvGraphicFramePr>
+          <p:nvPr>
+            <p:extLst>
+              <p:ext uri="{D42A27DB-BD31-4B8C-83A1-F6EECF244321}">
+                <p14:modId xmlns:p14="http://schemas.microsoft.com/office/powerpoint/2010/main" val="2508814897"/>
+              </p:ext>
+            </p:extLst>
+          </p:nvPr>
+        </p:nvGraphicFramePr>
+        <p:xfrm>
+          <a:off x="198720" y="1322212"/>
+          <a:ext cx="9070066" cy="5398630"/>
+        </p:xfrm>
+        <a:graphic>
+          <a:graphicData uri="http://schemas.openxmlformats.org/drawingml/2006/table">
+            <a:tbl>
+              <a:tblPr firstRow="1" firstCol="1" bandRow="1">
+                <a:tableStyleId>{5C22544A-7EE6-4342-B048-85BDC9FD1C3A}</a:tableStyleId>
+              </a:tblPr>
+              <a:tblGrid>
+                <a:gridCol w="895192">
+                  <a:extLst>
+                    <a:ext uri="{9D8B030D-6E8A-4147-A177-3AD203B41FA5}">
+                      <a16:colId xmlns:a16="http://schemas.microsoft.com/office/drawing/2014/main" val="2259799338"/>
+                    </a:ext>
+                  </a:extLst>
+                </a:gridCol>
+                <a:gridCol w="908824">
+                  <a:extLst>
+                    <a:ext uri="{9D8B030D-6E8A-4147-A177-3AD203B41FA5}">
+                      <a16:colId xmlns:a16="http://schemas.microsoft.com/office/drawing/2014/main" val="3976916767"/>
+                    </a:ext>
+                  </a:extLst>
+                </a:gridCol>
+                <a:gridCol w="989709">
+                  <a:extLst>
+                    <a:ext uri="{9D8B030D-6E8A-4147-A177-3AD203B41FA5}">
+                      <a16:colId xmlns:a16="http://schemas.microsoft.com/office/drawing/2014/main" val="1760998009"/>
+                    </a:ext>
+                  </a:extLst>
+                </a:gridCol>
+                <a:gridCol w="949721">
+                  <a:extLst>
+                    <a:ext uri="{9D8B030D-6E8A-4147-A177-3AD203B41FA5}">
+                      <a16:colId xmlns:a16="http://schemas.microsoft.com/office/drawing/2014/main" val="337458181"/>
+                    </a:ext>
+                  </a:extLst>
+                </a:gridCol>
+                <a:gridCol w="904154">
+                  <a:extLst>
+                    <a:ext uri="{9D8B030D-6E8A-4147-A177-3AD203B41FA5}">
+                      <a16:colId xmlns:a16="http://schemas.microsoft.com/office/drawing/2014/main" val="3165920202"/>
+                    </a:ext>
+                  </a:extLst>
+                </a:gridCol>
+                <a:gridCol w="982980">
+                  <a:extLst>
+                    <a:ext uri="{9D8B030D-6E8A-4147-A177-3AD203B41FA5}">
+                      <a16:colId xmlns:a16="http://schemas.microsoft.com/office/drawing/2014/main" val="2006675702"/>
+                    </a:ext>
+                  </a:extLst>
+                </a:gridCol>
+                <a:gridCol w="893869">
+                  <a:extLst>
+                    <a:ext uri="{9D8B030D-6E8A-4147-A177-3AD203B41FA5}">
+                      <a16:colId xmlns:a16="http://schemas.microsoft.com/office/drawing/2014/main" val="2755460250"/>
+                    </a:ext>
+                  </a:extLst>
+                </a:gridCol>
+                <a:gridCol w="889211">
+                  <a:extLst>
+                    <a:ext uri="{9D8B030D-6E8A-4147-A177-3AD203B41FA5}">
+                      <a16:colId xmlns:a16="http://schemas.microsoft.com/office/drawing/2014/main" val="1351955059"/>
+                    </a:ext>
+                  </a:extLst>
+                </a:gridCol>
+                <a:gridCol w="868680">
+                  <a:extLst>
+                    <a:ext uri="{9D8B030D-6E8A-4147-A177-3AD203B41FA5}">
+                      <a16:colId xmlns:a16="http://schemas.microsoft.com/office/drawing/2014/main" val="581508470"/>
+                    </a:ext>
+                  </a:extLst>
+                </a:gridCol>
+                <a:gridCol w="787726">
+                  <a:extLst>
+                    <a:ext uri="{9D8B030D-6E8A-4147-A177-3AD203B41FA5}">
+                      <a16:colId xmlns:a16="http://schemas.microsoft.com/office/drawing/2014/main" val="3632632934"/>
+                    </a:ext>
+                  </a:extLst>
+                </a:gridCol>
+              </a:tblGrid>
+              <a:tr h="402596">
+                <a:tc>
+                  <a:txBody>
+                    <a:bodyPr/>
+                    <a:lstStyle/>
+                    <a:p>
+                      <a:pPr marL="0" marR="0" algn="ctr">
+                        <a:spcBef>
+                          <a:spcPts val="0"/>
+                        </a:spcBef>
+                        <a:spcAft>
+                          <a:spcPts val="0"/>
+                        </a:spcAft>
+                      </a:pPr>
+                      <a:r>
+                        <a:rPr lang="en-US" sz="1000" dirty="0">
+                          <a:effectLst/>
+                        </a:rPr>
+                        <a:t>Neighborhood</a:t>
+                      </a:r>
+                      <a:endParaRPr lang="en-US" sz="1200" dirty="0">
+                        <a:effectLst/>
+                        <a:latin typeface="Times New Roman" panose="02020603050405020304" pitchFamily="18" charset="0"/>
+                        <a:ea typeface="Times New Roman" panose="02020603050405020304" pitchFamily="18" charset="0"/>
+                        <a:cs typeface="Times New Roman" panose="02020603050405020304" pitchFamily="18" charset="0"/>
+                      </a:endParaRPr>
+                    </a:p>
+                  </a:txBody>
+                  <a:tcPr marL="59359" marR="59359" marT="0" marB="0" anchor="ctr"/>
+                </a:tc>
+                <a:tc>
+                  <a:txBody>
+                    <a:bodyPr/>
+                    <a:lstStyle/>
+                    <a:p>
+                      <a:pPr marL="0" marR="0" algn="ctr">
+                        <a:spcBef>
+                          <a:spcPts val="0"/>
+                        </a:spcBef>
+                        <a:spcAft>
+                          <a:spcPts val="0"/>
+                        </a:spcAft>
+                      </a:pPr>
+                      <a:r>
+                        <a:rPr lang="en-US" sz="1000" dirty="0">
+                          <a:effectLst/>
+                        </a:rPr>
+                        <a:t>Evergreen</a:t>
+                      </a:r>
+                      <a:endParaRPr lang="en-US" sz="1200" dirty="0">
+                        <a:effectLst/>
+                        <a:latin typeface="Times New Roman" panose="02020603050405020304" pitchFamily="18" charset="0"/>
+                        <a:ea typeface="Times New Roman" panose="02020603050405020304" pitchFamily="18" charset="0"/>
+                        <a:cs typeface="Times New Roman" panose="02020603050405020304" pitchFamily="18" charset="0"/>
+                      </a:endParaRPr>
+                    </a:p>
+                  </a:txBody>
+                  <a:tcPr marL="59359" marR="59359" marT="0" marB="0" anchor="ctr"/>
+                </a:tc>
+                <a:tc>
+                  <a:txBody>
+                    <a:bodyPr/>
+                    <a:lstStyle/>
+                    <a:p>
+                      <a:pPr marL="0" marR="0" algn="ctr">
+                        <a:spcBef>
+                          <a:spcPts val="0"/>
+                        </a:spcBef>
+                        <a:spcAft>
+                          <a:spcPts val="0"/>
+                        </a:spcAft>
+                      </a:pPr>
+                      <a:r>
+                        <a:rPr lang="en-US" sz="1000" dirty="0">
+                          <a:effectLst/>
+                        </a:rPr>
+                        <a:t>Adelaide</a:t>
+                      </a:r>
+                      <a:endParaRPr lang="en-US" sz="1200" dirty="0">
+                        <a:effectLst/>
+                        <a:latin typeface="Times New Roman" panose="02020603050405020304" pitchFamily="18" charset="0"/>
+                        <a:ea typeface="Times New Roman" panose="02020603050405020304" pitchFamily="18" charset="0"/>
+                        <a:cs typeface="Times New Roman" panose="02020603050405020304" pitchFamily="18" charset="0"/>
+                      </a:endParaRPr>
+                    </a:p>
+                  </a:txBody>
+                  <a:tcPr marL="59359" marR="59359" marT="0" marB="0" anchor="ctr"/>
+                </a:tc>
+                <a:tc>
+                  <a:txBody>
+                    <a:bodyPr/>
+                    <a:lstStyle/>
+                    <a:p>
+                      <a:pPr marL="0" marR="0" algn="ctr">
+                        <a:spcBef>
+                          <a:spcPts val="0"/>
+                        </a:spcBef>
+                        <a:spcAft>
+                          <a:spcPts val="0"/>
+                        </a:spcAft>
+                      </a:pPr>
+                      <a:r>
+                        <a:rPr lang="en-US" sz="1000" dirty="0">
+                          <a:effectLst/>
+                        </a:rPr>
+                        <a:t>Mayfair</a:t>
+                      </a:r>
+                      <a:endParaRPr lang="en-US" sz="1200" dirty="0">
+                        <a:effectLst/>
+                        <a:latin typeface="Times New Roman" panose="02020603050405020304" pitchFamily="18" charset="0"/>
+                        <a:ea typeface="Times New Roman" panose="02020603050405020304" pitchFamily="18" charset="0"/>
+                        <a:cs typeface="Times New Roman" panose="02020603050405020304" pitchFamily="18" charset="0"/>
+                      </a:endParaRPr>
+                    </a:p>
+                  </a:txBody>
+                  <a:tcPr marL="59359" marR="59359" marT="0" marB="0" anchor="ctr"/>
+                </a:tc>
+                <a:tc>
+                  <a:txBody>
+                    <a:bodyPr/>
+                    <a:lstStyle/>
+                    <a:p>
+                      <a:pPr marL="0" marR="0" algn="ctr">
+                        <a:spcBef>
+                          <a:spcPts val="0"/>
+                        </a:spcBef>
+                        <a:spcAft>
+                          <a:spcPts val="0"/>
+                        </a:spcAft>
+                      </a:pPr>
+                      <a:r>
+                        <a:rPr lang="en-US" sz="1000">
+                          <a:effectLst/>
+                        </a:rPr>
+                        <a:t>Lakeview</a:t>
+                      </a:r>
+                      <a:endParaRPr lang="en-US" sz="1200">
+                        <a:effectLst/>
+                        <a:latin typeface="Times New Roman" panose="02020603050405020304" pitchFamily="18" charset="0"/>
+                        <a:ea typeface="Times New Roman" panose="02020603050405020304" pitchFamily="18" charset="0"/>
+                        <a:cs typeface="Times New Roman" panose="02020603050405020304" pitchFamily="18" charset="0"/>
+                      </a:endParaRPr>
+                    </a:p>
+                  </a:txBody>
+                  <a:tcPr marL="59359" marR="59359" marT="0" marB="0" anchor="ctr"/>
+                </a:tc>
+                <a:tc>
+                  <a:txBody>
+                    <a:bodyPr/>
+                    <a:lstStyle/>
+                    <a:p>
+                      <a:pPr marL="0" marR="0" algn="ctr">
+                        <a:spcBef>
+                          <a:spcPts val="0"/>
+                        </a:spcBef>
+                        <a:spcAft>
+                          <a:spcPts val="0"/>
+                        </a:spcAft>
+                      </a:pPr>
+                      <a:r>
+                        <a:rPr lang="en-US" sz="1000" dirty="0">
+                          <a:effectLst/>
+                        </a:rPr>
+                        <a:t>Centerville</a:t>
+                      </a:r>
+                      <a:endParaRPr lang="en-US" sz="1200" dirty="0">
+                        <a:effectLst/>
+                        <a:latin typeface="Times New Roman" panose="02020603050405020304" pitchFamily="18" charset="0"/>
+                        <a:ea typeface="Times New Roman" panose="02020603050405020304" pitchFamily="18" charset="0"/>
+                        <a:cs typeface="Times New Roman" panose="02020603050405020304" pitchFamily="18" charset="0"/>
+                      </a:endParaRPr>
+                    </a:p>
+                  </a:txBody>
+                  <a:tcPr marL="59359" marR="59359" marT="0" marB="0" anchor="ctr"/>
+                </a:tc>
+                <a:tc>
+                  <a:txBody>
+                    <a:bodyPr/>
+                    <a:lstStyle/>
+                    <a:p>
+                      <a:pPr marL="0" marR="0" algn="ctr">
+                        <a:spcBef>
+                          <a:spcPts val="0"/>
+                        </a:spcBef>
+                        <a:spcAft>
+                          <a:spcPts val="0"/>
+                        </a:spcAft>
+                      </a:pPr>
+                      <a:r>
+                        <a:rPr lang="en-US" sz="1000">
+                          <a:effectLst/>
+                        </a:rPr>
+                        <a:t>Niles</a:t>
+                      </a:r>
+                      <a:endParaRPr lang="en-US" sz="1200">
+                        <a:effectLst/>
+                        <a:latin typeface="Times New Roman" panose="02020603050405020304" pitchFamily="18" charset="0"/>
+                        <a:ea typeface="Times New Roman" panose="02020603050405020304" pitchFamily="18" charset="0"/>
+                        <a:cs typeface="Times New Roman" panose="02020603050405020304" pitchFamily="18" charset="0"/>
+                      </a:endParaRPr>
+                    </a:p>
+                  </a:txBody>
+                  <a:tcPr marL="59359" marR="59359" marT="0" marB="0" anchor="ctr"/>
+                </a:tc>
+                <a:tc>
+                  <a:txBody>
+                    <a:bodyPr/>
+                    <a:lstStyle/>
+                    <a:p>
+                      <a:pPr marL="0" marR="0" algn="ctr">
+                        <a:spcBef>
+                          <a:spcPts val="0"/>
+                        </a:spcBef>
+                        <a:spcAft>
+                          <a:spcPts val="0"/>
+                        </a:spcAft>
+                      </a:pPr>
+                      <a:r>
+                        <a:rPr lang="en-US" sz="1000" dirty="0">
+                          <a:effectLst/>
+                        </a:rPr>
+                        <a:t>Irvington</a:t>
+                      </a:r>
+                      <a:endParaRPr lang="en-US" sz="1200" dirty="0">
+                        <a:effectLst/>
+                        <a:latin typeface="Times New Roman" panose="02020603050405020304" pitchFamily="18" charset="0"/>
+                        <a:ea typeface="Times New Roman" panose="02020603050405020304" pitchFamily="18" charset="0"/>
+                        <a:cs typeface="Times New Roman" panose="02020603050405020304" pitchFamily="18" charset="0"/>
+                      </a:endParaRPr>
+                    </a:p>
+                  </a:txBody>
+                  <a:tcPr marL="59359" marR="59359" marT="0" marB="0" anchor="ctr"/>
+                </a:tc>
+                <a:tc>
+                  <a:txBody>
+                    <a:bodyPr/>
+                    <a:lstStyle/>
+                    <a:p>
+                      <a:pPr marL="0" marR="0" algn="ctr">
+                        <a:spcBef>
+                          <a:spcPts val="0"/>
+                        </a:spcBef>
+                        <a:spcAft>
+                          <a:spcPts val="0"/>
+                        </a:spcAft>
+                      </a:pPr>
+                      <a:r>
+                        <a:rPr lang="en-US" sz="1000" dirty="0">
+                          <a:effectLst/>
+                        </a:rPr>
+                        <a:t>Warm Springs</a:t>
+                      </a:r>
+                      <a:endParaRPr lang="en-US" sz="1200" dirty="0">
+                        <a:effectLst/>
+                        <a:latin typeface="Times New Roman" panose="02020603050405020304" pitchFamily="18" charset="0"/>
+                        <a:ea typeface="Times New Roman" panose="02020603050405020304" pitchFamily="18" charset="0"/>
+                        <a:cs typeface="Times New Roman" panose="02020603050405020304" pitchFamily="18" charset="0"/>
+                      </a:endParaRPr>
+                    </a:p>
+                  </a:txBody>
+                  <a:tcPr marL="59359" marR="59359" marT="0" marB="0" anchor="ctr"/>
+                </a:tc>
+                <a:tc>
+                  <a:txBody>
+                    <a:bodyPr/>
+                    <a:lstStyle/>
+                    <a:p>
+                      <a:pPr marL="0" marR="0" algn="ctr">
+                        <a:spcBef>
+                          <a:spcPts val="0"/>
+                        </a:spcBef>
+                        <a:spcAft>
+                          <a:spcPts val="0"/>
+                        </a:spcAft>
+                      </a:pPr>
+                      <a:r>
+                        <a:rPr lang="en-US" sz="1000" dirty="0">
+                          <a:effectLst/>
+                        </a:rPr>
+                        <a:t>Mission San Jose</a:t>
+                      </a:r>
+                      <a:endParaRPr lang="en-US" sz="1200" dirty="0">
+                        <a:effectLst/>
+                        <a:latin typeface="Times New Roman" panose="02020603050405020304" pitchFamily="18" charset="0"/>
+                        <a:ea typeface="Times New Roman" panose="02020603050405020304" pitchFamily="18" charset="0"/>
+                        <a:cs typeface="Times New Roman" panose="02020603050405020304" pitchFamily="18" charset="0"/>
+                      </a:endParaRPr>
+                    </a:p>
+                  </a:txBody>
+                  <a:tcPr marL="59359" marR="59359" marT="0" marB="0" anchor="ctr"/>
+                </a:tc>
+                <a:extLst>
+                  <a:ext uri="{0D108BD9-81ED-4DB2-BD59-A6C34878D82A}">
+                    <a16:rowId xmlns:a16="http://schemas.microsoft.com/office/drawing/2014/main" val="2854959064"/>
+                  </a:ext>
+                </a:extLst>
+              </a:tr>
+              <a:tr h="256207">
+                <a:tc>
+                  <a:txBody>
+                    <a:bodyPr/>
+                    <a:lstStyle/>
+                    <a:p>
+                      <a:pPr marL="0" marR="0" algn="ctr">
+                        <a:spcBef>
+                          <a:spcPts val="0"/>
+                        </a:spcBef>
+                        <a:spcAft>
+                          <a:spcPts val="0"/>
+                        </a:spcAft>
+                      </a:pPr>
+                      <a:r>
+                        <a:rPr lang="en-US" sz="800" dirty="0">
+                          <a:effectLst/>
+                        </a:rPr>
+                        <a:t>City</a:t>
+                      </a:r>
+                      <a:endParaRPr lang="en-US" sz="1050" dirty="0">
+                        <a:effectLst/>
+                        <a:latin typeface="Times New Roman" panose="02020603050405020304" pitchFamily="18" charset="0"/>
+                        <a:ea typeface="Times New Roman" panose="02020603050405020304" pitchFamily="18" charset="0"/>
+                        <a:cs typeface="Times New Roman" panose="02020603050405020304" pitchFamily="18" charset="0"/>
+                      </a:endParaRPr>
+                    </a:p>
+                  </a:txBody>
+                  <a:tcPr marL="59359" marR="59359" marT="0" marB="0" anchor="ctr"/>
+                </a:tc>
+                <a:tc>
+                  <a:txBody>
+                    <a:bodyPr/>
+                    <a:lstStyle/>
+                    <a:p>
+                      <a:pPr marL="0" marR="0" algn="ctr" defTabSz="914400" rtl="0" eaLnBrk="1" latinLnBrk="0" hangingPunct="1">
+                        <a:spcBef>
+                          <a:spcPts val="0"/>
+                        </a:spcBef>
+                        <a:spcAft>
+                          <a:spcPts val="0"/>
+                        </a:spcAft>
+                      </a:pPr>
+                      <a:r>
+                        <a:rPr lang="en-US" sz="1000" b="1" kern="1200" dirty="0" err="1">
+                          <a:solidFill>
+                            <a:schemeClr val="lt1"/>
+                          </a:solidFill>
+                          <a:effectLst/>
+                          <a:latin typeface="+mn-lt"/>
+                          <a:ea typeface="+mn-ea"/>
+                          <a:cs typeface="+mn-cs"/>
+                        </a:rPr>
+                        <a:t>Saskatoon</a:t>
+                      </a:r>
+                      <a:endParaRPr lang="en-US" sz="1000" b="1" kern="1200" dirty="0">
+                        <a:solidFill>
+                          <a:schemeClr val="lt1"/>
+                        </a:solidFill>
+                        <a:effectLst/>
+                        <a:latin typeface="+mn-lt"/>
+                        <a:ea typeface="+mn-ea"/>
+                        <a:cs typeface="+mn-cs"/>
+                      </a:endParaRPr>
+                    </a:p>
+                  </a:txBody>
+                  <a:tcPr marL="59359" marR="59359" marT="0" marB="0" anchor="ctr">
+                    <a:solidFill>
+                      <a:srgbClr val="FF0000"/>
+                    </a:solidFill>
+                  </a:tcPr>
+                </a:tc>
+                <a:tc>
+                  <a:txBody>
+                    <a:bodyPr/>
+                    <a:lstStyle/>
+                    <a:p>
+                      <a:pPr marL="0" marR="0" algn="ctr" defTabSz="914400" rtl="0" eaLnBrk="1" latinLnBrk="0" hangingPunct="1">
+                        <a:spcBef>
+                          <a:spcPts val="0"/>
+                        </a:spcBef>
+                        <a:spcAft>
+                          <a:spcPts val="0"/>
+                        </a:spcAft>
+                      </a:pPr>
+                      <a:r>
+                        <a:rPr lang="en-US" sz="1000" b="1" kern="1200" dirty="0" err="1">
+                          <a:solidFill>
+                            <a:schemeClr val="lt1"/>
+                          </a:solidFill>
+                          <a:effectLst/>
+                          <a:latin typeface="+mn-lt"/>
+                          <a:ea typeface="+mn-ea"/>
+                          <a:cs typeface="+mn-cs"/>
+                        </a:rPr>
+                        <a:t>Saskatoon</a:t>
+                      </a:r>
+                      <a:endParaRPr lang="en-US" sz="1000" b="1" kern="1200" dirty="0">
+                        <a:solidFill>
+                          <a:schemeClr val="lt1"/>
+                        </a:solidFill>
+                        <a:effectLst/>
+                        <a:latin typeface="+mn-lt"/>
+                        <a:ea typeface="+mn-ea"/>
+                        <a:cs typeface="+mn-cs"/>
+                      </a:endParaRPr>
+                    </a:p>
+                  </a:txBody>
+                  <a:tcPr marL="59359" marR="59359" marT="0" marB="0" anchor="ctr">
+                    <a:solidFill>
+                      <a:srgbClr val="FF0000"/>
+                    </a:solidFill>
+                  </a:tcPr>
+                </a:tc>
+                <a:tc>
+                  <a:txBody>
+                    <a:bodyPr/>
+                    <a:lstStyle/>
+                    <a:p>
+                      <a:pPr marL="0" marR="0" algn="ctr" defTabSz="914400" rtl="0" eaLnBrk="1" latinLnBrk="0" hangingPunct="1">
+                        <a:spcBef>
+                          <a:spcPts val="0"/>
+                        </a:spcBef>
+                        <a:spcAft>
+                          <a:spcPts val="0"/>
+                        </a:spcAft>
+                      </a:pPr>
+                      <a:r>
+                        <a:rPr lang="en-US" sz="1000" b="1" kern="1200" dirty="0" err="1">
+                          <a:solidFill>
+                            <a:schemeClr val="lt1"/>
+                          </a:solidFill>
+                          <a:effectLst/>
+                          <a:latin typeface="+mn-lt"/>
+                          <a:ea typeface="+mn-ea"/>
+                          <a:cs typeface="+mn-cs"/>
+                        </a:rPr>
+                        <a:t>Saskatoon</a:t>
+                      </a:r>
+                      <a:endParaRPr lang="en-US" sz="1000" b="1" kern="1200" dirty="0">
+                        <a:solidFill>
+                          <a:schemeClr val="lt1"/>
+                        </a:solidFill>
+                        <a:effectLst/>
+                        <a:latin typeface="+mn-lt"/>
+                        <a:ea typeface="+mn-ea"/>
+                        <a:cs typeface="+mn-cs"/>
+                      </a:endParaRPr>
+                    </a:p>
+                  </a:txBody>
+                  <a:tcPr marL="59359" marR="59359" marT="0" marB="0" anchor="ctr">
+                    <a:solidFill>
+                      <a:srgbClr val="FF0000"/>
+                    </a:solidFill>
+                  </a:tcPr>
+                </a:tc>
+                <a:tc>
+                  <a:txBody>
+                    <a:bodyPr/>
+                    <a:lstStyle/>
+                    <a:p>
+                      <a:pPr marL="0" marR="0" algn="ctr" defTabSz="914400" rtl="0" eaLnBrk="1" latinLnBrk="0" hangingPunct="1">
+                        <a:spcBef>
+                          <a:spcPts val="0"/>
+                        </a:spcBef>
+                        <a:spcAft>
+                          <a:spcPts val="0"/>
+                        </a:spcAft>
+                      </a:pPr>
+                      <a:r>
+                        <a:rPr lang="en-US" sz="1000" b="1" kern="1200">
+                          <a:solidFill>
+                            <a:schemeClr val="lt1"/>
+                          </a:solidFill>
+                          <a:effectLst/>
+                          <a:latin typeface="+mn-lt"/>
+                          <a:ea typeface="+mn-ea"/>
+                          <a:cs typeface="+mn-cs"/>
+                        </a:rPr>
+                        <a:t>Saskatoon</a:t>
+                      </a:r>
+                    </a:p>
+                  </a:txBody>
+                  <a:tcPr marL="59359" marR="59359" marT="0" marB="0" anchor="ctr">
+                    <a:solidFill>
+                      <a:srgbClr val="FF0000"/>
+                    </a:solidFill>
+                  </a:tcPr>
+                </a:tc>
+                <a:tc>
+                  <a:txBody>
+                    <a:bodyPr/>
+                    <a:lstStyle/>
+                    <a:p>
+                      <a:pPr marL="0" marR="0" algn="ctr" defTabSz="914400" rtl="0" eaLnBrk="1" latinLnBrk="0" hangingPunct="1">
+                        <a:spcBef>
+                          <a:spcPts val="0"/>
+                        </a:spcBef>
+                        <a:spcAft>
+                          <a:spcPts val="0"/>
+                        </a:spcAft>
+                      </a:pPr>
+                      <a:r>
+                        <a:rPr lang="en-US" sz="1000" b="1" kern="1200">
+                          <a:solidFill>
+                            <a:schemeClr val="lt1"/>
+                          </a:solidFill>
+                          <a:effectLst/>
+                          <a:latin typeface="+mn-lt"/>
+                          <a:ea typeface="+mn-ea"/>
+                          <a:cs typeface="+mn-cs"/>
+                        </a:rPr>
+                        <a:t>Fremont</a:t>
+                      </a:r>
+                    </a:p>
+                  </a:txBody>
+                  <a:tcPr marL="59359" marR="59359" marT="0" marB="0" anchor="ctr">
+                    <a:solidFill>
+                      <a:srgbClr val="FF0000"/>
+                    </a:solidFill>
+                  </a:tcPr>
+                </a:tc>
+                <a:tc>
+                  <a:txBody>
+                    <a:bodyPr/>
+                    <a:lstStyle/>
+                    <a:p>
+                      <a:pPr marL="0" marR="0" algn="ctr" defTabSz="914400" rtl="0" eaLnBrk="1" latinLnBrk="0" hangingPunct="1">
+                        <a:spcBef>
+                          <a:spcPts val="0"/>
+                        </a:spcBef>
+                        <a:spcAft>
+                          <a:spcPts val="0"/>
+                        </a:spcAft>
+                      </a:pPr>
+                      <a:r>
+                        <a:rPr lang="en-US" sz="1000" b="1" kern="1200">
+                          <a:solidFill>
+                            <a:schemeClr val="lt1"/>
+                          </a:solidFill>
+                          <a:effectLst/>
+                          <a:latin typeface="+mn-lt"/>
+                          <a:ea typeface="+mn-ea"/>
+                          <a:cs typeface="+mn-cs"/>
+                        </a:rPr>
+                        <a:t>Fremont</a:t>
+                      </a:r>
+                    </a:p>
+                  </a:txBody>
+                  <a:tcPr marL="59359" marR="59359" marT="0" marB="0" anchor="ctr">
+                    <a:solidFill>
+                      <a:srgbClr val="FF0000"/>
+                    </a:solidFill>
+                  </a:tcPr>
+                </a:tc>
+                <a:tc>
+                  <a:txBody>
+                    <a:bodyPr/>
+                    <a:lstStyle/>
+                    <a:p>
+                      <a:pPr marL="0" marR="0" algn="ctr" defTabSz="914400" rtl="0" eaLnBrk="1" latinLnBrk="0" hangingPunct="1">
+                        <a:spcBef>
+                          <a:spcPts val="0"/>
+                        </a:spcBef>
+                        <a:spcAft>
+                          <a:spcPts val="0"/>
+                        </a:spcAft>
+                      </a:pPr>
+                      <a:r>
+                        <a:rPr lang="en-US" sz="1000" b="1" kern="1200" dirty="0">
+                          <a:solidFill>
+                            <a:schemeClr val="lt1"/>
+                          </a:solidFill>
+                          <a:effectLst/>
+                          <a:latin typeface="+mn-lt"/>
+                          <a:ea typeface="+mn-ea"/>
+                          <a:cs typeface="+mn-cs"/>
+                        </a:rPr>
+                        <a:t>Fremont</a:t>
+                      </a:r>
+                    </a:p>
+                  </a:txBody>
+                  <a:tcPr marL="59359" marR="59359" marT="0" marB="0" anchor="ctr">
+                    <a:solidFill>
+                      <a:srgbClr val="FF0000"/>
+                    </a:solidFill>
+                  </a:tcPr>
+                </a:tc>
+                <a:tc>
+                  <a:txBody>
+                    <a:bodyPr/>
+                    <a:lstStyle/>
+                    <a:p>
+                      <a:pPr marL="0" marR="0" algn="ctr" defTabSz="914400" rtl="0" eaLnBrk="1" latinLnBrk="0" hangingPunct="1">
+                        <a:spcBef>
+                          <a:spcPts val="0"/>
+                        </a:spcBef>
+                        <a:spcAft>
+                          <a:spcPts val="0"/>
+                        </a:spcAft>
+                      </a:pPr>
+                      <a:r>
+                        <a:rPr lang="en-US" sz="1000" b="1" kern="1200" dirty="0">
+                          <a:solidFill>
+                            <a:schemeClr val="lt1"/>
+                          </a:solidFill>
+                          <a:effectLst/>
+                          <a:latin typeface="+mn-lt"/>
+                          <a:ea typeface="+mn-ea"/>
+                          <a:cs typeface="+mn-cs"/>
+                        </a:rPr>
+                        <a:t>Fremont</a:t>
+                      </a:r>
+                    </a:p>
+                  </a:txBody>
+                  <a:tcPr marL="59359" marR="59359" marT="0" marB="0" anchor="ctr">
+                    <a:solidFill>
+                      <a:srgbClr val="FF0000"/>
+                    </a:solidFill>
+                  </a:tcPr>
+                </a:tc>
+                <a:tc>
+                  <a:txBody>
+                    <a:bodyPr/>
+                    <a:lstStyle/>
+                    <a:p>
+                      <a:pPr marL="0" marR="0" algn="ctr" defTabSz="914400" rtl="0" eaLnBrk="1" latinLnBrk="0" hangingPunct="1">
+                        <a:spcBef>
+                          <a:spcPts val="0"/>
+                        </a:spcBef>
+                        <a:spcAft>
+                          <a:spcPts val="0"/>
+                        </a:spcAft>
+                      </a:pPr>
+                      <a:r>
+                        <a:rPr lang="en-US" sz="1000" b="1" kern="1200" dirty="0">
+                          <a:solidFill>
+                            <a:schemeClr val="lt1"/>
+                          </a:solidFill>
+                          <a:effectLst/>
+                          <a:latin typeface="+mn-lt"/>
+                          <a:ea typeface="+mn-ea"/>
+                          <a:cs typeface="+mn-cs"/>
+                        </a:rPr>
+                        <a:t>Fremont</a:t>
+                      </a:r>
+                    </a:p>
+                  </a:txBody>
+                  <a:tcPr marL="59359" marR="59359" marT="0" marB="0" anchor="ctr">
+                    <a:solidFill>
+                      <a:srgbClr val="FF0000"/>
+                    </a:solidFill>
+                  </a:tcPr>
+                </a:tc>
+                <a:extLst>
+                  <a:ext uri="{0D108BD9-81ED-4DB2-BD59-A6C34878D82A}">
+                    <a16:rowId xmlns:a16="http://schemas.microsoft.com/office/drawing/2014/main" val="2401939187"/>
+                  </a:ext>
+                </a:extLst>
+              </a:tr>
+              <a:tr h="256207">
+                <a:tc>
+                  <a:txBody>
+                    <a:bodyPr/>
+                    <a:lstStyle/>
+                    <a:p>
+                      <a:pPr marL="0" marR="0" algn="ctr">
+                        <a:spcBef>
+                          <a:spcPts val="0"/>
+                        </a:spcBef>
+                        <a:spcAft>
+                          <a:spcPts val="0"/>
+                        </a:spcAft>
+                      </a:pPr>
+                      <a:r>
+                        <a:rPr lang="en-US" sz="800">
+                          <a:effectLst/>
+                        </a:rPr>
+                        <a:t>Cluster Labels</a:t>
+                      </a:r>
+                      <a:endParaRPr lang="en-US" sz="1050">
+                        <a:effectLst/>
+                        <a:latin typeface="Times New Roman" panose="02020603050405020304" pitchFamily="18" charset="0"/>
+                        <a:ea typeface="Times New Roman" panose="02020603050405020304" pitchFamily="18" charset="0"/>
+                        <a:cs typeface="Times New Roman" panose="02020603050405020304" pitchFamily="18" charset="0"/>
+                      </a:endParaRPr>
+                    </a:p>
+                  </a:txBody>
+                  <a:tcPr marL="59359" marR="59359" marT="0" marB="0" anchor="ctr"/>
+                </a:tc>
+                <a:tc>
+                  <a:txBody>
+                    <a:bodyPr/>
+                    <a:lstStyle/>
+                    <a:p>
+                      <a:pPr marL="0" marR="0" algn="ctr">
+                        <a:spcBef>
+                          <a:spcPts val="0"/>
+                        </a:spcBef>
+                        <a:spcAft>
+                          <a:spcPts val="0"/>
+                        </a:spcAft>
+                      </a:pPr>
+                      <a:r>
+                        <a:rPr lang="en-US" sz="1000">
+                          <a:effectLst/>
+                        </a:rPr>
+                        <a:t>3</a:t>
+                      </a:r>
+                      <a:endParaRPr lang="en-US" sz="1200">
+                        <a:effectLst/>
+                        <a:latin typeface="Times New Roman" panose="02020603050405020304" pitchFamily="18" charset="0"/>
+                        <a:ea typeface="Times New Roman" panose="02020603050405020304" pitchFamily="18" charset="0"/>
+                        <a:cs typeface="Times New Roman" panose="02020603050405020304" pitchFamily="18" charset="0"/>
+                      </a:endParaRPr>
+                    </a:p>
+                  </a:txBody>
+                  <a:tcPr marL="59359" marR="59359" marT="0" marB="0" anchor="ctr"/>
+                </a:tc>
+                <a:tc>
+                  <a:txBody>
+                    <a:bodyPr/>
+                    <a:lstStyle/>
+                    <a:p>
+                      <a:pPr marL="0" marR="0" algn="ctr">
+                        <a:spcBef>
+                          <a:spcPts val="0"/>
+                        </a:spcBef>
+                        <a:spcAft>
+                          <a:spcPts val="0"/>
+                        </a:spcAft>
+                      </a:pPr>
+                      <a:r>
+                        <a:rPr lang="en-US" sz="1000" dirty="0">
+                          <a:effectLst/>
+                        </a:rPr>
+                        <a:t>2</a:t>
+                      </a:r>
+                      <a:endParaRPr lang="en-US" sz="1200" dirty="0">
+                        <a:effectLst/>
+                        <a:latin typeface="Times New Roman" panose="02020603050405020304" pitchFamily="18" charset="0"/>
+                        <a:ea typeface="Times New Roman" panose="02020603050405020304" pitchFamily="18" charset="0"/>
+                        <a:cs typeface="Times New Roman" panose="02020603050405020304" pitchFamily="18" charset="0"/>
+                      </a:endParaRPr>
+                    </a:p>
+                  </a:txBody>
+                  <a:tcPr marL="59359" marR="59359" marT="0" marB="0" anchor="ctr"/>
+                </a:tc>
+                <a:tc>
+                  <a:txBody>
+                    <a:bodyPr/>
+                    <a:lstStyle/>
+                    <a:p>
+                      <a:pPr marL="0" marR="0" algn="ctr">
+                        <a:spcBef>
+                          <a:spcPts val="0"/>
+                        </a:spcBef>
+                        <a:spcAft>
+                          <a:spcPts val="0"/>
+                        </a:spcAft>
+                      </a:pPr>
+                      <a:r>
+                        <a:rPr lang="en-US" sz="1000">
+                          <a:effectLst/>
+                        </a:rPr>
+                        <a:t>0</a:t>
+                      </a:r>
+                      <a:endParaRPr lang="en-US" sz="1200">
+                        <a:effectLst/>
+                        <a:latin typeface="Times New Roman" panose="02020603050405020304" pitchFamily="18" charset="0"/>
+                        <a:ea typeface="Times New Roman" panose="02020603050405020304" pitchFamily="18" charset="0"/>
+                        <a:cs typeface="Times New Roman" panose="02020603050405020304" pitchFamily="18" charset="0"/>
+                      </a:endParaRPr>
+                    </a:p>
+                  </a:txBody>
+                  <a:tcPr marL="59359" marR="59359" marT="0" marB="0" anchor="ctr"/>
+                </a:tc>
+                <a:tc>
+                  <a:txBody>
+                    <a:bodyPr/>
+                    <a:lstStyle/>
+                    <a:p>
+                      <a:pPr marL="0" marR="0" algn="ctr">
+                        <a:spcBef>
+                          <a:spcPts val="0"/>
+                        </a:spcBef>
+                        <a:spcAft>
+                          <a:spcPts val="0"/>
+                        </a:spcAft>
+                      </a:pPr>
+                      <a:r>
+                        <a:rPr lang="en-US" sz="1000">
+                          <a:effectLst/>
+                        </a:rPr>
+                        <a:t>4</a:t>
+                      </a:r>
+                      <a:endParaRPr lang="en-US" sz="1200">
+                        <a:effectLst/>
+                        <a:latin typeface="Times New Roman" panose="02020603050405020304" pitchFamily="18" charset="0"/>
+                        <a:ea typeface="Times New Roman" panose="02020603050405020304" pitchFamily="18" charset="0"/>
+                        <a:cs typeface="Times New Roman" panose="02020603050405020304" pitchFamily="18" charset="0"/>
+                      </a:endParaRPr>
+                    </a:p>
+                  </a:txBody>
+                  <a:tcPr marL="59359" marR="59359" marT="0" marB="0" anchor="ctr"/>
+                </a:tc>
+                <a:tc>
+                  <a:txBody>
+                    <a:bodyPr/>
+                    <a:lstStyle/>
+                    <a:p>
+                      <a:pPr marL="0" marR="0" algn="ctr">
+                        <a:spcBef>
+                          <a:spcPts val="0"/>
+                        </a:spcBef>
+                        <a:spcAft>
+                          <a:spcPts val="0"/>
+                        </a:spcAft>
+                      </a:pPr>
+                      <a:r>
+                        <a:rPr lang="en-US" sz="1000">
+                          <a:effectLst/>
+                        </a:rPr>
+                        <a:t>3</a:t>
+                      </a:r>
+                      <a:endParaRPr lang="en-US" sz="1200">
+                        <a:effectLst/>
+                        <a:latin typeface="Times New Roman" panose="02020603050405020304" pitchFamily="18" charset="0"/>
+                        <a:ea typeface="Times New Roman" panose="02020603050405020304" pitchFamily="18" charset="0"/>
+                        <a:cs typeface="Times New Roman" panose="02020603050405020304" pitchFamily="18" charset="0"/>
+                      </a:endParaRPr>
+                    </a:p>
+                  </a:txBody>
+                  <a:tcPr marL="59359" marR="59359" marT="0" marB="0" anchor="ctr"/>
+                </a:tc>
+                <a:tc>
+                  <a:txBody>
+                    <a:bodyPr/>
+                    <a:lstStyle/>
+                    <a:p>
+                      <a:pPr marL="0" marR="0" algn="ctr">
+                        <a:spcBef>
+                          <a:spcPts val="0"/>
+                        </a:spcBef>
+                        <a:spcAft>
+                          <a:spcPts val="0"/>
+                        </a:spcAft>
+                      </a:pPr>
+                      <a:r>
+                        <a:rPr lang="en-US" sz="1000">
+                          <a:effectLst/>
+                        </a:rPr>
+                        <a:t>0</a:t>
+                      </a:r>
+                      <a:endParaRPr lang="en-US" sz="1200">
+                        <a:effectLst/>
+                        <a:latin typeface="Times New Roman" panose="02020603050405020304" pitchFamily="18" charset="0"/>
+                        <a:ea typeface="Times New Roman" panose="02020603050405020304" pitchFamily="18" charset="0"/>
+                        <a:cs typeface="Times New Roman" panose="02020603050405020304" pitchFamily="18" charset="0"/>
+                      </a:endParaRPr>
+                    </a:p>
+                  </a:txBody>
+                  <a:tcPr marL="59359" marR="59359" marT="0" marB="0" anchor="ctr"/>
+                </a:tc>
+                <a:tc>
+                  <a:txBody>
+                    <a:bodyPr/>
+                    <a:lstStyle/>
+                    <a:p>
+                      <a:pPr marL="0" marR="0" algn="ctr">
+                        <a:spcBef>
+                          <a:spcPts val="0"/>
+                        </a:spcBef>
+                        <a:spcAft>
+                          <a:spcPts val="0"/>
+                        </a:spcAft>
+                      </a:pPr>
+                      <a:r>
+                        <a:rPr lang="en-US" sz="1000">
+                          <a:effectLst/>
+                        </a:rPr>
+                        <a:t>4</a:t>
+                      </a:r>
+                      <a:endParaRPr lang="en-US" sz="1200">
+                        <a:effectLst/>
+                        <a:latin typeface="Times New Roman" panose="02020603050405020304" pitchFamily="18" charset="0"/>
+                        <a:ea typeface="Times New Roman" panose="02020603050405020304" pitchFamily="18" charset="0"/>
+                        <a:cs typeface="Times New Roman" panose="02020603050405020304" pitchFamily="18" charset="0"/>
+                      </a:endParaRPr>
+                    </a:p>
+                  </a:txBody>
+                  <a:tcPr marL="59359" marR="59359" marT="0" marB="0" anchor="ctr"/>
+                </a:tc>
+                <a:tc>
+                  <a:txBody>
+                    <a:bodyPr/>
+                    <a:lstStyle/>
+                    <a:p>
+                      <a:pPr marL="0" marR="0" algn="ctr">
+                        <a:spcBef>
+                          <a:spcPts val="0"/>
+                        </a:spcBef>
+                        <a:spcAft>
+                          <a:spcPts val="0"/>
+                        </a:spcAft>
+                      </a:pPr>
+                      <a:r>
+                        <a:rPr lang="en-US" sz="1000">
+                          <a:effectLst/>
+                        </a:rPr>
+                        <a:t>2</a:t>
+                      </a:r>
+                      <a:endParaRPr lang="en-US" sz="1200">
+                        <a:effectLst/>
+                        <a:latin typeface="Times New Roman" panose="02020603050405020304" pitchFamily="18" charset="0"/>
+                        <a:ea typeface="Times New Roman" panose="02020603050405020304" pitchFamily="18" charset="0"/>
+                        <a:cs typeface="Times New Roman" panose="02020603050405020304" pitchFamily="18" charset="0"/>
+                      </a:endParaRPr>
+                    </a:p>
+                  </a:txBody>
+                  <a:tcPr marL="59359" marR="59359" marT="0" marB="0" anchor="ctr"/>
+                </a:tc>
+                <a:tc>
+                  <a:txBody>
+                    <a:bodyPr/>
+                    <a:lstStyle/>
+                    <a:p>
+                      <a:pPr marL="0" marR="0" algn="ctr">
+                        <a:spcBef>
+                          <a:spcPts val="0"/>
+                        </a:spcBef>
+                        <a:spcAft>
+                          <a:spcPts val="0"/>
+                        </a:spcAft>
+                      </a:pPr>
+                      <a:r>
+                        <a:rPr lang="en-US" sz="1000" dirty="0">
+                          <a:effectLst/>
+                        </a:rPr>
+                        <a:t>1</a:t>
+                      </a:r>
+                      <a:endParaRPr lang="en-US" sz="1200" dirty="0">
+                        <a:effectLst/>
+                        <a:latin typeface="Times New Roman" panose="02020603050405020304" pitchFamily="18" charset="0"/>
+                        <a:ea typeface="Times New Roman" panose="02020603050405020304" pitchFamily="18" charset="0"/>
+                        <a:cs typeface="Times New Roman" panose="02020603050405020304" pitchFamily="18" charset="0"/>
+                      </a:endParaRPr>
+                    </a:p>
+                  </a:txBody>
+                  <a:tcPr marL="59359" marR="59359" marT="0" marB="0" anchor="ctr"/>
+                </a:tc>
+                <a:extLst>
+                  <a:ext uri="{0D108BD9-81ED-4DB2-BD59-A6C34878D82A}">
+                    <a16:rowId xmlns:a16="http://schemas.microsoft.com/office/drawing/2014/main" val="4088617504"/>
+                  </a:ext>
+                </a:extLst>
+              </a:tr>
+              <a:tr h="384310">
+                <a:tc>
+                  <a:txBody>
+                    <a:bodyPr/>
+                    <a:lstStyle/>
+                    <a:p>
+                      <a:pPr marL="0" marR="0" algn="ctr">
+                        <a:spcBef>
+                          <a:spcPts val="0"/>
+                        </a:spcBef>
+                        <a:spcAft>
+                          <a:spcPts val="0"/>
+                        </a:spcAft>
+                      </a:pPr>
+                      <a:r>
+                        <a:rPr lang="en-US" sz="800">
+                          <a:effectLst/>
+                        </a:rPr>
+                        <a:t>1st Most Common Venue</a:t>
+                      </a:r>
+                      <a:endParaRPr lang="en-US" sz="1050">
+                        <a:effectLst/>
+                        <a:latin typeface="Times New Roman" panose="02020603050405020304" pitchFamily="18" charset="0"/>
+                        <a:ea typeface="Times New Roman" panose="02020603050405020304" pitchFamily="18" charset="0"/>
+                        <a:cs typeface="Times New Roman" panose="02020603050405020304" pitchFamily="18" charset="0"/>
+                      </a:endParaRPr>
+                    </a:p>
+                  </a:txBody>
+                  <a:tcPr marL="59359" marR="59359" marT="0" marB="0" anchor="ctr"/>
+                </a:tc>
+                <a:tc>
+                  <a:txBody>
+                    <a:bodyPr/>
+                    <a:lstStyle/>
+                    <a:p>
+                      <a:pPr marL="0" marR="0" algn="ctr">
+                        <a:spcBef>
+                          <a:spcPts val="0"/>
+                        </a:spcBef>
+                        <a:spcAft>
+                          <a:spcPts val="0"/>
+                        </a:spcAft>
+                      </a:pPr>
+                      <a:r>
+                        <a:rPr lang="en-US" sz="1000">
+                          <a:effectLst/>
+                        </a:rPr>
+                        <a:t>Coffee Shop</a:t>
+                      </a:r>
+                      <a:endParaRPr lang="en-US" sz="1200">
+                        <a:effectLst/>
+                        <a:latin typeface="Times New Roman" panose="02020603050405020304" pitchFamily="18" charset="0"/>
+                        <a:ea typeface="Times New Roman" panose="02020603050405020304" pitchFamily="18" charset="0"/>
+                        <a:cs typeface="Times New Roman" panose="02020603050405020304" pitchFamily="18" charset="0"/>
+                      </a:endParaRPr>
+                    </a:p>
+                  </a:txBody>
+                  <a:tcPr marL="59359" marR="59359" marT="0" marB="0" anchor="ctr"/>
+                </a:tc>
+                <a:tc>
+                  <a:txBody>
+                    <a:bodyPr/>
+                    <a:lstStyle/>
+                    <a:p>
+                      <a:pPr marL="0" marR="0" algn="ctr">
+                        <a:spcBef>
+                          <a:spcPts val="0"/>
+                        </a:spcBef>
+                        <a:spcAft>
+                          <a:spcPts val="0"/>
+                        </a:spcAft>
+                      </a:pPr>
+                      <a:r>
+                        <a:rPr lang="en-US" sz="1000">
+                          <a:effectLst/>
+                        </a:rPr>
+                        <a:t>Pub</a:t>
+                      </a:r>
+                      <a:endParaRPr lang="en-US" sz="1200">
+                        <a:effectLst/>
+                        <a:latin typeface="Times New Roman" panose="02020603050405020304" pitchFamily="18" charset="0"/>
+                        <a:ea typeface="Times New Roman" panose="02020603050405020304" pitchFamily="18" charset="0"/>
+                        <a:cs typeface="Times New Roman" panose="02020603050405020304" pitchFamily="18" charset="0"/>
+                      </a:endParaRPr>
+                    </a:p>
+                  </a:txBody>
+                  <a:tcPr marL="59359" marR="59359" marT="0" marB="0" anchor="ctr"/>
+                </a:tc>
+                <a:tc>
+                  <a:txBody>
+                    <a:bodyPr/>
+                    <a:lstStyle/>
+                    <a:p>
+                      <a:pPr marL="0" marR="0" algn="ctr">
+                        <a:spcBef>
+                          <a:spcPts val="0"/>
+                        </a:spcBef>
+                        <a:spcAft>
+                          <a:spcPts val="0"/>
+                        </a:spcAft>
+                      </a:pPr>
+                      <a:r>
+                        <a:rPr lang="en-US" sz="1000">
+                          <a:effectLst/>
+                        </a:rPr>
+                        <a:t>Hotel</a:t>
+                      </a:r>
+                      <a:endParaRPr lang="en-US" sz="1200">
+                        <a:effectLst/>
+                        <a:latin typeface="Times New Roman" panose="02020603050405020304" pitchFamily="18" charset="0"/>
+                        <a:ea typeface="Times New Roman" panose="02020603050405020304" pitchFamily="18" charset="0"/>
+                        <a:cs typeface="Times New Roman" panose="02020603050405020304" pitchFamily="18" charset="0"/>
+                      </a:endParaRPr>
+                    </a:p>
+                  </a:txBody>
+                  <a:tcPr marL="59359" marR="59359" marT="0" marB="0" anchor="ctr"/>
+                </a:tc>
+                <a:tc>
+                  <a:txBody>
+                    <a:bodyPr/>
+                    <a:lstStyle/>
+                    <a:p>
+                      <a:pPr marL="0" marR="0" algn="ctr">
+                        <a:spcBef>
+                          <a:spcPts val="0"/>
+                        </a:spcBef>
+                        <a:spcAft>
+                          <a:spcPts val="0"/>
+                        </a:spcAft>
+                      </a:pPr>
+                      <a:r>
+                        <a:rPr lang="en-US" sz="1000">
+                          <a:effectLst/>
+                        </a:rPr>
+                        <a:t>Pub</a:t>
+                      </a:r>
+                      <a:endParaRPr lang="en-US" sz="1200">
+                        <a:effectLst/>
+                        <a:latin typeface="Times New Roman" panose="02020603050405020304" pitchFamily="18" charset="0"/>
+                        <a:ea typeface="Times New Roman" panose="02020603050405020304" pitchFamily="18" charset="0"/>
+                        <a:cs typeface="Times New Roman" panose="02020603050405020304" pitchFamily="18" charset="0"/>
+                      </a:endParaRPr>
+                    </a:p>
+                  </a:txBody>
+                  <a:tcPr marL="59359" marR="59359" marT="0" marB="0" anchor="ctr"/>
+                </a:tc>
+                <a:tc>
+                  <a:txBody>
+                    <a:bodyPr/>
+                    <a:lstStyle/>
+                    <a:p>
+                      <a:pPr marL="0" marR="0" algn="ctr">
+                        <a:spcBef>
+                          <a:spcPts val="0"/>
+                        </a:spcBef>
+                        <a:spcAft>
+                          <a:spcPts val="0"/>
+                        </a:spcAft>
+                      </a:pPr>
+                      <a:r>
+                        <a:rPr lang="en-US" sz="1000">
+                          <a:effectLst/>
+                        </a:rPr>
+                        <a:t>Coffee Shop</a:t>
+                      </a:r>
+                      <a:endParaRPr lang="en-US" sz="1200">
+                        <a:effectLst/>
+                        <a:latin typeface="Times New Roman" panose="02020603050405020304" pitchFamily="18" charset="0"/>
+                        <a:ea typeface="Times New Roman" panose="02020603050405020304" pitchFamily="18" charset="0"/>
+                        <a:cs typeface="Times New Roman" panose="02020603050405020304" pitchFamily="18" charset="0"/>
+                      </a:endParaRPr>
+                    </a:p>
+                  </a:txBody>
+                  <a:tcPr marL="59359" marR="59359" marT="0" marB="0" anchor="ctr"/>
+                </a:tc>
+                <a:tc>
+                  <a:txBody>
+                    <a:bodyPr/>
+                    <a:lstStyle/>
+                    <a:p>
+                      <a:pPr marL="0" marR="0" algn="ctr">
+                        <a:spcBef>
+                          <a:spcPts val="0"/>
+                        </a:spcBef>
+                        <a:spcAft>
+                          <a:spcPts val="0"/>
+                        </a:spcAft>
+                      </a:pPr>
+                      <a:r>
+                        <a:rPr lang="en-US" sz="1000">
+                          <a:effectLst/>
+                        </a:rPr>
+                        <a:t>Park</a:t>
+                      </a:r>
+                      <a:endParaRPr lang="en-US" sz="1200">
+                        <a:effectLst/>
+                        <a:latin typeface="Times New Roman" panose="02020603050405020304" pitchFamily="18" charset="0"/>
+                        <a:ea typeface="Times New Roman" panose="02020603050405020304" pitchFamily="18" charset="0"/>
+                        <a:cs typeface="Times New Roman" panose="02020603050405020304" pitchFamily="18" charset="0"/>
+                      </a:endParaRPr>
+                    </a:p>
+                  </a:txBody>
+                  <a:tcPr marL="59359" marR="59359" marT="0" marB="0" anchor="ctr"/>
+                </a:tc>
+                <a:tc>
+                  <a:txBody>
+                    <a:bodyPr/>
+                    <a:lstStyle/>
+                    <a:p>
+                      <a:pPr marL="0" marR="0" algn="ctr">
+                        <a:spcBef>
+                          <a:spcPts val="0"/>
+                        </a:spcBef>
+                        <a:spcAft>
+                          <a:spcPts val="0"/>
+                        </a:spcAft>
+                      </a:pPr>
+                      <a:r>
+                        <a:rPr lang="en-US" sz="1000">
+                          <a:effectLst/>
+                        </a:rPr>
+                        <a:t>Coffee Shop</a:t>
+                      </a:r>
+                      <a:endParaRPr lang="en-US" sz="1200">
+                        <a:effectLst/>
+                        <a:latin typeface="Times New Roman" panose="02020603050405020304" pitchFamily="18" charset="0"/>
+                        <a:ea typeface="Times New Roman" panose="02020603050405020304" pitchFamily="18" charset="0"/>
+                        <a:cs typeface="Times New Roman" panose="02020603050405020304" pitchFamily="18" charset="0"/>
+                      </a:endParaRPr>
+                    </a:p>
+                  </a:txBody>
+                  <a:tcPr marL="59359" marR="59359" marT="0" marB="0" anchor="ctr"/>
+                </a:tc>
+                <a:tc>
+                  <a:txBody>
+                    <a:bodyPr/>
+                    <a:lstStyle/>
+                    <a:p>
+                      <a:pPr marL="0" marR="0" algn="ctr">
+                        <a:spcBef>
+                          <a:spcPts val="0"/>
+                        </a:spcBef>
+                        <a:spcAft>
+                          <a:spcPts val="0"/>
+                        </a:spcAft>
+                      </a:pPr>
+                      <a:r>
+                        <a:rPr lang="en-US" sz="1000">
+                          <a:effectLst/>
+                        </a:rPr>
+                        <a:t>Coffee Shop</a:t>
+                      </a:r>
+                      <a:endParaRPr lang="en-US" sz="1200">
+                        <a:effectLst/>
+                        <a:latin typeface="Times New Roman" panose="02020603050405020304" pitchFamily="18" charset="0"/>
+                        <a:ea typeface="Times New Roman" panose="02020603050405020304" pitchFamily="18" charset="0"/>
+                        <a:cs typeface="Times New Roman" panose="02020603050405020304" pitchFamily="18" charset="0"/>
+                      </a:endParaRPr>
+                    </a:p>
+                  </a:txBody>
+                  <a:tcPr marL="59359" marR="59359" marT="0" marB="0" anchor="ctr"/>
+                </a:tc>
+                <a:tc>
+                  <a:txBody>
+                    <a:bodyPr/>
+                    <a:lstStyle/>
+                    <a:p>
+                      <a:pPr marL="0" marR="0" algn="ctr">
+                        <a:spcBef>
+                          <a:spcPts val="0"/>
+                        </a:spcBef>
+                        <a:spcAft>
+                          <a:spcPts val="0"/>
+                        </a:spcAft>
+                      </a:pPr>
+                      <a:r>
+                        <a:rPr lang="en-US" sz="1000">
+                          <a:effectLst/>
+                        </a:rPr>
+                        <a:t>Coffee Shop</a:t>
+                      </a:r>
+                      <a:endParaRPr lang="en-US" sz="1200">
+                        <a:effectLst/>
+                        <a:latin typeface="Times New Roman" panose="02020603050405020304" pitchFamily="18" charset="0"/>
+                        <a:ea typeface="Times New Roman" panose="02020603050405020304" pitchFamily="18" charset="0"/>
+                        <a:cs typeface="Times New Roman" panose="02020603050405020304" pitchFamily="18" charset="0"/>
+                      </a:endParaRPr>
+                    </a:p>
+                  </a:txBody>
+                  <a:tcPr marL="59359" marR="59359" marT="0" marB="0" anchor="ctr"/>
+                </a:tc>
+                <a:extLst>
+                  <a:ext uri="{0D108BD9-81ED-4DB2-BD59-A6C34878D82A}">
+                    <a16:rowId xmlns:a16="http://schemas.microsoft.com/office/drawing/2014/main" val="1550112443"/>
+                  </a:ext>
+                </a:extLst>
+              </a:tr>
+              <a:tr h="512414">
+                <a:tc>
+                  <a:txBody>
+                    <a:bodyPr/>
+                    <a:lstStyle/>
+                    <a:p>
+                      <a:pPr marL="0" marR="0" algn="ctr">
+                        <a:spcBef>
+                          <a:spcPts val="0"/>
+                        </a:spcBef>
+                        <a:spcAft>
+                          <a:spcPts val="0"/>
+                        </a:spcAft>
+                      </a:pPr>
+                      <a:r>
+                        <a:rPr lang="en-US" sz="800">
+                          <a:effectLst/>
+                        </a:rPr>
+                        <a:t>2nd Most Common Venue</a:t>
+                      </a:r>
+                      <a:endParaRPr lang="en-US" sz="1050">
+                        <a:effectLst/>
+                        <a:latin typeface="Times New Roman" panose="02020603050405020304" pitchFamily="18" charset="0"/>
+                        <a:ea typeface="Times New Roman" panose="02020603050405020304" pitchFamily="18" charset="0"/>
+                        <a:cs typeface="Times New Roman" panose="02020603050405020304" pitchFamily="18" charset="0"/>
+                      </a:endParaRPr>
+                    </a:p>
+                  </a:txBody>
+                  <a:tcPr marL="59359" marR="59359" marT="0" marB="0" anchor="ctr"/>
+                </a:tc>
+                <a:tc>
+                  <a:txBody>
+                    <a:bodyPr/>
+                    <a:lstStyle/>
+                    <a:p>
+                      <a:pPr marL="0" marR="0" algn="ctr">
+                        <a:spcBef>
+                          <a:spcPts val="0"/>
+                        </a:spcBef>
+                        <a:spcAft>
+                          <a:spcPts val="0"/>
+                        </a:spcAft>
+                      </a:pPr>
+                      <a:r>
+                        <a:rPr lang="en-US" sz="1000">
+                          <a:effectLst/>
+                        </a:rPr>
+                        <a:t>Hotel</a:t>
+                      </a:r>
+                      <a:endParaRPr lang="en-US" sz="1200">
+                        <a:effectLst/>
+                        <a:latin typeface="Times New Roman" panose="02020603050405020304" pitchFamily="18" charset="0"/>
+                        <a:ea typeface="Times New Roman" panose="02020603050405020304" pitchFamily="18" charset="0"/>
+                        <a:cs typeface="Times New Roman" panose="02020603050405020304" pitchFamily="18" charset="0"/>
+                      </a:endParaRPr>
+                    </a:p>
+                  </a:txBody>
+                  <a:tcPr marL="59359" marR="59359" marT="0" marB="0" anchor="ctr"/>
+                </a:tc>
+                <a:tc>
+                  <a:txBody>
+                    <a:bodyPr/>
+                    <a:lstStyle/>
+                    <a:p>
+                      <a:pPr marL="0" marR="0" algn="ctr">
+                        <a:spcBef>
+                          <a:spcPts val="0"/>
+                        </a:spcBef>
+                        <a:spcAft>
+                          <a:spcPts val="0"/>
+                        </a:spcAft>
+                      </a:pPr>
+                      <a:r>
+                        <a:rPr lang="en-US" sz="1000">
+                          <a:effectLst/>
+                        </a:rPr>
+                        <a:t>Coffee Shop</a:t>
+                      </a:r>
+                      <a:endParaRPr lang="en-US" sz="1200">
+                        <a:effectLst/>
+                        <a:latin typeface="Times New Roman" panose="02020603050405020304" pitchFamily="18" charset="0"/>
+                        <a:ea typeface="Times New Roman" panose="02020603050405020304" pitchFamily="18" charset="0"/>
+                        <a:cs typeface="Times New Roman" panose="02020603050405020304" pitchFamily="18" charset="0"/>
+                      </a:endParaRPr>
+                    </a:p>
+                  </a:txBody>
+                  <a:tcPr marL="59359" marR="59359" marT="0" marB="0" anchor="ctr"/>
+                </a:tc>
+                <a:tc>
+                  <a:txBody>
+                    <a:bodyPr/>
+                    <a:lstStyle/>
+                    <a:p>
+                      <a:pPr marL="0" marR="0" algn="ctr">
+                        <a:spcBef>
+                          <a:spcPts val="0"/>
+                        </a:spcBef>
+                        <a:spcAft>
+                          <a:spcPts val="0"/>
+                        </a:spcAft>
+                      </a:pPr>
+                      <a:r>
+                        <a:rPr lang="en-US" sz="1000" dirty="0">
+                          <a:effectLst/>
+                        </a:rPr>
+                        <a:t>Restaurant</a:t>
+                      </a:r>
+                      <a:endParaRPr lang="en-US" sz="1200" dirty="0">
+                        <a:effectLst/>
+                        <a:latin typeface="Times New Roman" panose="02020603050405020304" pitchFamily="18" charset="0"/>
+                        <a:ea typeface="Times New Roman" panose="02020603050405020304" pitchFamily="18" charset="0"/>
+                        <a:cs typeface="Times New Roman" panose="02020603050405020304" pitchFamily="18" charset="0"/>
+                      </a:endParaRPr>
+                    </a:p>
+                  </a:txBody>
+                  <a:tcPr marL="59359" marR="59359" marT="0" marB="0" anchor="ctr"/>
+                </a:tc>
+                <a:tc>
+                  <a:txBody>
+                    <a:bodyPr/>
+                    <a:lstStyle/>
+                    <a:p>
+                      <a:pPr marL="0" marR="0" algn="ctr">
+                        <a:spcBef>
+                          <a:spcPts val="0"/>
+                        </a:spcBef>
+                        <a:spcAft>
+                          <a:spcPts val="0"/>
+                        </a:spcAft>
+                      </a:pPr>
+                      <a:r>
+                        <a:rPr lang="en-US" sz="1000">
+                          <a:effectLst/>
+                        </a:rPr>
+                        <a:t>Coffee Shop</a:t>
+                      </a:r>
+                      <a:endParaRPr lang="en-US" sz="1200">
+                        <a:effectLst/>
+                        <a:latin typeface="Times New Roman" panose="02020603050405020304" pitchFamily="18" charset="0"/>
+                        <a:ea typeface="Times New Roman" panose="02020603050405020304" pitchFamily="18" charset="0"/>
+                        <a:cs typeface="Times New Roman" panose="02020603050405020304" pitchFamily="18" charset="0"/>
+                      </a:endParaRPr>
+                    </a:p>
+                  </a:txBody>
+                  <a:tcPr marL="59359" marR="59359" marT="0" marB="0" anchor="ctr"/>
+                </a:tc>
+                <a:tc>
+                  <a:txBody>
+                    <a:bodyPr/>
+                    <a:lstStyle/>
+                    <a:p>
+                      <a:pPr marL="0" marR="0" algn="ctr">
+                        <a:spcBef>
+                          <a:spcPts val="0"/>
+                        </a:spcBef>
+                        <a:spcAft>
+                          <a:spcPts val="0"/>
+                        </a:spcAft>
+                      </a:pPr>
+                      <a:r>
+                        <a:rPr lang="en-US" sz="1000">
+                          <a:effectLst/>
+                        </a:rPr>
+                        <a:t>Grocery Store</a:t>
+                      </a:r>
+                      <a:endParaRPr lang="en-US" sz="1200">
+                        <a:effectLst/>
+                        <a:latin typeface="Times New Roman" panose="02020603050405020304" pitchFamily="18" charset="0"/>
+                        <a:ea typeface="Times New Roman" panose="02020603050405020304" pitchFamily="18" charset="0"/>
+                        <a:cs typeface="Times New Roman" panose="02020603050405020304" pitchFamily="18" charset="0"/>
+                      </a:endParaRPr>
+                    </a:p>
+                  </a:txBody>
+                  <a:tcPr marL="59359" marR="59359" marT="0" marB="0" anchor="ctr"/>
+                </a:tc>
+                <a:tc>
+                  <a:txBody>
+                    <a:bodyPr/>
+                    <a:lstStyle/>
+                    <a:p>
+                      <a:pPr marL="0" marR="0" algn="ctr">
+                        <a:spcBef>
+                          <a:spcPts val="0"/>
+                        </a:spcBef>
+                        <a:spcAft>
+                          <a:spcPts val="0"/>
+                        </a:spcAft>
+                      </a:pPr>
+                      <a:r>
+                        <a:rPr lang="en-US" sz="1000" dirty="0">
+                          <a:effectLst/>
+                        </a:rPr>
+                        <a:t>Coffee Shop</a:t>
+                      </a:r>
+                      <a:endParaRPr lang="en-US" sz="1200" dirty="0">
+                        <a:effectLst/>
+                        <a:latin typeface="Times New Roman" panose="02020603050405020304" pitchFamily="18" charset="0"/>
+                        <a:ea typeface="Times New Roman" panose="02020603050405020304" pitchFamily="18" charset="0"/>
+                        <a:cs typeface="Times New Roman" panose="02020603050405020304" pitchFamily="18" charset="0"/>
+                      </a:endParaRPr>
+                    </a:p>
+                  </a:txBody>
+                  <a:tcPr marL="59359" marR="59359" marT="0" marB="0" anchor="ctr"/>
+                </a:tc>
+                <a:tc>
+                  <a:txBody>
+                    <a:bodyPr/>
+                    <a:lstStyle/>
+                    <a:p>
+                      <a:pPr marL="0" marR="0" algn="ctr">
+                        <a:spcBef>
+                          <a:spcPts val="0"/>
+                        </a:spcBef>
+                        <a:spcAft>
+                          <a:spcPts val="0"/>
+                        </a:spcAft>
+                      </a:pPr>
+                      <a:r>
+                        <a:rPr lang="en-US" sz="1000">
+                          <a:effectLst/>
+                        </a:rPr>
+                        <a:t>Grocery Store</a:t>
+                      </a:r>
+                      <a:endParaRPr lang="en-US" sz="1200">
+                        <a:effectLst/>
+                        <a:latin typeface="Times New Roman" panose="02020603050405020304" pitchFamily="18" charset="0"/>
+                        <a:ea typeface="Times New Roman" panose="02020603050405020304" pitchFamily="18" charset="0"/>
+                        <a:cs typeface="Times New Roman" panose="02020603050405020304" pitchFamily="18" charset="0"/>
+                      </a:endParaRPr>
+                    </a:p>
+                  </a:txBody>
+                  <a:tcPr marL="59359" marR="59359" marT="0" marB="0" anchor="ctr"/>
+                </a:tc>
+                <a:tc>
+                  <a:txBody>
+                    <a:bodyPr/>
+                    <a:lstStyle/>
+                    <a:p>
+                      <a:pPr marL="0" marR="0" algn="ctr">
+                        <a:spcBef>
+                          <a:spcPts val="0"/>
+                        </a:spcBef>
+                        <a:spcAft>
+                          <a:spcPts val="0"/>
+                        </a:spcAft>
+                      </a:pPr>
+                      <a:r>
+                        <a:rPr lang="en-US" sz="1000">
+                          <a:effectLst/>
+                        </a:rPr>
+                        <a:t>Fast Food Restaurant</a:t>
+                      </a:r>
+                      <a:endParaRPr lang="en-US" sz="1200">
+                        <a:effectLst/>
+                        <a:latin typeface="Times New Roman" panose="02020603050405020304" pitchFamily="18" charset="0"/>
+                        <a:ea typeface="Times New Roman" panose="02020603050405020304" pitchFamily="18" charset="0"/>
+                        <a:cs typeface="Times New Roman" panose="02020603050405020304" pitchFamily="18" charset="0"/>
+                      </a:endParaRPr>
+                    </a:p>
+                  </a:txBody>
+                  <a:tcPr marL="59359" marR="59359" marT="0" marB="0" anchor="ctr"/>
+                </a:tc>
+                <a:tc>
+                  <a:txBody>
+                    <a:bodyPr/>
+                    <a:lstStyle/>
+                    <a:p>
+                      <a:pPr marL="0" marR="0" algn="ctr">
+                        <a:spcBef>
+                          <a:spcPts val="0"/>
+                        </a:spcBef>
+                        <a:spcAft>
+                          <a:spcPts val="0"/>
+                        </a:spcAft>
+                      </a:pPr>
+                      <a:r>
+                        <a:rPr lang="en-US" sz="1000">
+                          <a:effectLst/>
+                        </a:rPr>
+                        <a:t>Ice Cream Shop</a:t>
+                      </a:r>
+                      <a:endParaRPr lang="en-US" sz="1200">
+                        <a:effectLst/>
+                        <a:latin typeface="Times New Roman" panose="02020603050405020304" pitchFamily="18" charset="0"/>
+                        <a:ea typeface="Times New Roman" panose="02020603050405020304" pitchFamily="18" charset="0"/>
+                        <a:cs typeface="Times New Roman" panose="02020603050405020304" pitchFamily="18" charset="0"/>
+                      </a:endParaRPr>
+                    </a:p>
+                  </a:txBody>
+                  <a:tcPr marL="59359" marR="59359" marT="0" marB="0" anchor="ctr"/>
+                </a:tc>
+                <a:extLst>
+                  <a:ext uri="{0D108BD9-81ED-4DB2-BD59-A6C34878D82A}">
+                    <a16:rowId xmlns:a16="http://schemas.microsoft.com/office/drawing/2014/main" val="2365158534"/>
+                  </a:ext>
+                </a:extLst>
+              </a:tr>
+              <a:tr h="384310">
+                <a:tc>
+                  <a:txBody>
+                    <a:bodyPr/>
+                    <a:lstStyle/>
+                    <a:p>
+                      <a:pPr marL="0" marR="0" algn="ctr">
+                        <a:spcBef>
+                          <a:spcPts val="0"/>
+                        </a:spcBef>
+                        <a:spcAft>
+                          <a:spcPts val="0"/>
+                        </a:spcAft>
+                      </a:pPr>
+                      <a:r>
+                        <a:rPr lang="en-US" sz="800">
+                          <a:effectLst/>
+                        </a:rPr>
+                        <a:t>3rd Most Common Venue</a:t>
+                      </a:r>
+                      <a:endParaRPr lang="en-US" sz="1050">
+                        <a:effectLst/>
+                        <a:latin typeface="Times New Roman" panose="02020603050405020304" pitchFamily="18" charset="0"/>
+                        <a:ea typeface="Times New Roman" panose="02020603050405020304" pitchFamily="18" charset="0"/>
+                        <a:cs typeface="Times New Roman" panose="02020603050405020304" pitchFamily="18" charset="0"/>
+                      </a:endParaRPr>
+                    </a:p>
+                  </a:txBody>
+                  <a:tcPr marL="59359" marR="59359" marT="0" marB="0" anchor="ctr"/>
+                </a:tc>
+                <a:tc>
+                  <a:txBody>
+                    <a:bodyPr/>
+                    <a:lstStyle/>
+                    <a:p>
+                      <a:pPr marL="0" marR="0" algn="ctr">
+                        <a:spcBef>
+                          <a:spcPts val="0"/>
+                        </a:spcBef>
+                        <a:spcAft>
+                          <a:spcPts val="0"/>
+                        </a:spcAft>
+                      </a:pPr>
+                      <a:r>
+                        <a:rPr lang="en-US" sz="1000">
+                          <a:effectLst/>
+                        </a:rPr>
+                        <a:t>Restaurant</a:t>
+                      </a:r>
+                      <a:endParaRPr lang="en-US" sz="1200">
+                        <a:effectLst/>
+                        <a:latin typeface="Times New Roman" panose="02020603050405020304" pitchFamily="18" charset="0"/>
+                        <a:ea typeface="Times New Roman" panose="02020603050405020304" pitchFamily="18" charset="0"/>
+                        <a:cs typeface="Times New Roman" panose="02020603050405020304" pitchFamily="18" charset="0"/>
+                      </a:endParaRPr>
+                    </a:p>
+                  </a:txBody>
+                  <a:tcPr marL="59359" marR="59359" marT="0" marB="0" anchor="ctr"/>
+                </a:tc>
+                <a:tc>
+                  <a:txBody>
+                    <a:bodyPr/>
+                    <a:lstStyle/>
+                    <a:p>
+                      <a:pPr marL="0" marR="0" algn="ctr">
+                        <a:spcBef>
+                          <a:spcPts val="0"/>
+                        </a:spcBef>
+                        <a:spcAft>
+                          <a:spcPts val="0"/>
+                        </a:spcAft>
+                      </a:pPr>
+                      <a:r>
+                        <a:rPr lang="en-US" sz="1000">
+                          <a:effectLst/>
+                        </a:rPr>
+                        <a:t>Café</a:t>
+                      </a:r>
+                      <a:endParaRPr lang="en-US" sz="1200">
+                        <a:effectLst/>
+                        <a:latin typeface="Times New Roman" panose="02020603050405020304" pitchFamily="18" charset="0"/>
+                        <a:ea typeface="Times New Roman" panose="02020603050405020304" pitchFamily="18" charset="0"/>
+                        <a:cs typeface="Times New Roman" panose="02020603050405020304" pitchFamily="18" charset="0"/>
+                      </a:endParaRPr>
+                    </a:p>
+                  </a:txBody>
+                  <a:tcPr marL="59359" marR="59359" marT="0" marB="0" anchor="ctr"/>
+                </a:tc>
+                <a:tc>
+                  <a:txBody>
+                    <a:bodyPr/>
+                    <a:lstStyle/>
+                    <a:p>
+                      <a:pPr marL="0" marR="0" algn="ctr">
+                        <a:spcBef>
+                          <a:spcPts val="0"/>
+                        </a:spcBef>
+                        <a:spcAft>
+                          <a:spcPts val="0"/>
+                        </a:spcAft>
+                      </a:pPr>
+                      <a:r>
+                        <a:rPr lang="en-US" sz="1000">
+                          <a:effectLst/>
+                        </a:rPr>
+                        <a:t>Coffee Shop</a:t>
+                      </a:r>
+                      <a:endParaRPr lang="en-US" sz="1200">
+                        <a:effectLst/>
+                        <a:latin typeface="Times New Roman" panose="02020603050405020304" pitchFamily="18" charset="0"/>
+                        <a:ea typeface="Times New Roman" panose="02020603050405020304" pitchFamily="18" charset="0"/>
+                        <a:cs typeface="Times New Roman" panose="02020603050405020304" pitchFamily="18" charset="0"/>
+                      </a:endParaRPr>
+                    </a:p>
+                  </a:txBody>
+                  <a:tcPr marL="59359" marR="59359" marT="0" marB="0" anchor="ctr"/>
+                </a:tc>
+                <a:tc>
+                  <a:txBody>
+                    <a:bodyPr/>
+                    <a:lstStyle/>
+                    <a:p>
+                      <a:pPr marL="0" marR="0" algn="ctr">
+                        <a:spcBef>
+                          <a:spcPts val="0"/>
+                        </a:spcBef>
+                        <a:spcAft>
+                          <a:spcPts val="0"/>
+                        </a:spcAft>
+                      </a:pPr>
+                      <a:r>
+                        <a:rPr lang="en-US" sz="1000">
+                          <a:effectLst/>
+                        </a:rPr>
+                        <a:t>Café</a:t>
+                      </a:r>
+                      <a:endParaRPr lang="en-US" sz="1200">
+                        <a:effectLst/>
+                        <a:latin typeface="Times New Roman" panose="02020603050405020304" pitchFamily="18" charset="0"/>
+                        <a:ea typeface="Times New Roman" panose="02020603050405020304" pitchFamily="18" charset="0"/>
+                        <a:cs typeface="Times New Roman" panose="02020603050405020304" pitchFamily="18" charset="0"/>
+                      </a:endParaRPr>
+                    </a:p>
+                  </a:txBody>
+                  <a:tcPr marL="59359" marR="59359" marT="0" marB="0" anchor="ctr"/>
+                </a:tc>
+                <a:tc>
+                  <a:txBody>
+                    <a:bodyPr/>
+                    <a:lstStyle/>
+                    <a:p>
+                      <a:pPr marL="0" marR="0" algn="ctr">
+                        <a:spcBef>
+                          <a:spcPts val="0"/>
+                        </a:spcBef>
+                        <a:spcAft>
+                          <a:spcPts val="0"/>
+                        </a:spcAft>
+                      </a:pPr>
+                      <a:r>
+                        <a:rPr lang="en-US" sz="1000">
+                          <a:effectLst/>
+                        </a:rPr>
+                        <a:t>Sushi Restaurant</a:t>
+                      </a:r>
+                      <a:endParaRPr lang="en-US" sz="1200">
+                        <a:effectLst/>
+                        <a:latin typeface="Times New Roman" panose="02020603050405020304" pitchFamily="18" charset="0"/>
+                        <a:ea typeface="Times New Roman" panose="02020603050405020304" pitchFamily="18" charset="0"/>
+                        <a:cs typeface="Times New Roman" panose="02020603050405020304" pitchFamily="18" charset="0"/>
+                      </a:endParaRPr>
+                    </a:p>
+                  </a:txBody>
+                  <a:tcPr marL="59359" marR="59359" marT="0" marB="0" anchor="ctr"/>
+                </a:tc>
+                <a:tc>
+                  <a:txBody>
+                    <a:bodyPr/>
+                    <a:lstStyle/>
+                    <a:p>
+                      <a:pPr marL="0" marR="0" algn="ctr">
+                        <a:spcBef>
+                          <a:spcPts val="0"/>
+                        </a:spcBef>
+                        <a:spcAft>
+                          <a:spcPts val="0"/>
+                        </a:spcAft>
+                      </a:pPr>
+                      <a:r>
+                        <a:rPr lang="en-US" sz="1000">
+                          <a:effectLst/>
+                        </a:rPr>
+                        <a:t>Grocery Store</a:t>
+                      </a:r>
+                      <a:endParaRPr lang="en-US" sz="1200">
+                        <a:effectLst/>
+                        <a:latin typeface="Times New Roman" panose="02020603050405020304" pitchFamily="18" charset="0"/>
+                        <a:ea typeface="Times New Roman" panose="02020603050405020304" pitchFamily="18" charset="0"/>
+                        <a:cs typeface="Times New Roman" panose="02020603050405020304" pitchFamily="18" charset="0"/>
+                      </a:endParaRPr>
+                    </a:p>
+                  </a:txBody>
+                  <a:tcPr marL="59359" marR="59359" marT="0" marB="0" anchor="ctr"/>
+                </a:tc>
+                <a:tc>
+                  <a:txBody>
+                    <a:bodyPr/>
+                    <a:lstStyle/>
+                    <a:p>
+                      <a:pPr marL="0" marR="0" algn="ctr">
+                        <a:spcBef>
+                          <a:spcPts val="0"/>
+                        </a:spcBef>
+                        <a:spcAft>
+                          <a:spcPts val="0"/>
+                        </a:spcAft>
+                      </a:pPr>
+                      <a:r>
+                        <a:rPr lang="en-US" sz="1000">
+                          <a:effectLst/>
+                        </a:rPr>
+                        <a:t>Ice Cream Shop</a:t>
+                      </a:r>
+                      <a:endParaRPr lang="en-US" sz="1200">
+                        <a:effectLst/>
+                        <a:latin typeface="Times New Roman" panose="02020603050405020304" pitchFamily="18" charset="0"/>
+                        <a:ea typeface="Times New Roman" panose="02020603050405020304" pitchFamily="18" charset="0"/>
+                        <a:cs typeface="Times New Roman" panose="02020603050405020304" pitchFamily="18" charset="0"/>
+                      </a:endParaRPr>
+                    </a:p>
+                  </a:txBody>
+                  <a:tcPr marL="59359" marR="59359" marT="0" marB="0" anchor="ctr"/>
+                </a:tc>
+                <a:tc>
+                  <a:txBody>
+                    <a:bodyPr/>
+                    <a:lstStyle/>
+                    <a:p>
+                      <a:pPr marL="0" marR="0" algn="ctr">
+                        <a:spcBef>
+                          <a:spcPts val="0"/>
+                        </a:spcBef>
+                        <a:spcAft>
+                          <a:spcPts val="0"/>
+                        </a:spcAft>
+                      </a:pPr>
+                      <a:r>
+                        <a:rPr lang="en-US" sz="1000" dirty="0">
+                          <a:effectLst/>
+                        </a:rPr>
+                        <a:t>Gym</a:t>
+                      </a:r>
+                      <a:endParaRPr lang="en-US" sz="1200" dirty="0">
+                        <a:effectLst/>
+                        <a:latin typeface="Times New Roman" panose="02020603050405020304" pitchFamily="18" charset="0"/>
+                        <a:ea typeface="Times New Roman" panose="02020603050405020304" pitchFamily="18" charset="0"/>
+                        <a:cs typeface="Times New Roman" panose="02020603050405020304" pitchFamily="18" charset="0"/>
+                      </a:endParaRPr>
+                    </a:p>
+                  </a:txBody>
+                  <a:tcPr marL="59359" marR="59359" marT="0" marB="0" anchor="ctr"/>
+                </a:tc>
+                <a:tc>
+                  <a:txBody>
+                    <a:bodyPr/>
+                    <a:lstStyle/>
+                    <a:p>
+                      <a:pPr marL="0" marR="0" algn="ctr">
+                        <a:spcBef>
+                          <a:spcPts val="0"/>
+                        </a:spcBef>
+                        <a:spcAft>
+                          <a:spcPts val="0"/>
+                        </a:spcAft>
+                      </a:pPr>
+                      <a:r>
+                        <a:rPr lang="en-US" sz="1000">
+                          <a:effectLst/>
+                        </a:rPr>
+                        <a:t>Trail</a:t>
+                      </a:r>
+                      <a:endParaRPr lang="en-US" sz="1200">
+                        <a:effectLst/>
+                        <a:latin typeface="Times New Roman" panose="02020603050405020304" pitchFamily="18" charset="0"/>
+                        <a:ea typeface="Times New Roman" panose="02020603050405020304" pitchFamily="18" charset="0"/>
+                        <a:cs typeface="Times New Roman" panose="02020603050405020304" pitchFamily="18" charset="0"/>
+                      </a:endParaRPr>
+                    </a:p>
+                  </a:txBody>
+                  <a:tcPr marL="59359" marR="59359" marT="0" marB="0" anchor="ctr"/>
+                </a:tc>
+                <a:extLst>
+                  <a:ext uri="{0D108BD9-81ED-4DB2-BD59-A6C34878D82A}">
+                    <a16:rowId xmlns:a16="http://schemas.microsoft.com/office/drawing/2014/main" val="655896984"/>
+                  </a:ext>
+                </a:extLst>
+              </a:tr>
+              <a:tr h="384310">
+                <a:tc>
+                  <a:txBody>
+                    <a:bodyPr/>
+                    <a:lstStyle/>
+                    <a:p>
+                      <a:pPr marL="0" marR="0" algn="ctr">
+                        <a:spcBef>
+                          <a:spcPts val="0"/>
+                        </a:spcBef>
+                        <a:spcAft>
+                          <a:spcPts val="0"/>
+                        </a:spcAft>
+                      </a:pPr>
+                      <a:r>
+                        <a:rPr lang="en-US" sz="800">
+                          <a:effectLst/>
+                        </a:rPr>
+                        <a:t>4th Most Common Venue</a:t>
+                      </a:r>
+                      <a:endParaRPr lang="en-US" sz="1050">
+                        <a:effectLst/>
+                        <a:latin typeface="Times New Roman" panose="02020603050405020304" pitchFamily="18" charset="0"/>
+                        <a:ea typeface="Times New Roman" panose="02020603050405020304" pitchFamily="18" charset="0"/>
+                        <a:cs typeface="Times New Roman" panose="02020603050405020304" pitchFamily="18" charset="0"/>
+                      </a:endParaRPr>
+                    </a:p>
+                  </a:txBody>
+                  <a:tcPr marL="59359" marR="59359" marT="0" marB="0" anchor="ctr"/>
+                </a:tc>
+                <a:tc>
+                  <a:txBody>
+                    <a:bodyPr/>
+                    <a:lstStyle/>
+                    <a:p>
+                      <a:pPr marL="0" marR="0" algn="ctr">
+                        <a:spcBef>
+                          <a:spcPts val="0"/>
+                        </a:spcBef>
+                        <a:spcAft>
+                          <a:spcPts val="0"/>
+                        </a:spcAft>
+                      </a:pPr>
+                      <a:r>
+                        <a:rPr lang="en-US" sz="1000">
+                          <a:effectLst/>
+                        </a:rPr>
+                        <a:t>Bakery</a:t>
+                      </a:r>
+                      <a:endParaRPr lang="en-US" sz="1200">
+                        <a:effectLst/>
+                        <a:latin typeface="Times New Roman" panose="02020603050405020304" pitchFamily="18" charset="0"/>
+                        <a:ea typeface="Times New Roman" panose="02020603050405020304" pitchFamily="18" charset="0"/>
+                        <a:cs typeface="Times New Roman" panose="02020603050405020304" pitchFamily="18" charset="0"/>
+                      </a:endParaRPr>
+                    </a:p>
+                  </a:txBody>
+                  <a:tcPr marL="59359" marR="59359" marT="0" marB="0" anchor="ctr"/>
+                </a:tc>
+                <a:tc>
+                  <a:txBody>
+                    <a:bodyPr/>
+                    <a:lstStyle/>
+                    <a:p>
+                      <a:pPr marL="0" marR="0" algn="ctr">
+                        <a:spcBef>
+                          <a:spcPts val="0"/>
+                        </a:spcBef>
+                        <a:spcAft>
+                          <a:spcPts val="0"/>
+                        </a:spcAft>
+                      </a:pPr>
+                      <a:r>
+                        <a:rPr lang="en-US" sz="1000">
+                          <a:effectLst/>
+                        </a:rPr>
+                        <a:t>Grocery Store</a:t>
+                      </a:r>
+                      <a:endParaRPr lang="en-US" sz="1200">
+                        <a:effectLst/>
+                        <a:latin typeface="Times New Roman" panose="02020603050405020304" pitchFamily="18" charset="0"/>
+                        <a:ea typeface="Times New Roman" panose="02020603050405020304" pitchFamily="18" charset="0"/>
+                        <a:cs typeface="Times New Roman" panose="02020603050405020304" pitchFamily="18" charset="0"/>
+                      </a:endParaRPr>
+                    </a:p>
+                  </a:txBody>
+                  <a:tcPr marL="59359" marR="59359" marT="0" marB="0" anchor="ctr"/>
+                </a:tc>
+                <a:tc>
+                  <a:txBody>
+                    <a:bodyPr/>
+                    <a:lstStyle/>
+                    <a:p>
+                      <a:pPr marL="0" marR="0" algn="ctr">
+                        <a:spcBef>
+                          <a:spcPts val="0"/>
+                        </a:spcBef>
+                        <a:spcAft>
+                          <a:spcPts val="0"/>
+                        </a:spcAft>
+                      </a:pPr>
+                      <a:r>
+                        <a:rPr lang="en-US" sz="1000">
+                          <a:effectLst/>
+                        </a:rPr>
+                        <a:t>Pub</a:t>
+                      </a:r>
+                      <a:endParaRPr lang="en-US" sz="1200">
+                        <a:effectLst/>
+                        <a:latin typeface="Times New Roman" panose="02020603050405020304" pitchFamily="18" charset="0"/>
+                        <a:ea typeface="Times New Roman" panose="02020603050405020304" pitchFamily="18" charset="0"/>
+                        <a:cs typeface="Times New Roman" panose="02020603050405020304" pitchFamily="18" charset="0"/>
+                      </a:endParaRPr>
+                    </a:p>
+                  </a:txBody>
+                  <a:tcPr marL="59359" marR="59359" marT="0" marB="0" anchor="ctr"/>
+                </a:tc>
+                <a:tc>
+                  <a:txBody>
+                    <a:bodyPr/>
+                    <a:lstStyle/>
+                    <a:p>
+                      <a:pPr marL="0" marR="0" algn="ctr">
+                        <a:spcBef>
+                          <a:spcPts val="0"/>
+                        </a:spcBef>
+                        <a:spcAft>
+                          <a:spcPts val="0"/>
+                        </a:spcAft>
+                      </a:pPr>
+                      <a:r>
+                        <a:rPr lang="en-US" sz="1000">
+                          <a:effectLst/>
+                        </a:rPr>
+                        <a:t>Pizza Place</a:t>
+                      </a:r>
+                      <a:endParaRPr lang="en-US" sz="1200">
+                        <a:effectLst/>
+                        <a:latin typeface="Times New Roman" panose="02020603050405020304" pitchFamily="18" charset="0"/>
+                        <a:ea typeface="Times New Roman" panose="02020603050405020304" pitchFamily="18" charset="0"/>
+                        <a:cs typeface="Times New Roman" panose="02020603050405020304" pitchFamily="18" charset="0"/>
+                      </a:endParaRPr>
+                    </a:p>
+                  </a:txBody>
+                  <a:tcPr marL="59359" marR="59359" marT="0" marB="0" anchor="ctr"/>
+                </a:tc>
+                <a:tc>
+                  <a:txBody>
+                    <a:bodyPr/>
+                    <a:lstStyle/>
+                    <a:p>
+                      <a:pPr marL="0" marR="0" algn="ctr">
+                        <a:spcBef>
+                          <a:spcPts val="0"/>
+                        </a:spcBef>
+                        <a:spcAft>
+                          <a:spcPts val="0"/>
+                        </a:spcAft>
+                      </a:pPr>
+                      <a:r>
+                        <a:rPr lang="en-US" sz="1000">
+                          <a:effectLst/>
+                        </a:rPr>
+                        <a:t>Bakery</a:t>
+                      </a:r>
+                      <a:endParaRPr lang="en-US" sz="1200">
+                        <a:effectLst/>
+                        <a:latin typeface="Times New Roman" panose="02020603050405020304" pitchFamily="18" charset="0"/>
+                        <a:ea typeface="Times New Roman" panose="02020603050405020304" pitchFamily="18" charset="0"/>
+                        <a:cs typeface="Times New Roman" panose="02020603050405020304" pitchFamily="18" charset="0"/>
+                      </a:endParaRPr>
+                    </a:p>
+                  </a:txBody>
+                  <a:tcPr marL="59359" marR="59359" marT="0" marB="0" anchor="ctr"/>
+                </a:tc>
+                <a:tc>
+                  <a:txBody>
+                    <a:bodyPr/>
+                    <a:lstStyle/>
+                    <a:p>
+                      <a:pPr marL="0" marR="0" algn="ctr">
+                        <a:spcBef>
+                          <a:spcPts val="0"/>
+                        </a:spcBef>
+                        <a:spcAft>
+                          <a:spcPts val="0"/>
+                        </a:spcAft>
+                      </a:pPr>
+                      <a:r>
+                        <a:rPr lang="en-US" sz="1000">
+                          <a:effectLst/>
+                        </a:rPr>
+                        <a:t>Breakfast Spot</a:t>
+                      </a:r>
+                      <a:endParaRPr lang="en-US" sz="1200">
+                        <a:effectLst/>
+                        <a:latin typeface="Times New Roman" panose="02020603050405020304" pitchFamily="18" charset="0"/>
+                        <a:ea typeface="Times New Roman" panose="02020603050405020304" pitchFamily="18" charset="0"/>
+                        <a:cs typeface="Times New Roman" panose="02020603050405020304" pitchFamily="18" charset="0"/>
+                      </a:endParaRPr>
+                    </a:p>
+                  </a:txBody>
+                  <a:tcPr marL="59359" marR="59359" marT="0" marB="0" anchor="ctr"/>
+                </a:tc>
+                <a:tc>
+                  <a:txBody>
+                    <a:bodyPr/>
+                    <a:lstStyle/>
+                    <a:p>
+                      <a:pPr marL="0" marR="0" algn="ctr">
+                        <a:spcBef>
+                          <a:spcPts val="0"/>
+                        </a:spcBef>
+                        <a:spcAft>
+                          <a:spcPts val="0"/>
+                        </a:spcAft>
+                      </a:pPr>
+                      <a:r>
+                        <a:rPr lang="en-US" sz="1000">
+                          <a:effectLst/>
+                        </a:rPr>
+                        <a:t>Fast Food Restaurant</a:t>
+                      </a:r>
+                      <a:endParaRPr lang="en-US" sz="1200">
+                        <a:effectLst/>
+                        <a:latin typeface="Times New Roman" panose="02020603050405020304" pitchFamily="18" charset="0"/>
+                        <a:ea typeface="Times New Roman" panose="02020603050405020304" pitchFamily="18" charset="0"/>
+                        <a:cs typeface="Times New Roman" panose="02020603050405020304" pitchFamily="18" charset="0"/>
+                      </a:endParaRPr>
+                    </a:p>
+                  </a:txBody>
+                  <a:tcPr marL="59359" marR="59359" marT="0" marB="0" anchor="ctr"/>
+                </a:tc>
+                <a:tc>
+                  <a:txBody>
+                    <a:bodyPr/>
+                    <a:lstStyle/>
+                    <a:p>
+                      <a:pPr marL="0" marR="0" algn="ctr">
+                        <a:spcBef>
+                          <a:spcPts val="0"/>
+                        </a:spcBef>
+                        <a:spcAft>
+                          <a:spcPts val="0"/>
+                        </a:spcAft>
+                      </a:pPr>
+                      <a:r>
+                        <a:rPr lang="en-US" sz="1000">
+                          <a:effectLst/>
+                        </a:rPr>
+                        <a:t>Grocery Store</a:t>
+                      </a:r>
+                      <a:endParaRPr lang="en-US" sz="1200">
+                        <a:effectLst/>
+                        <a:latin typeface="Times New Roman" panose="02020603050405020304" pitchFamily="18" charset="0"/>
+                        <a:ea typeface="Times New Roman" panose="02020603050405020304" pitchFamily="18" charset="0"/>
+                        <a:cs typeface="Times New Roman" panose="02020603050405020304" pitchFamily="18" charset="0"/>
+                      </a:endParaRPr>
+                    </a:p>
+                  </a:txBody>
+                  <a:tcPr marL="59359" marR="59359" marT="0" marB="0" anchor="ctr"/>
+                </a:tc>
+                <a:tc>
+                  <a:txBody>
+                    <a:bodyPr/>
+                    <a:lstStyle/>
+                    <a:p>
+                      <a:pPr marL="0" marR="0" algn="ctr">
+                        <a:spcBef>
+                          <a:spcPts val="0"/>
+                        </a:spcBef>
+                        <a:spcAft>
+                          <a:spcPts val="0"/>
+                        </a:spcAft>
+                      </a:pPr>
+                      <a:r>
+                        <a:rPr lang="en-US" sz="1000">
+                          <a:effectLst/>
+                        </a:rPr>
+                        <a:t>Bakery</a:t>
+                      </a:r>
+                      <a:endParaRPr lang="en-US" sz="1200">
+                        <a:effectLst/>
+                        <a:latin typeface="Times New Roman" panose="02020603050405020304" pitchFamily="18" charset="0"/>
+                        <a:ea typeface="Times New Roman" panose="02020603050405020304" pitchFamily="18" charset="0"/>
+                        <a:cs typeface="Times New Roman" panose="02020603050405020304" pitchFamily="18" charset="0"/>
+                      </a:endParaRPr>
+                    </a:p>
+                  </a:txBody>
+                  <a:tcPr marL="59359" marR="59359" marT="0" marB="0" anchor="ctr"/>
+                </a:tc>
+                <a:extLst>
+                  <a:ext uri="{0D108BD9-81ED-4DB2-BD59-A6C34878D82A}">
+                    <a16:rowId xmlns:a16="http://schemas.microsoft.com/office/drawing/2014/main" val="1654504439"/>
+                  </a:ext>
+                </a:extLst>
+              </a:tr>
+              <a:tr h="512414">
+                <a:tc>
+                  <a:txBody>
+                    <a:bodyPr/>
+                    <a:lstStyle/>
+                    <a:p>
+                      <a:pPr marL="0" marR="0" algn="ctr">
+                        <a:spcBef>
+                          <a:spcPts val="0"/>
+                        </a:spcBef>
+                        <a:spcAft>
+                          <a:spcPts val="0"/>
+                        </a:spcAft>
+                      </a:pPr>
+                      <a:r>
+                        <a:rPr lang="en-US" sz="800" dirty="0">
+                          <a:effectLst/>
+                        </a:rPr>
+                        <a:t>5th Most Common Venue</a:t>
+                      </a:r>
+                      <a:endParaRPr lang="en-US" sz="1050" dirty="0">
+                        <a:effectLst/>
+                        <a:latin typeface="Times New Roman" panose="02020603050405020304" pitchFamily="18" charset="0"/>
+                        <a:ea typeface="Times New Roman" panose="02020603050405020304" pitchFamily="18" charset="0"/>
+                        <a:cs typeface="Times New Roman" panose="02020603050405020304" pitchFamily="18" charset="0"/>
+                      </a:endParaRPr>
+                    </a:p>
+                  </a:txBody>
+                  <a:tcPr marL="59359" marR="59359" marT="0" marB="0" anchor="ctr"/>
+                </a:tc>
+                <a:tc>
+                  <a:txBody>
+                    <a:bodyPr/>
+                    <a:lstStyle/>
+                    <a:p>
+                      <a:pPr marL="0" marR="0" algn="ctr">
+                        <a:spcBef>
+                          <a:spcPts val="0"/>
+                        </a:spcBef>
+                        <a:spcAft>
+                          <a:spcPts val="0"/>
+                        </a:spcAft>
+                      </a:pPr>
+                      <a:r>
+                        <a:rPr lang="en-US" sz="1000">
+                          <a:effectLst/>
+                        </a:rPr>
+                        <a:t>Pub</a:t>
+                      </a:r>
+                      <a:endParaRPr lang="en-US" sz="1200">
+                        <a:effectLst/>
+                        <a:latin typeface="Times New Roman" panose="02020603050405020304" pitchFamily="18" charset="0"/>
+                        <a:ea typeface="Times New Roman" panose="02020603050405020304" pitchFamily="18" charset="0"/>
+                        <a:cs typeface="Times New Roman" panose="02020603050405020304" pitchFamily="18" charset="0"/>
+                      </a:endParaRPr>
+                    </a:p>
+                  </a:txBody>
+                  <a:tcPr marL="59359" marR="59359" marT="0" marB="0" anchor="ctr"/>
+                </a:tc>
+                <a:tc>
+                  <a:txBody>
+                    <a:bodyPr/>
+                    <a:lstStyle/>
+                    <a:p>
+                      <a:pPr marL="0" marR="0" algn="ctr">
+                        <a:spcBef>
+                          <a:spcPts val="0"/>
+                        </a:spcBef>
+                        <a:spcAft>
+                          <a:spcPts val="0"/>
+                        </a:spcAft>
+                      </a:pPr>
+                      <a:r>
+                        <a:rPr lang="en-US" sz="1000" dirty="0">
+                          <a:effectLst/>
+                        </a:rPr>
+                        <a:t>Pizza Place</a:t>
+                      </a:r>
+                      <a:endParaRPr lang="en-US" sz="1200" dirty="0">
+                        <a:effectLst/>
+                        <a:latin typeface="Times New Roman" panose="02020603050405020304" pitchFamily="18" charset="0"/>
+                        <a:ea typeface="Times New Roman" panose="02020603050405020304" pitchFamily="18" charset="0"/>
+                        <a:cs typeface="Times New Roman" panose="02020603050405020304" pitchFamily="18" charset="0"/>
+                      </a:endParaRPr>
+                    </a:p>
+                  </a:txBody>
+                  <a:tcPr marL="59359" marR="59359" marT="0" marB="0" anchor="ctr"/>
+                </a:tc>
+                <a:tc>
+                  <a:txBody>
+                    <a:bodyPr/>
+                    <a:lstStyle/>
+                    <a:p>
+                      <a:pPr marL="0" marR="0" algn="ctr">
+                        <a:spcBef>
+                          <a:spcPts val="0"/>
+                        </a:spcBef>
+                        <a:spcAft>
+                          <a:spcPts val="0"/>
+                        </a:spcAft>
+                      </a:pPr>
+                      <a:r>
+                        <a:rPr lang="en-US" sz="1000">
+                          <a:effectLst/>
+                        </a:rPr>
+                        <a:t>Café</a:t>
+                      </a:r>
+                      <a:endParaRPr lang="en-US" sz="1200">
+                        <a:effectLst/>
+                        <a:latin typeface="Times New Roman" panose="02020603050405020304" pitchFamily="18" charset="0"/>
+                        <a:ea typeface="Times New Roman" panose="02020603050405020304" pitchFamily="18" charset="0"/>
+                        <a:cs typeface="Times New Roman" panose="02020603050405020304" pitchFamily="18" charset="0"/>
+                      </a:endParaRPr>
+                    </a:p>
+                  </a:txBody>
+                  <a:tcPr marL="59359" marR="59359" marT="0" marB="0" anchor="ctr"/>
+                </a:tc>
+                <a:tc>
+                  <a:txBody>
+                    <a:bodyPr/>
+                    <a:lstStyle/>
+                    <a:p>
+                      <a:pPr marL="0" marR="0" algn="ctr">
+                        <a:spcBef>
+                          <a:spcPts val="0"/>
+                        </a:spcBef>
+                        <a:spcAft>
+                          <a:spcPts val="0"/>
+                        </a:spcAft>
+                      </a:pPr>
+                      <a:r>
+                        <a:rPr lang="en-US" sz="1000">
+                          <a:effectLst/>
+                        </a:rPr>
+                        <a:t>Mexican Restaurant</a:t>
+                      </a:r>
+                      <a:endParaRPr lang="en-US" sz="1200">
+                        <a:effectLst/>
+                        <a:latin typeface="Times New Roman" panose="02020603050405020304" pitchFamily="18" charset="0"/>
+                        <a:ea typeface="Times New Roman" panose="02020603050405020304" pitchFamily="18" charset="0"/>
+                        <a:cs typeface="Times New Roman" panose="02020603050405020304" pitchFamily="18" charset="0"/>
+                      </a:endParaRPr>
+                    </a:p>
+                  </a:txBody>
+                  <a:tcPr marL="59359" marR="59359" marT="0" marB="0" anchor="ctr"/>
+                </a:tc>
+                <a:tc>
+                  <a:txBody>
+                    <a:bodyPr/>
+                    <a:lstStyle/>
+                    <a:p>
+                      <a:pPr marL="0" marR="0" algn="ctr">
+                        <a:spcBef>
+                          <a:spcPts val="0"/>
+                        </a:spcBef>
+                        <a:spcAft>
+                          <a:spcPts val="0"/>
+                        </a:spcAft>
+                      </a:pPr>
+                      <a:r>
+                        <a:rPr lang="en-US" sz="1000">
+                          <a:effectLst/>
+                        </a:rPr>
+                        <a:t>Ice Cream Shop</a:t>
+                      </a:r>
+                      <a:endParaRPr lang="en-US" sz="1200">
+                        <a:effectLst/>
+                        <a:latin typeface="Times New Roman" panose="02020603050405020304" pitchFamily="18" charset="0"/>
+                        <a:ea typeface="Times New Roman" panose="02020603050405020304" pitchFamily="18" charset="0"/>
+                        <a:cs typeface="Times New Roman" panose="02020603050405020304" pitchFamily="18" charset="0"/>
+                      </a:endParaRPr>
+                    </a:p>
+                  </a:txBody>
+                  <a:tcPr marL="59359" marR="59359" marT="0" marB="0" anchor="ctr"/>
+                </a:tc>
+                <a:tc>
+                  <a:txBody>
+                    <a:bodyPr/>
+                    <a:lstStyle/>
+                    <a:p>
+                      <a:pPr marL="0" marR="0" algn="ctr">
+                        <a:spcBef>
+                          <a:spcPts val="0"/>
+                        </a:spcBef>
+                        <a:spcAft>
+                          <a:spcPts val="0"/>
+                        </a:spcAft>
+                      </a:pPr>
+                      <a:r>
+                        <a:rPr lang="en-US" sz="1000">
+                          <a:effectLst/>
+                        </a:rPr>
+                        <a:t>Sushi Restaurant</a:t>
+                      </a:r>
+                      <a:endParaRPr lang="en-US" sz="1200">
+                        <a:effectLst/>
+                        <a:latin typeface="Times New Roman" panose="02020603050405020304" pitchFamily="18" charset="0"/>
+                        <a:ea typeface="Times New Roman" panose="02020603050405020304" pitchFamily="18" charset="0"/>
+                        <a:cs typeface="Times New Roman" panose="02020603050405020304" pitchFamily="18" charset="0"/>
+                      </a:endParaRPr>
+                    </a:p>
+                  </a:txBody>
+                  <a:tcPr marL="59359" marR="59359" marT="0" marB="0" anchor="ctr"/>
+                </a:tc>
+                <a:tc>
+                  <a:txBody>
+                    <a:bodyPr/>
+                    <a:lstStyle/>
+                    <a:p>
+                      <a:pPr marL="0" marR="0" algn="ctr">
+                        <a:spcBef>
+                          <a:spcPts val="0"/>
+                        </a:spcBef>
+                        <a:spcAft>
+                          <a:spcPts val="0"/>
+                        </a:spcAft>
+                      </a:pPr>
+                      <a:r>
+                        <a:rPr lang="en-US" sz="1000">
+                          <a:effectLst/>
+                        </a:rPr>
+                        <a:t>Gym</a:t>
+                      </a:r>
+                      <a:endParaRPr lang="en-US" sz="1200">
+                        <a:effectLst/>
+                        <a:latin typeface="Times New Roman" panose="02020603050405020304" pitchFamily="18" charset="0"/>
+                        <a:ea typeface="Times New Roman" panose="02020603050405020304" pitchFamily="18" charset="0"/>
+                        <a:cs typeface="Times New Roman" panose="02020603050405020304" pitchFamily="18" charset="0"/>
+                      </a:endParaRPr>
+                    </a:p>
+                  </a:txBody>
+                  <a:tcPr marL="59359" marR="59359" marT="0" marB="0" anchor="ctr"/>
+                </a:tc>
+                <a:tc>
+                  <a:txBody>
+                    <a:bodyPr/>
+                    <a:lstStyle/>
+                    <a:p>
+                      <a:pPr marL="0" marR="0" algn="ctr">
+                        <a:spcBef>
+                          <a:spcPts val="0"/>
+                        </a:spcBef>
+                        <a:spcAft>
+                          <a:spcPts val="0"/>
+                        </a:spcAft>
+                      </a:pPr>
+                      <a:r>
+                        <a:rPr lang="en-US" sz="1000">
+                          <a:effectLst/>
+                        </a:rPr>
+                        <a:t>Sushi Restaurant</a:t>
+                      </a:r>
+                      <a:endParaRPr lang="en-US" sz="1200">
+                        <a:effectLst/>
+                        <a:latin typeface="Times New Roman" panose="02020603050405020304" pitchFamily="18" charset="0"/>
+                        <a:ea typeface="Times New Roman" panose="02020603050405020304" pitchFamily="18" charset="0"/>
+                        <a:cs typeface="Times New Roman" panose="02020603050405020304" pitchFamily="18" charset="0"/>
+                      </a:endParaRPr>
+                    </a:p>
+                  </a:txBody>
+                  <a:tcPr marL="59359" marR="59359" marT="0" marB="0" anchor="ctr"/>
+                </a:tc>
+                <a:tc>
+                  <a:txBody>
+                    <a:bodyPr/>
+                    <a:lstStyle/>
+                    <a:p>
+                      <a:pPr marL="0" marR="0" algn="ctr">
+                        <a:spcBef>
+                          <a:spcPts val="0"/>
+                        </a:spcBef>
+                        <a:spcAft>
+                          <a:spcPts val="0"/>
+                        </a:spcAft>
+                      </a:pPr>
+                      <a:r>
+                        <a:rPr lang="en-US" sz="1000">
+                          <a:effectLst/>
+                        </a:rPr>
+                        <a:t>Fast Food Restaurant</a:t>
+                      </a:r>
+                      <a:endParaRPr lang="en-US" sz="1200">
+                        <a:effectLst/>
+                        <a:latin typeface="Times New Roman" panose="02020603050405020304" pitchFamily="18" charset="0"/>
+                        <a:ea typeface="Times New Roman" panose="02020603050405020304" pitchFamily="18" charset="0"/>
+                        <a:cs typeface="Times New Roman" panose="02020603050405020304" pitchFamily="18" charset="0"/>
+                      </a:endParaRPr>
+                    </a:p>
+                  </a:txBody>
+                  <a:tcPr marL="59359" marR="59359" marT="0" marB="0" anchor="ctr"/>
+                </a:tc>
+                <a:extLst>
+                  <a:ext uri="{0D108BD9-81ED-4DB2-BD59-A6C34878D82A}">
+                    <a16:rowId xmlns:a16="http://schemas.microsoft.com/office/drawing/2014/main" val="1983030900"/>
+                  </a:ext>
+                </a:extLst>
+              </a:tr>
+              <a:tr h="384310">
+                <a:tc>
+                  <a:txBody>
+                    <a:bodyPr/>
+                    <a:lstStyle/>
+                    <a:p>
+                      <a:pPr marL="0" marR="0" algn="ctr">
+                        <a:spcBef>
+                          <a:spcPts val="0"/>
+                        </a:spcBef>
+                        <a:spcAft>
+                          <a:spcPts val="0"/>
+                        </a:spcAft>
+                      </a:pPr>
+                      <a:r>
+                        <a:rPr lang="en-US" sz="800">
+                          <a:effectLst/>
+                        </a:rPr>
+                        <a:t>6th Most Common Venue</a:t>
+                      </a:r>
+                      <a:endParaRPr lang="en-US" sz="1050">
+                        <a:effectLst/>
+                        <a:latin typeface="Times New Roman" panose="02020603050405020304" pitchFamily="18" charset="0"/>
+                        <a:ea typeface="Times New Roman" panose="02020603050405020304" pitchFamily="18" charset="0"/>
+                        <a:cs typeface="Times New Roman" panose="02020603050405020304" pitchFamily="18" charset="0"/>
+                      </a:endParaRPr>
+                    </a:p>
+                  </a:txBody>
+                  <a:tcPr marL="59359" marR="59359" marT="0" marB="0" anchor="ctr"/>
+                </a:tc>
+                <a:tc>
+                  <a:txBody>
+                    <a:bodyPr/>
+                    <a:lstStyle/>
+                    <a:p>
+                      <a:pPr marL="0" marR="0" algn="ctr">
+                        <a:spcBef>
+                          <a:spcPts val="0"/>
+                        </a:spcBef>
+                        <a:spcAft>
+                          <a:spcPts val="0"/>
+                        </a:spcAft>
+                      </a:pPr>
+                      <a:r>
+                        <a:rPr lang="en-US" sz="1000">
+                          <a:effectLst/>
+                        </a:rPr>
+                        <a:t>Asian Restaurant</a:t>
+                      </a:r>
+                      <a:endParaRPr lang="en-US" sz="1200">
+                        <a:effectLst/>
+                        <a:latin typeface="Times New Roman" panose="02020603050405020304" pitchFamily="18" charset="0"/>
+                        <a:ea typeface="Times New Roman" panose="02020603050405020304" pitchFamily="18" charset="0"/>
+                        <a:cs typeface="Times New Roman" panose="02020603050405020304" pitchFamily="18" charset="0"/>
+                      </a:endParaRPr>
+                    </a:p>
+                  </a:txBody>
+                  <a:tcPr marL="59359" marR="59359" marT="0" marB="0" anchor="ctr"/>
+                </a:tc>
+                <a:tc>
+                  <a:txBody>
+                    <a:bodyPr/>
+                    <a:lstStyle/>
+                    <a:p>
+                      <a:pPr marL="0" marR="0" algn="ctr">
+                        <a:spcBef>
+                          <a:spcPts val="0"/>
+                        </a:spcBef>
+                        <a:spcAft>
+                          <a:spcPts val="0"/>
+                        </a:spcAft>
+                      </a:pPr>
+                      <a:r>
+                        <a:rPr lang="en-US" sz="1000">
+                          <a:effectLst/>
+                        </a:rPr>
+                        <a:t>Restaurant</a:t>
+                      </a:r>
+                      <a:endParaRPr lang="en-US" sz="1200">
+                        <a:effectLst/>
+                        <a:latin typeface="Times New Roman" panose="02020603050405020304" pitchFamily="18" charset="0"/>
+                        <a:ea typeface="Times New Roman" panose="02020603050405020304" pitchFamily="18" charset="0"/>
+                        <a:cs typeface="Times New Roman" panose="02020603050405020304" pitchFamily="18" charset="0"/>
+                      </a:endParaRPr>
+                    </a:p>
+                  </a:txBody>
+                  <a:tcPr marL="59359" marR="59359" marT="0" marB="0" anchor="ctr"/>
+                </a:tc>
+                <a:tc>
+                  <a:txBody>
+                    <a:bodyPr/>
+                    <a:lstStyle/>
+                    <a:p>
+                      <a:pPr marL="0" marR="0" algn="ctr">
+                        <a:spcBef>
+                          <a:spcPts val="0"/>
+                        </a:spcBef>
+                        <a:spcAft>
+                          <a:spcPts val="0"/>
+                        </a:spcAft>
+                      </a:pPr>
+                      <a:r>
+                        <a:rPr lang="en-US" sz="1000">
+                          <a:effectLst/>
+                        </a:rPr>
+                        <a:t>Bakery</a:t>
+                      </a:r>
+                      <a:endParaRPr lang="en-US" sz="1200">
+                        <a:effectLst/>
+                        <a:latin typeface="Times New Roman" panose="02020603050405020304" pitchFamily="18" charset="0"/>
+                        <a:ea typeface="Times New Roman" panose="02020603050405020304" pitchFamily="18" charset="0"/>
+                        <a:cs typeface="Times New Roman" panose="02020603050405020304" pitchFamily="18" charset="0"/>
+                      </a:endParaRPr>
+                    </a:p>
+                  </a:txBody>
+                  <a:tcPr marL="59359" marR="59359" marT="0" marB="0" anchor="ctr"/>
+                </a:tc>
+                <a:tc>
+                  <a:txBody>
+                    <a:bodyPr/>
+                    <a:lstStyle/>
+                    <a:p>
+                      <a:pPr marL="0" marR="0" algn="ctr">
+                        <a:spcBef>
+                          <a:spcPts val="0"/>
+                        </a:spcBef>
+                        <a:spcAft>
+                          <a:spcPts val="0"/>
+                        </a:spcAft>
+                      </a:pPr>
+                      <a:r>
+                        <a:rPr lang="en-US" sz="1000">
+                          <a:effectLst/>
+                        </a:rPr>
+                        <a:t>Restaurant</a:t>
+                      </a:r>
+                      <a:endParaRPr lang="en-US" sz="1200">
+                        <a:effectLst/>
+                        <a:latin typeface="Times New Roman" panose="02020603050405020304" pitchFamily="18" charset="0"/>
+                        <a:ea typeface="Times New Roman" panose="02020603050405020304" pitchFamily="18" charset="0"/>
+                        <a:cs typeface="Times New Roman" panose="02020603050405020304" pitchFamily="18" charset="0"/>
+                      </a:endParaRPr>
+                    </a:p>
+                  </a:txBody>
+                  <a:tcPr marL="59359" marR="59359" marT="0" marB="0" anchor="ctr"/>
+                </a:tc>
+                <a:tc>
+                  <a:txBody>
+                    <a:bodyPr/>
+                    <a:lstStyle/>
+                    <a:p>
+                      <a:pPr marL="0" marR="0" algn="ctr">
+                        <a:spcBef>
+                          <a:spcPts val="0"/>
+                        </a:spcBef>
+                        <a:spcAft>
+                          <a:spcPts val="0"/>
+                        </a:spcAft>
+                      </a:pPr>
+                      <a:r>
+                        <a:rPr lang="en-US" sz="1000">
+                          <a:effectLst/>
+                        </a:rPr>
+                        <a:t>Park</a:t>
+                      </a:r>
+                      <a:endParaRPr lang="en-US" sz="1200">
+                        <a:effectLst/>
+                        <a:latin typeface="Times New Roman" panose="02020603050405020304" pitchFamily="18" charset="0"/>
+                        <a:ea typeface="Times New Roman" panose="02020603050405020304" pitchFamily="18" charset="0"/>
+                        <a:cs typeface="Times New Roman" panose="02020603050405020304" pitchFamily="18" charset="0"/>
+                      </a:endParaRPr>
+                    </a:p>
+                  </a:txBody>
+                  <a:tcPr marL="59359" marR="59359" marT="0" marB="0" anchor="ctr"/>
+                </a:tc>
+                <a:tc>
+                  <a:txBody>
+                    <a:bodyPr/>
+                    <a:lstStyle/>
+                    <a:p>
+                      <a:pPr marL="0" marR="0" algn="ctr">
+                        <a:spcBef>
+                          <a:spcPts val="0"/>
+                        </a:spcBef>
+                        <a:spcAft>
+                          <a:spcPts val="0"/>
+                        </a:spcAft>
+                      </a:pPr>
+                      <a:r>
+                        <a:rPr lang="en-US" sz="1000">
+                          <a:effectLst/>
+                        </a:rPr>
+                        <a:t>Bakery</a:t>
+                      </a:r>
+                      <a:endParaRPr lang="en-US" sz="1200">
+                        <a:effectLst/>
+                        <a:latin typeface="Times New Roman" panose="02020603050405020304" pitchFamily="18" charset="0"/>
+                        <a:ea typeface="Times New Roman" panose="02020603050405020304" pitchFamily="18" charset="0"/>
+                        <a:cs typeface="Times New Roman" panose="02020603050405020304" pitchFamily="18" charset="0"/>
+                      </a:endParaRPr>
+                    </a:p>
+                  </a:txBody>
+                  <a:tcPr marL="59359" marR="59359" marT="0" marB="0" anchor="ctr"/>
+                </a:tc>
+                <a:tc>
+                  <a:txBody>
+                    <a:bodyPr/>
+                    <a:lstStyle/>
+                    <a:p>
+                      <a:pPr marL="0" marR="0" algn="ctr">
+                        <a:spcBef>
+                          <a:spcPts val="0"/>
+                        </a:spcBef>
+                        <a:spcAft>
+                          <a:spcPts val="0"/>
+                        </a:spcAft>
+                      </a:pPr>
+                      <a:r>
+                        <a:rPr lang="en-US" sz="1000">
+                          <a:effectLst/>
+                        </a:rPr>
+                        <a:t>Pizza Place</a:t>
+                      </a:r>
+                      <a:endParaRPr lang="en-US" sz="1200">
+                        <a:effectLst/>
+                        <a:latin typeface="Times New Roman" panose="02020603050405020304" pitchFamily="18" charset="0"/>
+                        <a:ea typeface="Times New Roman" panose="02020603050405020304" pitchFamily="18" charset="0"/>
+                        <a:cs typeface="Times New Roman" panose="02020603050405020304" pitchFamily="18" charset="0"/>
+                      </a:endParaRPr>
+                    </a:p>
+                  </a:txBody>
+                  <a:tcPr marL="59359" marR="59359" marT="0" marB="0" anchor="ctr"/>
+                </a:tc>
+                <a:tc>
+                  <a:txBody>
+                    <a:bodyPr/>
+                    <a:lstStyle/>
+                    <a:p>
+                      <a:pPr marL="0" marR="0" algn="ctr">
+                        <a:spcBef>
+                          <a:spcPts val="0"/>
+                        </a:spcBef>
+                        <a:spcAft>
+                          <a:spcPts val="0"/>
+                        </a:spcAft>
+                      </a:pPr>
+                      <a:r>
+                        <a:rPr lang="en-US" sz="1000">
+                          <a:effectLst/>
+                        </a:rPr>
+                        <a:t>Juice Bar</a:t>
+                      </a:r>
+                      <a:endParaRPr lang="en-US" sz="1200">
+                        <a:effectLst/>
+                        <a:latin typeface="Times New Roman" panose="02020603050405020304" pitchFamily="18" charset="0"/>
+                        <a:ea typeface="Times New Roman" panose="02020603050405020304" pitchFamily="18" charset="0"/>
+                        <a:cs typeface="Times New Roman" panose="02020603050405020304" pitchFamily="18" charset="0"/>
+                      </a:endParaRPr>
+                    </a:p>
+                  </a:txBody>
+                  <a:tcPr marL="59359" marR="59359" marT="0" marB="0" anchor="ctr"/>
+                </a:tc>
+                <a:tc>
+                  <a:txBody>
+                    <a:bodyPr/>
+                    <a:lstStyle/>
+                    <a:p>
+                      <a:pPr marL="0" marR="0" algn="ctr">
+                        <a:spcBef>
+                          <a:spcPts val="0"/>
+                        </a:spcBef>
+                        <a:spcAft>
+                          <a:spcPts val="0"/>
+                        </a:spcAft>
+                      </a:pPr>
+                      <a:r>
+                        <a:rPr lang="en-US" sz="1000">
+                          <a:effectLst/>
+                        </a:rPr>
+                        <a:t>Grocery Store</a:t>
+                      </a:r>
+                      <a:endParaRPr lang="en-US" sz="1200">
+                        <a:effectLst/>
+                        <a:latin typeface="Times New Roman" panose="02020603050405020304" pitchFamily="18" charset="0"/>
+                        <a:ea typeface="Times New Roman" panose="02020603050405020304" pitchFamily="18" charset="0"/>
+                        <a:cs typeface="Times New Roman" panose="02020603050405020304" pitchFamily="18" charset="0"/>
+                      </a:endParaRPr>
+                    </a:p>
+                  </a:txBody>
+                  <a:tcPr marL="59359" marR="59359" marT="0" marB="0" anchor="ctr"/>
+                </a:tc>
+                <a:extLst>
+                  <a:ext uri="{0D108BD9-81ED-4DB2-BD59-A6C34878D82A}">
+                    <a16:rowId xmlns:a16="http://schemas.microsoft.com/office/drawing/2014/main" val="385331935"/>
+                  </a:ext>
+                </a:extLst>
+              </a:tr>
+              <a:tr h="512414">
+                <a:tc>
+                  <a:txBody>
+                    <a:bodyPr/>
+                    <a:lstStyle/>
+                    <a:p>
+                      <a:pPr marL="0" marR="0" algn="ctr">
+                        <a:spcBef>
+                          <a:spcPts val="0"/>
+                        </a:spcBef>
+                        <a:spcAft>
+                          <a:spcPts val="0"/>
+                        </a:spcAft>
+                      </a:pPr>
+                      <a:r>
+                        <a:rPr lang="en-US" sz="800" dirty="0">
+                          <a:effectLst/>
+                        </a:rPr>
+                        <a:t>7th Most Common Venue</a:t>
+                      </a:r>
+                      <a:endParaRPr lang="en-US" sz="1050" dirty="0">
+                        <a:effectLst/>
+                        <a:latin typeface="Times New Roman" panose="02020603050405020304" pitchFamily="18" charset="0"/>
+                        <a:ea typeface="Times New Roman" panose="02020603050405020304" pitchFamily="18" charset="0"/>
+                        <a:cs typeface="Times New Roman" panose="02020603050405020304" pitchFamily="18" charset="0"/>
+                      </a:endParaRPr>
+                    </a:p>
+                  </a:txBody>
+                  <a:tcPr marL="59359" marR="59359" marT="0" marB="0" anchor="ctr"/>
+                </a:tc>
+                <a:tc>
+                  <a:txBody>
+                    <a:bodyPr/>
+                    <a:lstStyle/>
+                    <a:p>
+                      <a:pPr marL="0" marR="0" algn="ctr">
+                        <a:spcBef>
+                          <a:spcPts val="0"/>
+                        </a:spcBef>
+                        <a:spcAft>
+                          <a:spcPts val="0"/>
+                        </a:spcAft>
+                      </a:pPr>
+                      <a:r>
+                        <a:rPr lang="en-US" sz="1000">
+                          <a:effectLst/>
+                        </a:rPr>
+                        <a:t>Café</a:t>
+                      </a:r>
+                      <a:endParaRPr lang="en-US" sz="1200">
+                        <a:effectLst/>
+                        <a:latin typeface="Times New Roman" panose="02020603050405020304" pitchFamily="18" charset="0"/>
+                        <a:ea typeface="Times New Roman" panose="02020603050405020304" pitchFamily="18" charset="0"/>
+                        <a:cs typeface="Times New Roman" panose="02020603050405020304" pitchFamily="18" charset="0"/>
+                      </a:endParaRPr>
+                    </a:p>
+                  </a:txBody>
+                  <a:tcPr marL="59359" marR="59359" marT="0" marB="0" anchor="ctr"/>
+                </a:tc>
+                <a:tc>
+                  <a:txBody>
+                    <a:bodyPr/>
+                    <a:lstStyle/>
+                    <a:p>
+                      <a:pPr marL="0" marR="0" algn="ctr">
+                        <a:spcBef>
+                          <a:spcPts val="0"/>
+                        </a:spcBef>
+                        <a:spcAft>
+                          <a:spcPts val="0"/>
+                        </a:spcAft>
+                      </a:pPr>
+                      <a:r>
+                        <a:rPr lang="en-US" sz="1000">
+                          <a:effectLst/>
+                        </a:rPr>
+                        <a:t>Mexican Restaurant</a:t>
+                      </a:r>
+                      <a:endParaRPr lang="en-US" sz="1200">
+                        <a:effectLst/>
+                        <a:latin typeface="Times New Roman" panose="02020603050405020304" pitchFamily="18" charset="0"/>
+                        <a:ea typeface="Times New Roman" panose="02020603050405020304" pitchFamily="18" charset="0"/>
+                        <a:cs typeface="Times New Roman" panose="02020603050405020304" pitchFamily="18" charset="0"/>
+                      </a:endParaRPr>
+                    </a:p>
+                  </a:txBody>
+                  <a:tcPr marL="59359" marR="59359" marT="0" marB="0" anchor="ctr"/>
+                </a:tc>
+                <a:tc>
+                  <a:txBody>
+                    <a:bodyPr/>
+                    <a:lstStyle/>
+                    <a:p>
+                      <a:pPr marL="0" marR="0" algn="ctr">
+                        <a:spcBef>
+                          <a:spcPts val="0"/>
+                        </a:spcBef>
+                        <a:spcAft>
+                          <a:spcPts val="0"/>
+                        </a:spcAft>
+                      </a:pPr>
+                      <a:r>
+                        <a:rPr lang="en-US" sz="1000">
+                          <a:effectLst/>
+                        </a:rPr>
+                        <a:t>Steakhouse</a:t>
+                      </a:r>
+                      <a:endParaRPr lang="en-US" sz="1200">
+                        <a:effectLst/>
+                        <a:latin typeface="Times New Roman" panose="02020603050405020304" pitchFamily="18" charset="0"/>
+                        <a:ea typeface="Times New Roman" panose="02020603050405020304" pitchFamily="18" charset="0"/>
+                        <a:cs typeface="Times New Roman" panose="02020603050405020304" pitchFamily="18" charset="0"/>
+                      </a:endParaRPr>
+                    </a:p>
+                  </a:txBody>
+                  <a:tcPr marL="59359" marR="59359" marT="0" marB="0" anchor="ctr"/>
+                </a:tc>
+                <a:tc>
+                  <a:txBody>
+                    <a:bodyPr/>
+                    <a:lstStyle/>
+                    <a:p>
+                      <a:pPr marL="0" marR="0" algn="ctr">
+                        <a:spcBef>
+                          <a:spcPts val="0"/>
+                        </a:spcBef>
+                        <a:spcAft>
+                          <a:spcPts val="0"/>
+                        </a:spcAft>
+                      </a:pPr>
+                      <a:r>
+                        <a:rPr lang="en-US" sz="1000">
+                          <a:effectLst/>
+                        </a:rPr>
+                        <a:t>American Restaurant</a:t>
+                      </a:r>
+                      <a:endParaRPr lang="en-US" sz="1200">
+                        <a:effectLst/>
+                        <a:latin typeface="Times New Roman" panose="02020603050405020304" pitchFamily="18" charset="0"/>
+                        <a:ea typeface="Times New Roman" panose="02020603050405020304" pitchFamily="18" charset="0"/>
+                        <a:cs typeface="Times New Roman" panose="02020603050405020304" pitchFamily="18" charset="0"/>
+                      </a:endParaRPr>
+                    </a:p>
+                  </a:txBody>
+                  <a:tcPr marL="59359" marR="59359" marT="0" marB="0" anchor="ctr"/>
+                </a:tc>
+                <a:tc>
+                  <a:txBody>
+                    <a:bodyPr/>
+                    <a:lstStyle/>
+                    <a:p>
+                      <a:pPr marL="0" marR="0" algn="ctr">
+                        <a:spcBef>
+                          <a:spcPts val="0"/>
+                        </a:spcBef>
+                        <a:spcAft>
+                          <a:spcPts val="0"/>
+                        </a:spcAft>
+                      </a:pPr>
+                      <a:r>
+                        <a:rPr lang="en-US" sz="1000">
+                          <a:effectLst/>
+                        </a:rPr>
+                        <a:t>Thai Restaurant</a:t>
+                      </a:r>
+                      <a:endParaRPr lang="en-US" sz="1200">
+                        <a:effectLst/>
+                        <a:latin typeface="Times New Roman" panose="02020603050405020304" pitchFamily="18" charset="0"/>
+                        <a:ea typeface="Times New Roman" panose="02020603050405020304" pitchFamily="18" charset="0"/>
+                        <a:cs typeface="Times New Roman" panose="02020603050405020304" pitchFamily="18" charset="0"/>
+                      </a:endParaRPr>
+                    </a:p>
+                  </a:txBody>
+                  <a:tcPr marL="59359" marR="59359" marT="0" marB="0" anchor="ctr"/>
+                </a:tc>
+                <a:tc>
+                  <a:txBody>
+                    <a:bodyPr/>
+                    <a:lstStyle/>
+                    <a:p>
+                      <a:pPr marL="0" marR="0" algn="ctr">
+                        <a:spcBef>
+                          <a:spcPts val="0"/>
+                        </a:spcBef>
+                        <a:spcAft>
+                          <a:spcPts val="0"/>
+                        </a:spcAft>
+                      </a:pPr>
+                      <a:r>
+                        <a:rPr lang="en-US" sz="1000">
+                          <a:effectLst/>
+                        </a:rPr>
+                        <a:t>Fast Food Restaurant</a:t>
+                      </a:r>
+                      <a:endParaRPr lang="en-US" sz="1200">
+                        <a:effectLst/>
+                        <a:latin typeface="Times New Roman" panose="02020603050405020304" pitchFamily="18" charset="0"/>
+                        <a:ea typeface="Times New Roman" panose="02020603050405020304" pitchFamily="18" charset="0"/>
+                        <a:cs typeface="Times New Roman" panose="02020603050405020304" pitchFamily="18" charset="0"/>
+                      </a:endParaRPr>
+                    </a:p>
+                  </a:txBody>
+                  <a:tcPr marL="59359" marR="59359" marT="0" marB="0" anchor="ctr"/>
+                </a:tc>
+                <a:tc>
+                  <a:txBody>
+                    <a:bodyPr/>
+                    <a:lstStyle/>
+                    <a:p>
+                      <a:pPr marL="0" marR="0" algn="ctr">
+                        <a:spcBef>
+                          <a:spcPts val="0"/>
+                        </a:spcBef>
+                        <a:spcAft>
+                          <a:spcPts val="0"/>
+                        </a:spcAft>
+                      </a:pPr>
+                      <a:r>
+                        <a:rPr lang="en-US" sz="1000">
+                          <a:effectLst/>
+                        </a:rPr>
+                        <a:t>Trail</a:t>
+                      </a:r>
+                      <a:endParaRPr lang="en-US" sz="1200">
+                        <a:effectLst/>
+                        <a:latin typeface="Times New Roman" panose="02020603050405020304" pitchFamily="18" charset="0"/>
+                        <a:ea typeface="Times New Roman" panose="02020603050405020304" pitchFamily="18" charset="0"/>
+                        <a:cs typeface="Times New Roman" panose="02020603050405020304" pitchFamily="18" charset="0"/>
+                      </a:endParaRPr>
+                    </a:p>
+                  </a:txBody>
+                  <a:tcPr marL="59359" marR="59359" marT="0" marB="0" anchor="ctr"/>
+                </a:tc>
+                <a:tc>
+                  <a:txBody>
+                    <a:bodyPr/>
+                    <a:lstStyle/>
+                    <a:p>
+                      <a:pPr marL="0" marR="0" algn="ctr">
+                        <a:spcBef>
+                          <a:spcPts val="0"/>
+                        </a:spcBef>
+                        <a:spcAft>
+                          <a:spcPts val="0"/>
+                        </a:spcAft>
+                      </a:pPr>
+                      <a:r>
+                        <a:rPr lang="en-US" sz="1000">
+                          <a:effectLst/>
+                        </a:rPr>
+                        <a:t>Trail</a:t>
+                      </a:r>
+                      <a:endParaRPr lang="en-US" sz="1200">
+                        <a:effectLst/>
+                        <a:latin typeface="Times New Roman" panose="02020603050405020304" pitchFamily="18" charset="0"/>
+                        <a:ea typeface="Times New Roman" panose="02020603050405020304" pitchFamily="18" charset="0"/>
+                        <a:cs typeface="Times New Roman" panose="02020603050405020304" pitchFamily="18" charset="0"/>
+                      </a:endParaRPr>
+                    </a:p>
+                  </a:txBody>
+                  <a:tcPr marL="59359" marR="59359" marT="0" marB="0" anchor="ctr"/>
+                </a:tc>
+                <a:tc>
+                  <a:txBody>
+                    <a:bodyPr/>
+                    <a:lstStyle/>
+                    <a:p>
+                      <a:pPr marL="0" marR="0" algn="ctr">
+                        <a:spcBef>
+                          <a:spcPts val="0"/>
+                        </a:spcBef>
+                        <a:spcAft>
+                          <a:spcPts val="0"/>
+                        </a:spcAft>
+                      </a:pPr>
+                      <a:r>
+                        <a:rPr lang="en-US" sz="1000">
+                          <a:effectLst/>
+                        </a:rPr>
+                        <a:t>Gym</a:t>
+                      </a:r>
+                      <a:endParaRPr lang="en-US" sz="1200">
+                        <a:effectLst/>
+                        <a:latin typeface="Times New Roman" panose="02020603050405020304" pitchFamily="18" charset="0"/>
+                        <a:ea typeface="Times New Roman" panose="02020603050405020304" pitchFamily="18" charset="0"/>
+                        <a:cs typeface="Times New Roman" panose="02020603050405020304" pitchFamily="18" charset="0"/>
+                      </a:endParaRPr>
+                    </a:p>
+                  </a:txBody>
+                  <a:tcPr marL="59359" marR="59359" marT="0" marB="0" anchor="ctr"/>
+                </a:tc>
+                <a:extLst>
+                  <a:ext uri="{0D108BD9-81ED-4DB2-BD59-A6C34878D82A}">
+                    <a16:rowId xmlns:a16="http://schemas.microsoft.com/office/drawing/2014/main" val="4096868130"/>
+                  </a:ext>
+                </a:extLst>
+              </a:tr>
+              <a:tr h="512414">
+                <a:tc>
+                  <a:txBody>
+                    <a:bodyPr/>
+                    <a:lstStyle/>
+                    <a:p>
+                      <a:pPr marL="0" marR="0" algn="ctr">
+                        <a:spcBef>
+                          <a:spcPts val="0"/>
+                        </a:spcBef>
+                        <a:spcAft>
+                          <a:spcPts val="0"/>
+                        </a:spcAft>
+                      </a:pPr>
+                      <a:r>
+                        <a:rPr lang="en-US" sz="800">
+                          <a:effectLst/>
+                        </a:rPr>
+                        <a:t>8th Most Common Venue</a:t>
+                      </a:r>
+                      <a:endParaRPr lang="en-US" sz="1050">
+                        <a:effectLst/>
+                        <a:latin typeface="Times New Roman" panose="02020603050405020304" pitchFamily="18" charset="0"/>
+                        <a:ea typeface="Times New Roman" panose="02020603050405020304" pitchFamily="18" charset="0"/>
+                        <a:cs typeface="Times New Roman" panose="02020603050405020304" pitchFamily="18" charset="0"/>
+                      </a:endParaRPr>
+                    </a:p>
+                  </a:txBody>
+                  <a:tcPr marL="59359" marR="59359" marT="0" marB="0" anchor="ctr"/>
+                </a:tc>
+                <a:tc>
+                  <a:txBody>
+                    <a:bodyPr/>
+                    <a:lstStyle/>
+                    <a:p>
+                      <a:pPr marL="0" marR="0" algn="ctr">
+                        <a:spcBef>
+                          <a:spcPts val="0"/>
+                        </a:spcBef>
+                        <a:spcAft>
+                          <a:spcPts val="0"/>
+                        </a:spcAft>
+                      </a:pPr>
+                      <a:r>
+                        <a:rPr lang="en-US" sz="1000">
+                          <a:effectLst/>
+                        </a:rPr>
+                        <a:t>Pizza Place</a:t>
+                      </a:r>
+                      <a:endParaRPr lang="en-US" sz="1200">
+                        <a:effectLst/>
+                        <a:latin typeface="Times New Roman" panose="02020603050405020304" pitchFamily="18" charset="0"/>
+                        <a:ea typeface="Times New Roman" panose="02020603050405020304" pitchFamily="18" charset="0"/>
+                        <a:cs typeface="Times New Roman" panose="02020603050405020304" pitchFamily="18" charset="0"/>
+                      </a:endParaRPr>
+                    </a:p>
+                  </a:txBody>
+                  <a:tcPr marL="59359" marR="59359" marT="0" marB="0" anchor="ctr"/>
+                </a:tc>
+                <a:tc>
+                  <a:txBody>
+                    <a:bodyPr/>
+                    <a:lstStyle/>
+                    <a:p>
+                      <a:pPr marL="0" marR="0" algn="ctr">
+                        <a:spcBef>
+                          <a:spcPts val="0"/>
+                        </a:spcBef>
+                        <a:spcAft>
+                          <a:spcPts val="0"/>
+                        </a:spcAft>
+                      </a:pPr>
+                      <a:r>
+                        <a:rPr lang="en-US" sz="1000">
+                          <a:effectLst/>
+                        </a:rPr>
+                        <a:t>Sandwich Place</a:t>
+                      </a:r>
+                      <a:endParaRPr lang="en-US" sz="1200">
+                        <a:effectLst/>
+                        <a:latin typeface="Times New Roman" panose="02020603050405020304" pitchFamily="18" charset="0"/>
+                        <a:ea typeface="Times New Roman" panose="02020603050405020304" pitchFamily="18" charset="0"/>
+                        <a:cs typeface="Times New Roman" panose="02020603050405020304" pitchFamily="18" charset="0"/>
+                      </a:endParaRPr>
+                    </a:p>
+                  </a:txBody>
+                  <a:tcPr marL="59359" marR="59359" marT="0" marB="0" anchor="ctr"/>
+                </a:tc>
+                <a:tc>
+                  <a:txBody>
+                    <a:bodyPr/>
+                    <a:lstStyle/>
+                    <a:p>
+                      <a:pPr marL="0" marR="0" algn="ctr">
+                        <a:spcBef>
+                          <a:spcPts val="0"/>
+                        </a:spcBef>
+                        <a:spcAft>
+                          <a:spcPts val="0"/>
+                        </a:spcAft>
+                      </a:pPr>
+                      <a:r>
+                        <a:rPr lang="en-US" sz="1000">
+                          <a:effectLst/>
+                        </a:rPr>
+                        <a:t>Pizza Place</a:t>
+                      </a:r>
+                      <a:endParaRPr lang="en-US" sz="1200">
+                        <a:effectLst/>
+                        <a:latin typeface="Times New Roman" panose="02020603050405020304" pitchFamily="18" charset="0"/>
+                        <a:ea typeface="Times New Roman" panose="02020603050405020304" pitchFamily="18" charset="0"/>
+                        <a:cs typeface="Times New Roman" panose="02020603050405020304" pitchFamily="18" charset="0"/>
+                      </a:endParaRPr>
+                    </a:p>
+                  </a:txBody>
+                  <a:tcPr marL="59359" marR="59359" marT="0" marB="0" anchor="ctr"/>
+                </a:tc>
+                <a:tc>
+                  <a:txBody>
+                    <a:bodyPr/>
+                    <a:lstStyle/>
+                    <a:p>
+                      <a:pPr marL="0" marR="0" algn="ctr">
+                        <a:spcBef>
+                          <a:spcPts val="0"/>
+                        </a:spcBef>
+                        <a:spcAft>
+                          <a:spcPts val="0"/>
+                        </a:spcAft>
+                      </a:pPr>
+                      <a:r>
+                        <a:rPr lang="en-US" sz="1000">
+                          <a:effectLst/>
+                        </a:rPr>
+                        <a:t>Bakery</a:t>
+                      </a:r>
+                      <a:endParaRPr lang="en-US" sz="1200">
+                        <a:effectLst/>
+                        <a:latin typeface="Times New Roman" panose="02020603050405020304" pitchFamily="18" charset="0"/>
+                        <a:ea typeface="Times New Roman" panose="02020603050405020304" pitchFamily="18" charset="0"/>
+                        <a:cs typeface="Times New Roman" panose="02020603050405020304" pitchFamily="18" charset="0"/>
+                      </a:endParaRPr>
+                    </a:p>
+                  </a:txBody>
+                  <a:tcPr marL="59359" marR="59359" marT="0" marB="0" anchor="ctr"/>
+                </a:tc>
+                <a:tc>
+                  <a:txBody>
+                    <a:bodyPr/>
+                    <a:lstStyle/>
+                    <a:p>
+                      <a:pPr marL="0" marR="0" algn="ctr">
+                        <a:spcBef>
+                          <a:spcPts val="0"/>
+                        </a:spcBef>
+                        <a:spcAft>
+                          <a:spcPts val="0"/>
+                        </a:spcAft>
+                      </a:pPr>
+                      <a:r>
+                        <a:rPr lang="en-US" sz="1000">
+                          <a:effectLst/>
+                        </a:rPr>
+                        <a:t>Breakfast Spot</a:t>
+                      </a:r>
+                      <a:endParaRPr lang="en-US" sz="1200">
+                        <a:effectLst/>
+                        <a:latin typeface="Times New Roman" panose="02020603050405020304" pitchFamily="18" charset="0"/>
+                        <a:ea typeface="Times New Roman" panose="02020603050405020304" pitchFamily="18" charset="0"/>
+                        <a:cs typeface="Times New Roman" panose="02020603050405020304" pitchFamily="18" charset="0"/>
+                      </a:endParaRPr>
+                    </a:p>
+                  </a:txBody>
+                  <a:tcPr marL="59359" marR="59359" marT="0" marB="0" anchor="ctr"/>
+                </a:tc>
+                <a:tc>
+                  <a:txBody>
+                    <a:bodyPr/>
+                    <a:lstStyle/>
+                    <a:p>
+                      <a:pPr marL="0" marR="0" algn="ctr">
+                        <a:spcBef>
+                          <a:spcPts val="0"/>
+                        </a:spcBef>
+                        <a:spcAft>
+                          <a:spcPts val="0"/>
+                        </a:spcAft>
+                      </a:pPr>
+                      <a:r>
+                        <a:rPr lang="en-US" sz="1000">
+                          <a:effectLst/>
+                        </a:rPr>
+                        <a:t>Chinese Restaurant</a:t>
+                      </a:r>
+                      <a:endParaRPr lang="en-US" sz="1200">
+                        <a:effectLst/>
+                        <a:latin typeface="Times New Roman" panose="02020603050405020304" pitchFamily="18" charset="0"/>
+                        <a:ea typeface="Times New Roman" panose="02020603050405020304" pitchFamily="18" charset="0"/>
+                        <a:cs typeface="Times New Roman" panose="02020603050405020304" pitchFamily="18" charset="0"/>
+                      </a:endParaRPr>
+                    </a:p>
+                  </a:txBody>
+                  <a:tcPr marL="59359" marR="59359" marT="0" marB="0" anchor="ctr"/>
+                </a:tc>
+                <a:tc>
+                  <a:txBody>
+                    <a:bodyPr/>
+                    <a:lstStyle/>
+                    <a:p>
+                      <a:pPr marL="0" marR="0" algn="ctr">
+                        <a:spcBef>
+                          <a:spcPts val="0"/>
+                        </a:spcBef>
+                        <a:spcAft>
+                          <a:spcPts val="0"/>
+                        </a:spcAft>
+                      </a:pPr>
+                      <a:r>
+                        <a:rPr lang="en-US" sz="1000">
+                          <a:effectLst/>
+                        </a:rPr>
+                        <a:t>Bakery</a:t>
+                      </a:r>
+                      <a:endParaRPr lang="en-US" sz="1200">
+                        <a:effectLst/>
+                        <a:latin typeface="Times New Roman" panose="02020603050405020304" pitchFamily="18" charset="0"/>
+                        <a:ea typeface="Times New Roman" panose="02020603050405020304" pitchFamily="18" charset="0"/>
+                        <a:cs typeface="Times New Roman" panose="02020603050405020304" pitchFamily="18" charset="0"/>
+                      </a:endParaRPr>
+                    </a:p>
+                  </a:txBody>
+                  <a:tcPr marL="59359" marR="59359" marT="0" marB="0" anchor="ctr"/>
+                </a:tc>
+                <a:tc>
+                  <a:txBody>
+                    <a:bodyPr/>
+                    <a:lstStyle/>
+                    <a:p>
+                      <a:pPr marL="0" marR="0" algn="ctr">
+                        <a:spcBef>
+                          <a:spcPts val="0"/>
+                        </a:spcBef>
+                        <a:spcAft>
+                          <a:spcPts val="0"/>
+                        </a:spcAft>
+                      </a:pPr>
+                      <a:r>
+                        <a:rPr lang="en-US" sz="1000" dirty="0">
+                          <a:effectLst/>
+                        </a:rPr>
+                        <a:t>Thai Restaurant</a:t>
+                      </a:r>
+                      <a:endParaRPr lang="en-US" sz="1200" dirty="0">
+                        <a:effectLst/>
+                        <a:latin typeface="Times New Roman" panose="02020603050405020304" pitchFamily="18" charset="0"/>
+                        <a:ea typeface="Times New Roman" panose="02020603050405020304" pitchFamily="18" charset="0"/>
+                        <a:cs typeface="Times New Roman" panose="02020603050405020304" pitchFamily="18" charset="0"/>
+                      </a:endParaRPr>
+                    </a:p>
+                  </a:txBody>
+                  <a:tcPr marL="59359" marR="59359" marT="0" marB="0" anchor="ctr"/>
+                </a:tc>
+                <a:tc>
+                  <a:txBody>
+                    <a:bodyPr/>
+                    <a:lstStyle/>
+                    <a:p>
+                      <a:pPr marL="0" marR="0" algn="ctr">
+                        <a:spcBef>
+                          <a:spcPts val="0"/>
+                        </a:spcBef>
+                        <a:spcAft>
+                          <a:spcPts val="0"/>
+                        </a:spcAft>
+                      </a:pPr>
+                      <a:r>
+                        <a:rPr lang="en-US" sz="1000" dirty="0">
+                          <a:effectLst/>
+                        </a:rPr>
+                        <a:t>Mexican Restaurant</a:t>
+                      </a:r>
+                      <a:endParaRPr lang="en-US" sz="1200" dirty="0">
+                        <a:effectLst/>
+                        <a:latin typeface="Times New Roman" panose="02020603050405020304" pitchFamily="18" charset="0"/>
+                        <a:ea typeface="Times New Roman" panose="02020603050405020304" pitchFamily="18" charset="0"/>
+                        <a:cs typeface="Times New Roman" panose="02020603050405020304" pitchFamily="18" charset="0"/>
+                      </a:endParaRPr>
+                    </a:p>
+                  </a:txBody>
+                  <a:tcPr marL="59359" marR="59359" marT="0" marB="0" anchor="ctr"/>
+                </a:tc>
+                <a:extLst>
+                  <a:ext uri="{0D108BD9-81ED-4DB2-BD59-A6C34878D82A}">
+                    <a16:rowId xmlns:a16="http://schemas.microsoft.com/office/drawing/2014/main" val="500442871"/>
+                  </a:ext>
+                </a:extLst>
+              </a:tr>
+              <a:tr h="512414">
+                <a:tc>
+                  <a:txBody>
+                    <a:bodyPr/>
+                    <a:lstStyle/>
+                    <a:p>
+                      <a:pPr marL="0" marR="0" algn="ctr">
+                        <a:spcBef>
+                          <a:spcPts val="0"/>
+                        </a:spcBef>
+                        <a:spcAft>
+                          <a:spcPts val="0"/>
+                        </a:spcAft>
+                      </a:pPr>
+                      <a:r>
+                        <a:rPr lang="en-US" sz="800" dirty="0">
+                          <a:effectLst/>
+                        </a:rPr>
+                        <a:t>9th Most Common Venue</a:t>
+                      </a:r>
+                      <a:endParaRPr lang="en-US" sz="1050" dirty="0">
+                        <a:effectLst/>
+                        <a:latin typeface="Times New Roman" panose="02020603050405020304" pitchFamily="18" charset="0"/>
+                        <a:ea typeface="Times New Roman" panose="02020603050405020304" pitchFamily="18" charset="0"/>
+                        <a:cs typeface="Times New Roman" panose="02020603050405020304" pitchFamily="18" charset="0"/>
+                      </a:endParaRPr>
+                    </a:p>
+                  </a:txBody>
+                  <a:tcPr marL="59359" marR="59359" marT="0" marB="0" anchor="ctr"/>
+                </a:tc>
+                <a:tc>
+                  <a:txBody>
+                    <a:bodyPr/>
+                    <a:lstStyle/>
+                    <a:p>
+                      <a:pPr marL="0" marR="0" algn="ctr">
+                        <a:spcBef>
+                          <a:spcPts val="0"/>
+                        </a:spcBef>
+                        <a:spcAft>
+                          <a:spcPts val="0"/>
+                        </a:spcAft>
+                      </a:pPr>
+                      <a:r>
+                        <a:rPr lang="en-US" sz="1000">
+                          <a:effectLst/>
+                        </a:rPr>
+                        <a:t>American Restaurant</a:t>
+                      </a:r>
+                      <a:endParaRPr lang="en-US" sz="1200">
+                        <a:effectLst/>
+                        <a:latin typeface="Times New Roman" panose="02020603050405020304" pitchFamily="18" charset="0"/>
+                        <a:ea typeface="Times New Roman" panose="02020603050405020304" pitchFamily="18" charset="0"/>
+                        <a:cs typeface="Times New Roman" panose="02020603050405020304" pitchFamily="18" charset="0"/>
+                      </a:endParaRPr>
+                    </a:p>
+                  </a:txBody>
+                  <a:tcPr marL="59359" marR="59359" marT="0" marB="0" anchor="ctr"/>
+                </a:tc>
+                <a:tc>
+                  <a:txBody>
+                    <a:bodyPr/>
+                    <a:lstStyle/>
+                    <a:p>
+                      <a:pPr marL="0" marR="0" algn="ctr">
+                        <a:spcBef>
+                          <a:spcPts val="0"/>
+                        </a:spcBef>
+                        <a:spcAft>
+                          <a:spcPts val="0"/>
+                        </a:spcAft>
+                      </a:pPr>
+                      <a:r>
+                        <a:rPr lang="en-US" sz="1000">
+                          <a:effectLst/>
+                        </a:rPr>
+                        <a:t>Breakfast Spot</a:t>
+                      </a:r>
+                      <a:endParaRPr lang="en-US" sz="1200">
+                        <a:effectLst/>
+                        <a:latin typeface="Times New Roman" panose="02020603050405020304" pitchFamily="18" charset="0"/>
+                        <a:ea typeface="Times New Roman" panose="02020603050405020304" pitchFamily="18" charset="0"/>
+                        <a:cs typeface="Times New Roman" panose="02020603050405020304" pitchFamily="18" charset="0"/>
+                      </a:endParaRPr>
+                    </a:p>
+                  </a:txBody>
+                  <a:tcPr marL="59359" marR="59359" marT="0" marB="0" anchor="ctr"/>
+                </a:tc>
+                <a:tc>
+                  <a:txBody>
+                    <a:bodyPr/>
+                    <a:lstStyle/>
+                    <a:p>
+                      <a:pPr marL="0" marR="0" algn="ctr">
+                        <a:spcBef>
+                          <a:spcPts val="0"/>
+                        </a:spcBef>
+                        <a:spcAft>
+                          <a:spcPts val="0"/>
+                        </a:spcAft>
+                      </a:pPr>
+                      <a:r>
+                        <a:rPr lang="en-US" sz="1000">
+                          <a:effectLst/>
+                        </a:rPr>
+                        <a:t>Asian Restaurant</a:t>
+                      </a:r>
+                      <a:endParaRPr lang="en-US" sz="1200">
+                        <a:effectLst/>
+                        <a:latin typeface="Times New Roman" panose="02020603050405020304" pitchFamily="18" charset="0"/>
+                        <a:ea typeface="Times New Roman" panose="02020603050405020304" pitchFamily="18" charset="0"/>
+                        <a:cs typeface="Times New Roman" panose="02020603050405020304" pitchFamily="18" charset="0"/>
+                      </a:endParaRPr>
+                    </a:p>
+                  </a:txBody>
+                  <a:tcPr marL="59359" marR="59359" marT="0" marB="0" anchor="ctr"/>
+                </a:tc>
+                <a:tc>
+                  <a:txBody>
+                    <a:bodyPr/>
+                    <a:lstStyle/>
+                    <a:p>
+                      <a:pPr marL="0" marR="0" algn="ctr">
+                        <a:spcBef>
+                          <a:spcPts val="0"/>
+                        </a:spcBef>
+                        <a:spcAft>
+                          <a:spcPts val="0"/>
+                        </a:spcAft>
+                      </a:pPr>
+                      <a:r>
+                        <a:rPr lang="en-US" sz="1000">
+                          <a:effectLst/>
+                        </a:rPr>
+                        <a:t>Hotel</a:t>
+                      </a:r>
+                      <a:endParaRPr lang="en-US" sz="1200">
+                        <a:effectLst/>
+                        <a:latin typeface="Times New Roman" panose="02020603050405020304" pitchFamily="18" charset="0"/>
+                        <a:ea typeface="Times New Roman" panose="02020603050405020304" pitchFamily="18" charset="0"/>
+                        <a:cs typeface="Times New Roman" panose="02020603050405020304" pitchFamily="18" charset="0"/>
+                      </a:endParaRPr>
+                    </a:p>
+                  </a:txBody>
+                  <a:tcPr marL="59359" marR="59359" marT="0" marB="0" anchor="ctr"/>
+                </a:tc>
+                <a:tc>
+                  <a:txBody>
+                    <a:bodyPr/>
+                    <a:lstStyle/>
+                    <a:p>
+                      <a:pPr marL="0" marR="0" algn="ctr">
+                        <a:spcBef>
+                          <a:spcPts val="0"/>
+                        </a:spcBef>
+                        <a:spcAft>
+                          <a:spcPts val="0"/>
+                        </a:spcAft>
+                      </a:pPr>
+                      <a:r>
+                        <a:rPr lang="en-US" sz="1000">
+                          <a:effectLst/>
+                        </a:rPr>
+                        <a:t>Trail</a:t>
+                      </a:r>
+                      <a:endParaRPr lang="en-US" sz="1200">
+                        <a:effectLst/>
+                        <a:latin typeface="Times New Roman" panose="02020603050405020304" pitchFamily="18" charset="0"/>
+                        <a:ea typeface="Times New Roman" panose="02020603050405020304" pitchFamily="18" charset="0"/>
+                        <a:cs typeface="Times New Roman" panose="02020603050405020304" pitchFamily="18" charset="0"/>
+                      </a:endParaRPr>
+                    </a:p>
+                  </a:txBody>
+                  <a:tcPr marL="59359" marR="59359" marT="0" marB="0" anchor="ctr"/>
+                </a:tc>
+                <a:tc>
+                  <a:txBody>
+                    <a:bodyPr/>
+                    <a:lstStyle/>
+                    <a:p>
+                      <a:pPr marL="0" marR="0" algn="ctr">
+                        <a:spcBef>
+                          <a:spcPts val="0"/>
+                        </a:spcBef>
+                        <a:spcAft>
+                          <a:spcPts val="0"/>
+                        </a:spcAft>
+                      </a:pPr>
+                      <a:r>
+                        <a:rPr lang="en-US" sz="1000">
+                          <a:effectLst/>
+                        </a:rPr>
+                        <a:t>Mexican Restaurant</a:t>
+                      </a:r>
+                      <a:endParaRPr lang="en-US" sz="1200">
+                        <a:effectLst/>
+                        <a:latin typeface="Times New Roman" panose="02020603050405020304" pitchFamily="18" charset="0"/>
+                        <a:ea typeface="Times New Roman" panose="02020603050405020304" pitchFamily="18" charset="0"/>
+                        <a:cs typeface="Times New Roman" panose="02020603050405020304" pitchFamily="18" charset="0"/>
+                      </a:endParaRPr>
+                    </a:p>
+                  </a:txBody>
+                  <a:tcPr marL="59359" marR="59359" marT="0" marB="0" anchor="ctr"/>
+                </a:tc>
+                <a:tc>
+                  <a:txBody>
+                    <a:bodyPr/>
+                    <a:lstStyle/>
+                    <a:p>
+                      <a:pPr marL="0" marR="0" algn="ctr">
+                        <a:spcBef>
+                          <a:spcPts val="0"/>
+                        </a:spcBef>
+                        <a:spcAft>
+                          <a:spcPts val="0"/>
+                        </a:spcAft>
+                      </a:pPr>
+                      <a:r>
+                        <a:rPr lang="en-US" sz="1000">
+                          <a:effectLst/>
+                        </a:rPr>
+                        <a:t>Falafel Restaurant</a:t>
+                      </a:r>
+                      <a:endParaRPr lang="en-US" sz="1200">
+                        <a:effectLst/>
+                        <a:latin typeface="Times New Roman" panose="02020603050405020304" pitchFamily="18" charset="0"/>
+                        <a:ea typeface="Times New Roman" panose="02020603050405020304" pitchFamily="18" charset="0"/>
+                        <a:cs typeface="Times New Roman" panose="02020603050405020304" pitchFamily="18" charset="0"/>
+                      </a:endParaRPr>
+                    </a:p>
+                  </a:txBody>
+                  <a:tcPr marL="59359" marR="59359" marT="0" marB="0" anchor="ctr"/>
+                </a:tc>
+                <a:tc>
+                  <a:txBody>
+                    <a:bodyPr/>
+                    <a:lstStyle/>
+                    <a:p>
+                      <a:pPr marL="0" marR="0" algn="ctr">
+                        <a:spcBef>
+                          <a:spcPts val="0"/>
+                        </a:spcBef>
+                        <a:spcAft>
+                          <a:spcPts val="0"/>
+                        </a:spcAft>
+                      </a:pPr>
+                      <a:r>
+                        <a:rPr lang="en-US" sz="1000">
+                          <a:effectLst/>
+                        </a:rPr>
+                        <a:t>Bakery</a:t>
+                      </a:r>
+                      <a:endParaRPr lang="en-US" sz="1200">
+                        <a:effectLst/>
+                        <a:latin typeface="Times New Roman" panose="02020603050405020304" pitchFamily="18" charset="0"/>
+                        <a:ea typeface="Times New Roman" panose="02020603050405020304" pitchFamily="18" charset="0"/>
+                        <a:cs typeface="Times New Roman" panose="02020603050405020304" pitchFamily="18" charset="0"/>
+                      </a:endParaRPr>
+                    </a:p>
+                  </a:txBody>
+                  <a:tcPr marL="59359" marR="59359" marT="0" marB="0" anchor="ctr"/>
+                </a:tc>
+                <a:tc>
+                  <a:txBody>
+                    <a:bodyPr/>
+                    <a:lstStyle/>
+                    <a:p>
+                      <a:pPr marL="0" marR="0" algn="ctr">
+                        <a:spcBef>
+                          <a:spcPts val="0"/>
+                        </a:spcBef>
+                        <a:spcAft>
+                          <a:spcPts val="0"/>
+                        </a:spcAft>
+                      </a:pPr>
+                      <a:r>
+                        <a:rPr lang="en-US" sz="1000" dirty="0">
+                          <a:effectLst/>
+                        </a:rPr>
+                        <a:t>Pizza Place</a:t>
+                      </a:r>
+                      <a:endParaRPr lang="en-US" sz="1200" dirty="0">
+                        <a:effectLst/>
+                        <a:latin typeface="Times New Roman" panose="02020603050405020304" pitchFamily="18" charset="0"/>
+                        <a:ea typeface="Times New Roman" panose="02020603050405020304" pitchFamily="18" charset="0"/>
+                        <a:cs typeface="Times New Roman" panose="02020603050405020304" pitchFamily="18" charset="0"/>
+                      </a:endParaRPr>
+                    </a:p>
+                  </a:txBody>
+                  <a:tcPr marL="59359" marR="59359" marT="0" marB="0" anchor="ctr"/>
+                </a:tc>
+                <a:extLst>
+                  <a:ext uri="{0D108BD9-81ED-4DB2-BD59-A6C34878D82A}">
+                    <a16:rowId xmlns:a16="http://schemas.microsoft.com/office/drawing/2014/main" val="2161303701"/>
+                  </a:ext>
+                </a:extLst>
+              </a:tr>
+              <a:tr h="384310">
+                <a:tc>
+                  <a:txBody>
+                    <a:bodyPr/>
+                    <a:lstStyle/>
+                    <a:p>
+                      <a:pPr marL="0" marR="0" algn="ctr">
+                        <a:spcBef>
+                          <a:spcPts val="0"/>
+                        </a:spcBef>
+                        <a:spcAft>
+                          <a:spcPts val="0"/>
+                        </a:spcAft>
+                      </a:pPr>
+                      <a:r>
+                        <a:rPr lang="en-US" sz="800" dirty="0">
+                          <a:effectLst/>
+                        </a:rPr>
+                        <a:t>10th Most Common Venue</a:t>
+                      </a:r>
+                      <a:endParaRPr lang="en-US" sz="1050" dirty="0">
+                        <a:effectLst/>
+                        <a:latin typeface="Times New Roman" panose="02020603050405020304" pitchFamily="18" charset="0"/>
+                        <a:ea typeface="Times New Roman" panose="02020603050405020304" pitchFamily="18" charset="0"/>
+                        <a:cs typeface="Times New Roman" panose="02020603050405020304" pitchFamily="18" charset="0"/>
+                      </a:endParaRPr>
+                    </a:p>
+                  </a:txBody>
+                  <a:tcPr marL="59359" marR="59359" marT="0" marB="0" anchor="ctr"/>
+                </a:tc>
+                <a:tc>
+                  <a:txBody>
+                    <a:bodyPr/>
+                    <a:lstStyle/>
+                    <a:p>
+                      <a:pPr marL="0" marR="0" algn="ctr">
+                        <a:spcBef>
+                          <a:spcPts val="0"/>
+                        </a:spcBef>
+                        <a:spcAft>
+                          <a:spcPts val="0"/>
+                        </a:spcAft>
+                      </a:pPr>
+                      <a:r>
+                        <a:rPr lang="en-US" sz="1000">
+                          <a:effectLst/>
+                        </a:rPr>
+                        <a:t>Grocery Store</a:t>
+                      </a:r>
+                      <a:endParaRPr lang="en-US" sz="1200">
+                        <a:effectLst/>
+                        <a:latin typeface="Times New Roman" panose="02020603050405020304" pitchFamily="18" charset="0"/>
+                        <a:ea typeface="Times New Roman" panose="02020603050405020304" pitchFamily="18" charset="0"/>
+                        <a:cs typeface="Times New Roman" panose="02020603050405020304" pitchFamily="18" charset="0"/>
+                      </a:endParaRPr>
+                    </a:p>
+                  </a:txBody>
+                  <a:tcPr marL="59359" marR="59359" marT="0" marB="0" anchor="ctr"/>
+                </a:tc>
+                <a:tc>
+                  <a:txBody>
+                    <a:bodyPr/>
+                    <a:lstStyle/>
+                    <a:p>
+                      <a:pPr marL="0" marR="0" algn="ctr">
+                        <a:spcBef>
+                          <a:spcPts val="0"/>
+                        </a:spcBef>
+                        <a:spcAft>
+                          <a:spcPts val="0"/>
+                        </a:spcAft>
+                      </a:pPr>
+                      <a:r>
+                        <a:rPr lang="en-US" sz="1000">
+                          <a:effectLst/>
+                        </a:rPr>
+                        <a:t>Bookstore</a:t>
+                      </a:r>
+                      <a:endParaRPr lang="en-US" sz="1200">
+                        <a:effectLst/>
+                        <a:latin typeface="Times New Roman" panose="02020603050405020304" pitchFamily="18" charset="0"/>
+                        <a:ea typeface="Times New Roman" panose="02020603050405020304" pitchFamily="18" charset="0"/>
+                        <a:cs typeface="Times New Roman" panose="02020603050405020304" pitchFamily="18" charset="0"/>
+                      </a:endParaRPr>
+                    </a:p>
+                  </a:txBody>
+                  <a:tcPr marL="59359" marR="59359" marT="0" marB="0" anchor="ctr"/>
+                </a:tc>
+                <a:tc>
+                  <a:txBody>
+                    <a:bodyPr/>
+                    <a:lstStyle/>
+                    <a:p>
+                      <a:pPr marL="0" marR="0" algn="ctr">
+                        <a:spcBef>
+                          <a:spcPts val="0"/>
+                        </a:spcBef>
+                        <a:spcAft>
+                          <a:spcPts val="0"/>
+                        </a:spcAft>
+                      </a:pPr>
+                      <a:r>
+                        <a:rPr lang="en-US" sz="1000">
+                          <a:effectLst/>
+                        </a:rPr>
+                        <a:t>American Restaurant</a:t>
+                      </a:r>
+                      <a:endParaRPr lang="en-US" sz="1200">
+                        <a:effectLst/>
+                        <a:latin typeface="Times New Roman" panose="02020603050405020304" pitchFamily="18" charset="0"/>
+                        <a:ea typeface="Times New Roman" panose="02020603050405020304" pitchFamily="18" charset="0"/>
+                        <a:cs typeface="Times New Roman" panose="02020603050405020304" pitchFamily="18" charset="0"/>
+                      </a:endParaRPr>
+                    </a:p>
+                  </a:txBody>
+                  <a:tcPr marL="59359" marR="59359" marT="0" marB="0" anchor="ctr"/>
+                </a:tc>
+                <a:tc>
+                  <a:txBody>
+                    <a:bodyPr/>
+                    <a:lstStyle/>
+                    <a:p>
+                      <a:pPr marL="0" marR="0" algn="ctr">
+                        <a:spcBef>
+                          <a:spcPts val="0"/>
+                        </a:spcBef>
+                        <a:spcAft>
+                          <a:spcPts val="0"/>
+                        </a:spcAft>
+                      </a:pPr>
+                      <a:r>
+                        <a:rPr lang="en-US" sz="1000">
+                          <a:effectLst/>
+                        </a:rPr>
+                        <a:t>Breakfast Spot</a:t>
+                      </a:r>
+                      <a:endParaRPr lang="en-US" sz="1200">
+                        <a:effectLst/>
+                        <a:latin typeface="Times New Roman" panose="02020603050405020304" pitchFamily="18" charset="0"/>
+                        <a:ea typeface="Times New Roman" panose="02020603050405020304" pitchFamily="18" charset="0"/>
+                        <a:cs typeface="Times New Roman" panose="02020603050405020304" pitchFamily="18" charset="0"/>
+                      </a:endParaRPr>
+                    </a:p>
+                  </a:txBody>
+                  <a:tcPr marL="59359" marR="59359" marT="0" marB="0" anchor="ctr"/>
+                </a:tc>
+                <a:tc>
+                  <a:txBody>
+                    <a:bodyPr/>
+                    <a:lstStyle/>
+                    <a:p>
+                      <a:pPr marL="0" marR="0" algn="ctr">
+                        <a:spcBef>
+                          <a:spcPts val="0"/>
+                        </a:spcBef>
+                        <a:spcAft>
+                          <a:spcPts val="0"/>
+                        </a:spcAft>
+                      </a:pPr>
+                      <a:r>
+                        <a:rPr lang="en-US" sz="1000">
+                          <a:effectLst/>
+                        </a:rPr>
+                        <a:t>Mexican Restaurant</a:t>
+                      </a:r>
+                      <a:endParaRPr lang="en-US" sz="1200">
+                        <a:effectLst/>
+                        <a:latin typeface="Times New Roman" panose="02020603050405020304" pitchFamily="18" charset="0"/>
+                        <a:ea typeface="Times New Roman" panose="02020603050405020304" pitchFamily="18" charset="0"/>
+                        <a:cs typeface="Times New Roman" panose="02020603050405020304" pitchFamily="18" charset="0"/>
+                      </a:endParaRPr>
+                    </a:p>
+                  </a:txBody>
+                  <a:tcPr marL="59359" marR="59359" marT="0" marB="0" anchor="ctr"/>
+                </a:tc>
+                <a:tc>
+                  <a:txBody>
+                    <a:bodyPr/>
+                    <a:lstStyle/>
+                    <a:p>
+                      <a:pPr marL="0" marR="0" algn="ctr">
+                        <a:spcBef>
+                          <a:spcPts val="0"/>
+                        </a:spcBef>
+                        <a:spcAft>
+                          <a:spcPts val="0"/>
+                        </a:spcAft>
+                      </a:pPr>
+                      <a:r>
+                        <a:rPr lang="en-US" sz="1000">
+                          <a:effectLst/>
+                        </a:rPr>
+                        <a:t>Thai Restaurant</a:t>
+                      </a:r>
+                      <a:endParaRPr lang="en-US" sz="1200">
+                        <a:effectLst/>
+                        <a:latin typeface="Times New Roman" panose="02020603050405020304" pitchFamily="18" charset="0"/>
+                        <a:ea typeface="Times New Roman" panose="02020603050405020304" pitchFamily="18" charset="0"/>
+                        <a:cs typeface="Times New Roman" panose="02020603050405020304" pitchFamily="18" charset="0"/>
+                      </a:endParaRPr>
+                    </a:p>
+                  </a:txBody>
+                  <a:tcPr marL="59359" marR="59359" marT="0" marB="0" anchor="ctr"/>
+                </a:tc>
+                <a:tc>
+                  <a:txBody>
+                    <a:bodyPr/>
+                    <a:lstStyle/>
+                    <a:p>
+                      <a:pPr marL="0" marR="0" algn="ctr">
+                        <a:spcBef>
+                          <a:spcPts val="0"/>
+                        </a:spcBef>
+                        <a:spcAft>
+                          <a:spcPts val="0"/>
+                        </a:spcAft>
+                      </a:pPr>
+                      <a:r>
+                        <a:rPr lang="en-US" sz="1000">
+                          <a:effectLst/>
+                        </a:rPr>
+                        <a:t>Park</a:t>
+                      </a:r>
+                      <a:endParaRPr lang="en-US" sz="1200">
+                        <a:effectLst/>
+                        <a:latin typeface="Times New Roman" panose="02020603050405020304" pitchFamily="18" charset="0"/>
+                        <a:ea typeface="Times New Roman" panose="02020603050405020304" pitchFamily="18" charset="0"/>
+                        <a:cs typeface="Times New Roman" panose="02020603050405020304" pitchFamily="18" charset="0"/>
+                      </a:endParaRPr>
+                    </a:p>
+                  </a:txBody>
+                  <a:tcPr marL="59359" marR="59359" marT="0" marB="0" anchor="ctr"/>
+                </a:tc>
+                <a:tc>
+                  <a:txBody>
+                    <a:bodyPr/>
+                    <a:lstStyle/>
+                    <a:p>
+                      <a:pPr marL="0" marR="0" algn="ctr">
+                        <a:spcBef>
+                          <a:spcPts val="0"/>
+                        </a:spcBef>
+                        <a:spcAft>
+                          <a:spcPts val="0"/>
+                        </a:spcAft>
+                      </a:pPr>
+                      <a:r>
+                        <a:rPr lang="en-US" sz="1000">
+                          <a:effectLst/>
+                        </a:rPr>
+                        <a:t>Mexican Restaurant</a:t>
+                      </a:r>
+                      <a:endParaRPr lang="en-US" sz="1200">
+                        <a:effectLst/>
+                        <a:latin typeface="Times New Roman" panose="02020603050405020304" pitchFamily="18" charset="0"/>
+                        <a:ea typeface="Times New Roman" panose="02020603050405020304" pitchFamily="18" charset="0"/>
+                        <a:cs typeface="Times New Roman" panose="02020603050405020304" pitchFamily="18" charset="0"/>
+                      </a:endParaRPr>
+                    </a:p>
+                  </a:txBody>
+                  <a:tcPr marL="59359" marR="59359" marT="0" marB="0" anchor="ctr"/>
+                </a:tc>
+                <a:tc>
+                  <a:txBody>
+                    <a:bodyPr/>
+                    <a:lstStyle/>
+                    <a:p>
+                      <a:pPr marL="0" marR="0" algn="ctr">
+                        <a:spcBef>
+                          <a:spcPts val="0"/>
+                        </a:spcBef>
+                        <a:spcAft>
+                          <a:spcPts val="0"/>
+                        </a:spcAft>
+                      </a:pPr>
+                      <a:r>
+                        <a:rPr lang="en-US" sz="1000" dirty="0">
+                          <a:effectLst/>
+                        </a:rPr>
+                        <a:t>Falafel Restaurant</a:t>
+                      </a:r>
+                      <a:endParaRPr lang="en-US" sz="1200" dirty="0">
+                        <a:effectLst/>
+                        <a:latin typeface="Times New Roman" panose="02020603050405020304" pitchFamily="18" charset="0"/>
+                        <a:ea typeface="Times New Roman" panose="02020603050405020304" pitchFamily="18" charset="0"/>
+                        <a:cs typeface="Times New Roman" panose="02020603050405020304" pitchFamily="18" charset="0"/>
+                      </a:endParaRPr>
+                    </a:p>
+                  </a:txBody>
+                  <a:tcPr marL="59359" marR="59359" marT="0" marB="0" anchor="ctr"/>
+                </a:tc>
+                <a:extLst>
+                  <a:ext uri="{0D108BD9-81ED-4DB2-BD59-A6C34878D82A}">
+                    <a16:rowId xmlns:a16="http://schemas.microsoft.com/office/drawing/2014/main" val="2889150495"/>
+                  </a:ext>
+                </a:extLst>
+              </a:tr>
+            </a:tbl>
+          </a:graphicData>
+        </a:graphic>
+      </p:graphicFrame>
+    </p:spTree>
+    <p:extLst>
+      <p:ext uri="{BB962C8B-B14F-4D97-AF65-F5344CB8AC3E}">
+        <p14:creationId xmlns:p14="http://schemas.microsoft.com/office/powerpoint/2010/main" val="3531529202"/>
+      </p:ext>
+    </p:extLst>
+  </p:cSld>
+  <p:clrMapOvr>
+    <a:masterClrMapping/>
+  </p:clrMapOvr>
+</p:sld>
+</file>
+
+<file path=ppt/slides/slide11.xml><?xml version="1.0" encoding="utf-8"?>
+<p:sld xmlns:a="http://schemas.openxmlformats.org/drawingml/2006/main" xmlns:r="http://schemas.openxmlformats.org/officeDocument/2006/relationships" xmlns:p="http://schemas.openxmlformats.org/presentationml/2006/main">
+  <p:cSld>
+    <p:spTree>
+      <p:nvGrpSpPr>
+        <p:cNvPr id="1" name=""/>
+        <p:cNvGrpSpPr/>
+        <p:nvPr/>
+      </p:nvGrpSpPr>
+      <p:grpSpPr>
+        <a:xfrm>
+          <a:off x="0" y="0"/>
+          <a:ext cx="0" cy="0"/>
+          <a:chOff x="0" y="0"/>
+          <a:chExt cx="0" cy="0"/>
+        </a:xfrm>
+      </p:grpSpPr>
+      <p:sp>
+        <p:nvSpPr>
+          <p:cNvPr id="2" name="Title 1">
+            <a:extLst>
+              <a:ext uri="{FF2B5EF4-FFF2-40B4-BE49-F238E27FC236}">
+                <a16:creationId xmlns:a16="http://schemas.microsoft.com/office/drawing/2014/main" id="{FA9AFEE2-829B-244B-B15E-5EDEF5F1F131}"/>
+              </a:ext>
+            </a:extLst>
+          </p:cNvPr>
+          <p:cNvSpPr>
+            <a:spLocks noGrp="1"/>
+          </p:cNvSpPr>
+          <p:nvPr>
+            <p:ph type="title"/>
+          </p:nvPr>
+        </p:nvSpPr>
+        <p:spPr>
+          <a:xfrm>
+            <a:off x="2861310" y="177072"/>
+            <a:ext cx="8610600" cy="1293028"/>
+          </a:xfrm>
+        </p:spPr>
+        <p:txBody>
+          <a:bodyPr/>
+          <a:lstStyle/>
+          <a:p>
+            <a:r>
+              <a:rPr lang="en-US" dirty="0"/>
               <a:t>Top 10 Venues</a:t>
             </a:r>
           </a:p>
@@ -7092,7 +11385,7 @@
 </p:sld>
 </file>
 
-<file path=ppt/slides/slide11.xml><?xml version="1.0" encoding="utf-8"?>
+<file path=ppt/slides/slide12.xml><?xml version="1.0" encoding="utf-8"?>
 <p:sld xmlns:a="http://schemas.openxmlformats.org/drawingml/2006/main" xmlns:r="http://schemas.openxmlformats.org/officeDocument/2006/relationships" xmlns:p="http://schemas.openxmlformats.org/presentationml/2006/main">
   <p:cSld>
     <p:spTree>
@@ -8448,7 +12741,7 @@
 </p:sld>
 </file>
 
-<file path=ppt/slides/slide12.xml><?xml version="1.0" encoding="utf-8"?>
+<file path=ppt/slides/slide13.xml><?xml version="1.0" encoding="utf-8"?>
 <p:sld xmlns:a="http://schemas.openxmlformats.org/drawingml/2006/main" xmlns:r="http://schemas.openxmlformats.org/officeDocument/2006/relationships" xmlns:p="http://schemas.openxmlformats.org/presentationml/2006/main">
   <p:cSld>
     <p:spTree>
@@ -9871,7 +14164,7 @@
 </p:sld>
 </file>
 
-<file path=ppt/slides/slide13.xml><?xml version="1.0" encoding="utf-8"?>
+<file path=ppt/slides/slide14.xml><?xml version="1.0" encoding="utf-8"?>
 <p:sld xmlns:a="http://schemas.openxmlformats.org/drawingml/2006/main" xmlns:r="http://schemas.openxmlformats.org/officeDocument/2006/relationships" xmlns:p="http://schemas.openxmlformats.org/presentationml/2006/main">
   <p:cSld>
     <p:spTree>
@@ -11894,6 +16187,478 @@
 </file>
 
 <file path=ppt/slides/slide6.xml><?xml version="1.0" encoding="utf-8"?>
+<p:sld xmlns:a="http://schemas.openxmlformats.org/drawingml/2006/main" xmlns:r="http://schemas.openxmlformats.org/officeDocument/2006/relationships" xmlns:p="http://schemas.openxmlformats.org/presentationml/2006/main">
+  <p:cSld>
+    <p:spTree>
+      <p:nvGrpSpPr>
+        <p:cNvPr id="1" name=""/>
+        <p:cNvGrpSpPr/>
+        <p:nvPr/>
+      </p:nvGrpSpPr>
+      <p:grpSpPr>
+        <a:xfrm>
+          <a:off x="0" y="0"/>
+          <a:ext cx="0" cy="0"/>
+          <a:chOff x="0" y="0"/>
+          <a:chExt cx="0" cy="0"/>
+        </a:xfrm>
+      </p:grpSpPr>
+      <p:sp>
+        <p:nvSpPr>
+          <p:cNvPr id="2" name="Title 1">
+            <a:extLst>
+              <a:ext uri="{FF2B5EF4-FFF2-40B4-BE49-F238E27FC236}">
+                <a16:creationId xmlns:a16="http://schemas.microsoft.com/office/drawing/2014/main" id="{FA9AFEE2-829B-244B-B15E-5EDEF5F1F131}"/>
+              </a:ext>
+            </a:extLst>
+          </p:cNvPr>
+          <p:cNvSpPr>
+            <a:spLocks noGrp="1"/>
+          </p:cNvSpPr>
+          <p:nvPr>
+            <p:ph type="title"/>
+          </p:nvPr>
+        </p:nvSpPr>
+        <p:spPr/>
+        <p:txBody>
+          <a:bodyPr/>
+          <a:lstStyle/>
+          <a:p>
+            <a:r>
+              <a:rPr lang="en-US" dirty="0"/>
+              <a:t>METHODOLOGY</a:t>
+            </a:r>
+          </a:p>
+        </p:txBody>
+      </p:sp>
+      <p:sp>
+        <p:nvSpPr>
+          <p:cNvPr id="4" name="Rounded Rectangle 3">
+            <a:extLst>
+              <a:ext uri="{FF2B5EF4-FFF2-40B4-BE49-F238E27FC236}">
+                <a16:creationId xmlns:a16="http://schemas.microsoft.com/office/drawing/2014/main" id="{DDC3B445-614E-D648-AA57-E7B52931647C}"/>
+              </a:ext>
+            </a:extLst>
+          </p:cNvPr>
+          <p:cNvSpPr/>
+          <p:nvPr/>
+        </p:nvSpPr>
+        <p:spPr>
+          <a:xfrm>
+            <a:off x="445770" y="3040380"/>
+            <a:ext cx="1611630" cy="1085850"/>
+          </a:xfrm>
+          <a:prstGeom prst="roundRect">
+            <a:avLst/>
+          </a:prstGeom>
+        </p:spPr>
+        <p:style>
+          <a:lnRef idx="2">
+            <a:schemeClr val="accent1">
+              <a:shade val="50000"/>
+            </a:schemeClr>
+          </a:lnRef>
+          <a:fillRef idx="1">
+            <a:schemeClr val="accent1"/>
+          </a:fillRef>
+          <a:effectRef idx="0">
+            <a:schemeClr val="accent1"/>
+          </a:effectRef>
+          <a:fontRef idx="minor">
+            <a:schemeClr val="lt1"/>
+          </a:fontRef>
+        </p:style>
+        <p:txBody>
+          <a:bodyPr rtlCol="0" anchor="ctr"/>
+          <a:lstStyle/>
+          <a:p>
+            <a:pPr algn="ctr"/>
+            <a:r>
+              <a:rPr lang="en-US" dirty="0"/>
+              <a:t>WIKIPEDIA DATA</a:t>
+            </a:r>
+          </a:p>
+        </p:txBody>
+      </p:sp>
+      <p:sp>
+        <p:nvSpPr>
+          <p:cNvPr id="6" name="Rounded Rectangle 5">
+            <a:extLst>
+              <a:ext uri="{FF2B5EF4-FFF2-40B4-BE49-F238E27FC236}">
+                <a16:creationId xmlns:a16="http://schemas.microsoft.com/office/drawing/2014/main" id="{8B6BACB7-1EA6-F949-8011-04327A985D76}"/>
+              </a:ext>
+            </a:extLst>
+          </p:cNvPr>
+          <p:cNvSpPr/>
+          <p:nvPr/>
+        </p:nvSpPr>
+        <p:spPr>
+          <a:xfrm>
+            <a:off x="2598420" y="3040380"/>
+            <a:ext cx="1905000" cy="1085850"/>
+          </a:xfrm>
+          <a:prstGeom prst="roundRect">
+            <a:avLst/>
+          </a:prstGeom>
+        </p:spPr>
+        <p:style>
+          <a:lnRef idx="2">
+            <a:schemeClr val="accent1">
+              <a:shade val="50000"/>
+            </a:schemeClr>
+          </a:lnRef>
+          <a:fillRef idx="1">
+            <a:schemeClr val="accent1"/>
+          </a:fillRef>
+          <a:effectRef idx="0">
+            <a:schemeClr val="accent1"/>
+          </a:effectRef>
+          <a:fontRef idx="minor">
+            <a:schemeClr val="lt1"/>
+          </a:fontRef>
+        </p:style>
+        <p:txBody>
+          <a:bodyPr rtlCol="0" anchor="ctr"/>
+          <a:lstStyle/>
+          <a:p>
+            <a:pPr algn="ctr"/>
+            <a:r>
+              <a:rPr lang="en-US" dirty="0"/>
+              <a:t>COORDINATES USING GEOCODE</a:t>
+            </a:r>
+          </a:p>
+        </p:txBody>
+      </p:sp>
+      <p:cxnSp>
+        <p:nvCxnSpPr>
+          <p:cNvPr id="8" name="Straight Arrow Connector 7">
+            <a:extLst>
+              <a:ext uri="{FF2B5EF4-FFF2-40B4-BE49-F238E27FC236}">
+                <a16:creationId xmlns:a16="http://schemas.microsoft.com/office/drawing/2014/main" id="{5E5B8564-0BD7-EC41-B416-6BA60F08514A}"/>
+              </a:ext>
+            </a:extLst>
+          </p:cNvPr>
+          <p:cNvCxnSpPr>
+            <a:cxnSpLocks/>
+            <a:stCxn id="4" idx="3"/>
+            <a:endCxn id="6" idx="1"/>
+          </p:cNvCxnSpPr>
+          <p:nvPr/>
+        </p:nvCxnSpPr>
+        <p:spPr>
+          <a:xfrm>
+            <a:off x="2057400" y="3583305"/>
+            <a:ext cx="541020" cy="0"/>
+          </a:xfrm>
+          <a:prstGeom prst="straightConnector1">
+            <a:avLst/>
+          </a:prstGeom>
+          <a:ln w="19050">
+            <a:tailEnd type="triangle"/>
+          </a:ln>
+        </p:spPr>
+        <p:style>
+          <a:lnRef idx="1">
+            <a:schemeClr val="accent1"/>
+          </a:lnRef>
+          <a:fillRef idx="0">
+            <a:schemeClr val="accent1"/>
+          </a:fillRef>
+          <a:effectRef idx="0">
+            <a:schemeClr val="accent1"/>
+          </a:effectRef>
+          <a:fontRef idx="minor">
+            <a:schemeClr val="tx1"/>
+          </a:fontRef>
+        </p:style>
+      </p:cxnSp>
+      <p:sp>
+        <p:nvSpPr>
+          <p:cNvPr id="10" name="Rounded Rectangle 9">
+            <a:extLst>
+              <a:ext uri="{FF2B5EF4-FFF2-40B4-BE49-F238E27FC236}">
+                <a16:creationId xmlns:a16="http://schemas.microsoft.com/office/drawing/2014/main" id="{397577A3-D5B6-164D-9E6B-8B313F76E22B}"/>
+              </a:ext>
+            </a:extLst>
+          </p:cNvPr>
+          <p:cNvSpPr/>
+          <p:nvPr/>
+        </p:nvSpPr>
+        <p:spPr>
+          <a:xfrm>
+            <a:off x="5044440" y="3040380"/>
+            <a:ext cx="1905000" cy="1085850"/>
+          </a:xfrm>
+          <a:prstGeom prst="roundRect">
+            <a:avLst/>
+          </a:prstGeom>
+        </p:spPr>
+        <p:style>
+          <a:lnRef idx="2">
+            <a:schemeClr val="accent1">
+              <a:shade val="50000"/>
+            </a:schemeClr>
+          </a:lnRef>
+          <a:fillRef idx="1">
+            <a:schemeClr val="accent1"/>
+          </a:fillRef>
+          <a:effectRef idx="0">
+            <a:schemeClr val="accent1"/>
+          </a:effectRef>
+          <a:fontRef idx="minor">
+            <a:schemeClr val="lt1"/>
+          </a:fontRef>
+        </p:style>
+        <p:txBody>
+          <a:bodyPr rtlCol="0" anchor="ctr"/>
+          <a:lstStyle/>
+          <a:p>
+            <a:pPr algn="ctr"/>
+            <a:r>
+              <a:rPr lang="en-US" dirty="0"/>
+              <a:t>VENUES USING FOURSQUARE API</a:t>
+            </a:r>
+          </a:p>
+        </p:txBody>
+      </p:sp>
+      <p:cxnSp>
+        <p:nvCxnSpPr>
+          <p:cNvPr id="11" name="Straight Arrow Connector 10">
+            <a:extLst>
+              <a:ext uri="{FF2B5EF4-FFF2-40B4-BE49-F238E27FC236}">
+                <a16:creationId xmlns:a16="http://schemas.microsoft.com/office/drawing/2014/main" id="{BAB813C4-8374-1940-859A-927E3EAAEA43}"/>
+              </a:ext>
+            </a:extLst>
+          </p:cNvPr>
+          <p:cNvCxnSpPr>
+            <a:cxnSpLocks/>
+          </p:cNvCxnSpPr>
+          <p:nvPr/>
+        </p:nvCxnSpPr>
+        <p:spPr>
+          <a:xfrm>
+            <a:off x="4503420" y="3581400"/>
+            <a:ext cx="541020" cy="0"/>
+          </a:xfrm>
+          <a:prstGeom prst="straightConnector1">
+            <a:avLst/>
+          </a:prstGeom>
+          <a:ln w="19050">
+            <a:tailEnd type="triangle"/>
+          </a:ln>
+        </p:spPr>
+        <p:style>
+          <a:lnRef idx="1">
+            <a:schemeClr val="accent1"/>
+          </a:lnRef>
+          <a:fillRef idx="0">
+            <a:schemeClr val="accent1"/>
+          </a:fillRef>
+          <a:effectRef idx="0">
+            <a:schemeClr val="accent1"/>
+          </a:effectRef>
+          <a:fontRef idx="minor">
+            <a:schemeClr val="tx1"/>
+          </a:fontRef>
+        </p:style>
+      </p:cxnSp>
+      <p:sp>
+        <p:nvSpPr>
+          <p:cNvPr id="12" name="Rounded Rectangle 11">
+            <a:extLst>
+              <a:ext uri="{FF2B5EF4-FFF2-40B4-BE49-F238E27FC236}">
+                <a16:creationId xmlns:a16="http://schemas.microsoft.com/office/drawing/2014/main" id="{81CEC038-8C2D-AF41-A3BC-1DC158DEACEB}"/>
+              </a:ext>
+            </a:extLst>
+          </p:cNvPr>
+          <p:cNvSpPr/>
+          <p:nvPr/>
+        </p:nvSpPr>
+        <p:spPr>
+          <a:xfrm>
+            <a:off x="7490460" y="2497455"/>
+            <a:ext cx="1905000" cy="1085850"/>
+          </a:xfrm>
+          <a:prstGeom prst="roundRect">
+            <a:avLst/>
+          </a:prstGeom>
+        </p:spPr>
+        <p:style>
+          <a:lnRef idx="2">
+            <a:schemeClr val="accent1">
+              <a:shade val="50000"/>
+            </a:schemeClr>
+          </a:lnRef>
+          <a:fillRef idx="1">
+            <a:schemeClr val="accent1"/>
+          </a:fillRef>
+          <a:effectRef idx="0">
+            <a:schemeClr val="accent1"/>
+          </a:effectRef>
+          <a:fontRef idx="minor">
+            <a:schemeClr val="lt1"/>
+          </a:fontRef>
+        </p:style>
+        <p:txBody>
+          <a:bodyPr rtlCol="0" anchor="ctr"/>
+          <a:lstStyle/>
+          <a:p>
+            <a:pPr algn="ctr"/>
+            <a:r>
+              <a:rPr lang="en-US" dirty="0"/>
+              <a:t>CLUSTERING</a:t>
+            </a:r>
+          </a:p>
+        </p:txBody>
+      </p:sp>
+      <p:sp>
+        <p:nvSpPr>
+          <p:cNvPr id="13" name="Rounded Rectangle 12">
+            <a:extLst>
+              <a:ext uri="{FF2B5EF4-FFF2-40B4-BE49-F238E27FC236}">
+                <a16:creationId xmlns:a16="http://schemas.microsoft.com/office/drawing/2014/main" id="{6DEDDEF8-0DB1-634B-BFFC-7C367DAA4CC1}"/>
+              </a:ext>
+            </a:extLst>
+          </p:cNvPr>
+          <p:cNvSpPr/>
+          <p:nvPr/>
+        </p:nvSpPr>
+        <p:spPr>
+          <a:xfrm>
+            <a:off x="7490460" y="3815715"/>
+            <a:ext cx="1905000" cy="1085850"/>
+          </a:xfrm>
+          <a:prstGeom prst="roundRect">
+            <a:avLst/>
+          </a:prstGeom>
+        </p:spPr>
+        <p:style>
+          <a:lnRef idx="2">
+            <a:schemeClr val="accent1">
+              <a:shade val="50000"/>
+            </a:schemeClr>
+          </a:lnRef>
+          <a:fillRef idx="1">
+            <a:schemeClr val="accent1"/>
+          </a:fillRef>
+          <a:effectRef idx="0">
+            <a:schemeClr val="accent1"/>
+          </a:effectRef>
+          <a:fontRef idx="minor">
+            <a:schemeClr val="lt1"/>
+          </a:fontRef>
+        </p:style>
+        <p:txBody>
+          <a:bodyPr rtlCol="0" anchor="ctr"/>
+          <a:lstStyle/>
+          <a:p>
+            <a:pPr algn="ctr"/>
+            <a:r>
+              <a:rPr lang="en-US" dirty="0"/>
+              <a:t>COSINE SIMILARITY</a:t>
+            </a:r>
+          </a:p>
+        </p:txBody>
+      </p:sp>
+      <p:cxnSp>
+        <p:nvCxnSpPr>
+          <p:cNvPr id="14" name="Straight Arrow Connector 13">
+            <a:extLst>
+              <a:ext uri="{FF2B5EF4-FFF2-40B4-BE49-F238E27FC236}">
+                <a16:creationId xmlns:a16="http://schemas.microsoft.com/office/drawing/2014/main" id="{F5A2F696-7C6D-1644-A494-E12D04633618}"/>
+              </a:ext>
+            </a:extLst>
+          </p:cNvPr>
+          <p:cNvCxnSpPr>
+            <a:cxnSpLocks/>
+            <a:endCxn id="12" idx="1"/>
+          </p:cNvCxnSpPr>
+          <p:nvPr/>
+        </p:nvCxnSpPr>
+        <p:spPr>
+          <a:xfrm flipV="1">
+            <a:off x="6949440" y="3040380"/>
+            <a:ext cx="541020" cy="525780"/>
+          </a:xfrm>
+          <a:prstGeom prst="straightConnector1">
+            <a:avLst/>
+          </a:prstGeom>
+          <a:ln w="19050">
+            <a:tailEnd type="triangle"/>
+          </a:ln>
+        </p:spPr>
+        <p:style>
+          <a:lnRef idx="1">
+            <a:schemeClr val="accent1"/>
+          </a:lnRef>
+          <a:fillRef idx="0">
+            <a:schemeClr val="accent1"/>
+          </a:fillRef>
+          <a:effectRef idx="0">
+            <a:schemeClr val="accent1"/>
+          </a:effectRef>
+          <a:fontRef idx="minor">
+            <a:schemeClr val="tx1"/>
+          </a:fontRef>
+        </p:style>
+      </p:cxnSp>
+      <p:cxnSp>
+        <p:nvCxnSpPr>
+          <p:cNvPr id="16" name="Straight Arrow Connector 15">
+            <a:extLst>
+              <a:ext uri="{FF2B5EF4-FFF2-40B4-BE49-F238E27FC236}">
+                <a16:creationId xmlns:a16="http://schemas.microsoft.com/office/drawing/2014/main" id="{247F67A4-9CBB-C34B-9F10-50186372A99C}"/>
+              </a:ext>
+            </a:extLst>
+          </p:cNvPr>
+          <p:cNvCxnSpPr>
+            <a:cxnSpLocks/>
+            <a:stCxn id="10" idx="3"/>
+            <a:endCxn id="13" idx="1"/>
+          </p:cNvCxnSpPr>
+          <p:nvPr/>
+        </p:nvCxnSpPr>
+        <p:spPr>
+          <a:xfrm>
+            <a:off x="6949440" y="3583305"/>
+            <a:ext cx="541020" cy="775335"/>
+          </a:xfrm>
+          <a:prstGeom prst="straightConnector1">
+            <a:avLst/>
+          </a:prstGeom>
+          <a:ln w="19050">
+            <a:tailEnd type="triangle"/>
+          </a:ln>
+        </p:spPr>
+        <p:style>
+          <a:lnRef idx="1">
+            <a:schemeClr val="accent1"/>
+          </a:lnRef>
+          <a:fillRef idx="0">
+            <a:schemeClr val="accent1"/>
+          </a:fillRef>
+          <a:effectRef idx="0">
+            <a:schemeClr val="accent1"/>
+          </a:effectRef>
+          <a:fontRef idx="minor">
+            <a:schemeClr val="tx1"/>
+          </a:fontRef>
+        </p:style>
+      </p:cxnSp>
+    </p:spTree>
+    <p:extLst>
+      <p:ext uri="{BB962C8B-B14F-4D97-AF65-F5344CB8AC3E}">
+        <p14:creationId xmlns:p14="http://schemas.microsoft.com/office/powerpoint/2010/main" val="1398056248"/>
+      </p:ext>
+    </p:extLst>
+  </p:cSld>
+  <p:clrMapOvr>
+    <a:masterClrMapping/>
+  </p:clrMapOvr>
+</p:sld>
+</file>
+
+<file path=ppt/slides/slide7.xml><?xml version="1.0" encoding="utf-8"?>
 <p:sld xmlns:a="http://schemas.openxmlformats.org/drawingml/2006/main" xmlns:r="http://schemas.openxmlformats.org/officeDocument/2006/relationships" xmlns:p="http://schemas.openxmlformats.org/presentationml/2006/main">
   <p:cSld>
     <p:spTree>
@@ -12234,7 +16999,7 @@
 </p:sld>
 </file>
 
-<file path=ppt/slides/slide7.xml><?xml version="1.0" encoding="utf-8"?>
+<file path=ppt/slides/slide8.xml><?xml version="1.0" encoding="utf-8"?>
 <p:sld xmlns:a="http://schemas.openxmlformats.org/drawingml/2006/main" xmlns:r="http://schemas.openxmlformats.org/officeDocument/2006/relationships" xmlns:p="http://schemas.openxmlformats.org/presentationml/2006/main">
   <p:cSld>
     <p:spTree>
@@ -12563,7 +17328,7 @@
 </p:sld>
 </file>
 
-<file path=ppt/slides/slide8.xml><?xml version="1.0" encoding="utf-8"?>
+<file path=ppt/slides/slide9.xml><?xml version="1.0" encoding="utf-8"?>
 <p:sld xmlns:a="http://schemas.openxmlformats.org/drawingml/2006/main" xmlns:r="http://schemas.openxmlformats.org/officeDocument/2006/relationships" xmlns:p="http://schemas.openxmlformats.org/presentationml/2006/main">
   <p:cSld>
     <p:spTree>
@@ -13373,4298 +18138,6 @@
 </p:sld>
 </file>
 
-<file path=ppt/slides/slide9.xml><?xml version="1.0" encoding="utf-8"?>
-<p:sld xmlns:a="http://schemas.openxmlformats.org/drawingml/2006/main" xmlns:r="http://schemas.openxmlformats.org/officeDocument/2006/relationships" xmlns:p="http://schemas.openxmlformats.org/presentationml/2006/main">
-  <p:cSld>
-    <p:spTree>
-      <p:nvGrpSpPr>
-        <p:cNvPr id="1" name=""/>
-        <p:cNvGrpSpPr/>
-        <p:nvPr/>
-      </p:nvGrpSpPr>
-      <p:grpSpPr>
-        <a:xfrm>
-          <a:off x="0" y="0"/>
-          <a:ext cx="0" cy="0"/>
-          <a:chOff x="0" y="0"/>
-          <a:chExt cx="0" cy="0"/>
-        </a:xfrm>
-      </p:grpSpPr>
-      <p:sp>
-        <p:nvSpPr>
-          <p:cNvPr id="2" name="Title 1">
-            <a:extLst>
-              <a:ext uri="{FF2B5EF4-FFF2-40B4-BE49-F238E27FC236}">
-                <a16:creationId xmlns:a16="http://schemas.microsoft.com/office/drawing/2014/main" id="{FA9AFEE2-829B-244B-B15E-5EDEF5F1F131}"/>
-              </a:ext>
-            </a:extLst>
-          </p:cNvPr>
-          <p:cNvSpPr>
-            <a:spLocks noGrp="1"/>
-          </p:cNvSpPr>
-          <p:nvPr>
-            <p:ph type="title"/>
-          </p:nvPr>
-        </p:nvSpPr>
-        <p:spPr>
-          <a:xfrm>
-            <a:off x="2861310" y="177072"/>
-            <a:ext cx="8610600" cy="1293028"/>
-          </a:xfrm>
-        </p:spPr>
-        <p:txBody>
-          <a:bodyPr/>
-          <a:lstStyle/>
-          <a:p>
-            <a:r>
-              <a:rPr lang="en-US" dirty="0"/>
-              <a:t>Venue COMPARISON</a:t>
-            </a:r>
-          </a:p>
-        </p:txBody>
-      </p:sp>
-      <p:sp>
-        <p:nvSpPr>
-          <p:cNvPr id="13" name="Content Placeholder 2">
-            <a:extLst>
-              <a:ext uri="{FF2B5EF4-FFF2-40B4-BE49-F238E27FC236}">
-                <a16:creationId xmlns:a16="http://schemas.microsoft.com/office/drawing/2014/main" id="{34F91C69-DE7D-7341-8B2D-0C3ACACE9AAE}"/>
-              </a:ext>
-            </a:extLst>
-          </p:cNvPr>
-          <p:cNvSpPr txBox="1">
-            <a:spLocks/>
-          </p:cNvSpPr>
-          <p:nvPr/>
-        </p:nvSpPr>
-        <p:spPr>
-          <a:xfrm>
-            <a:off x="9268786" y="1793875"/>
-            <a:ext cx="2614603" cy="4024125"/>
-          </a:xfrm>
-          <a:prstGeom prst="rect">
-            <a:avLst/>
-          </a:prstGeom>
-        </p:spPr>
-        <p:txBody>
-          <a:bodyPr vert="horz" lIns="91440" tIns="45720" rIns="91440" bIns="45720" rtlCol="0">
-            <a:normAutofit/>
-          </a:bodyPr>
-          <a:lstStyle>
-            <a:lvl1pPr marL="228600" indent="-228600" algn="l" defTabSz="914400" rtl="0" eaLnBrk="1" latinLnBrk="0" hangingPunct="1">
-              <a:lnSpc>
-                <a:spcPct val="90000"/>
-              </a:lnSpc>
-              <a:spcBef>
-                <a:spcPts val="1000"/>
-              </a:spcBef>
-              <a:buFont typeface="Arial" panose="020B0604020202020204" pitchFamily="34" charset="0"/>
-              <a:buChar char="•"/>
-              <a:defRPr sz="2200" kern="1200">
-                <a:solidFill>
-                  <a:schemeClr val="tx1"/>
-                </a:solidFill>
-                <a:latin typeface="+mn-lt"/>
-                <a:ea typeface="+mn-ea"/>
-                <a:cs typeface="+mn-cs"/>
-              </a:defRPr>
-            </a:lvl1pPr>
-            <a:lvl2pPr marL="685800" indent="-228600" algn="l" defTabSz="914400" rtl="0" eaLnBrk="1" latinLnBrk="0" hangingPunct="1">
-              <a:lnSpc>
-                <a:spcPct val="90000"/>
-              </a:lnSpc>
-              <a:spcBef>
-                <a:spcPts val="500"/>
-              </a:spcBef>
-              <a:buFont typeface="Arial" panose="020B0604020202020204" pitchFamily="34" charset="0"/>
-              <a:buChar char="•"/>
-              <a:defRPr sz="2000" kern="1200">
-                <a:solidFill>
-                  <a:schemeClr val="tx1"/>
-                </a:solidFill>
-                <a:latin typeface="+mn-lt"/>
-                <a:ea typeface="+mn-ea"/>
-                <a:cs typeface="+mn-cs"/>
-              </a:defRPr>
-            </a:lvl2pPr>
-            <a:lvl3pPr marL="1143000" indent="-228600" algn="l" defTabSz="914400" rtl="0" eaLnBrk="1" latinLnBrk="0" hangingPunct="1">
-              <a:lnSpc>
-                <a:spcPct val="90000"/>
-              </a:lnSpc>
-              <a:spcBef>
-                <a:spcPts val="500"/>
-              </a:spcBef>
-              <a:buFont typeface="Arial" panose="020B0604020202020204" pitchFamily="34" charset="0"/>
-              <a:buChar char="•"/>
-              <a:defRPr sz="1800" kern="1200">
-                <a:solidFill>
-                  <a:schemeClr val="tx1"/>
-                </a:solidFill>
-                <a:latin typeface="+mn-lt"/>
-                <a:ea typeface="+mn-ea"/>
-                <a:cs typeface="+mn-cs"/>
-              </a:defRPr>
-            </a:lvl3pPr>
-            <a:lvl4pPr marL="1600200" indent="-228600" algn="l" defTabSz="914400" rtl="0" eaLnBrk="1" latinLnBrk="0" hangingPunct="1">
-              <a:lnSpc>
-                <a:spcPct val="90000"/>
-              </a:lnSpc>
-              <a:spcBef>
-                <a:spcPts val="500"/>
-              </a:spcBef>
-              <a:buFont typeface="Arial" panose="020B0604020202020204" pitchFamily="34" charset="0"/>
-              <a:buChar char="•"/>
-              <a:defRPr sz="1600" kern="1200">
-                <a:solidFill>
-                  <a:schemeClr val="tx1"/>
-                </a:solidFill>
-                <a:latin typeface="+mn-lt"/>
-                <a:ea typeface="+mn-ea"/>
-                <a:cs typeface="+mn-cs"/>
-              </a:defRPr>
-            </a:lvl4pPr>
-            <a:lvl5pPr marL="2057400" indent="-228600" algn="l" defTabSz="914400" rtl="0" eaLnBrk="1" latinLnBrk="0" hangingPunct="1">
-              <a:lnSpc>
-                <a:spcPct val="90000"/>
-              </a:lnSpc>
-              <a:spcBef>
-                <a:spcPts val="500"/>
-              </a:spcBef>
-              <a:buFont typeface="Arial" panose="020B0604020202020204" pitchFamily="34" charset="0"/>
-              <a:buChar char="•"/>
-              <a:defRPr sz="1600" kern="1200">
-                <a:solidFill>
-                  <a:schemeClr val="tx1"/>
-                </a:solidFill>
-                <a:latin typeface="+mn-lt"/>
-                <a:ea typeface="+mn-ea"/>
-                <a:cs typeface="+mn-cs"/>
-              </a:defRPr>
-            </a:lvl5pPr>
-            <a:lvl6pPr marL="2514600" indent="-228600" algn="l" defTabSz="914400" rtl="0" eaLnBrk="1" latinLnBrk="0" hangingPunct="1">
-              <a:lnSpc>
-                <a:spcPct val="90000"/>
-              </a:lnSpc>
-              <a:spcBef>
-                <a:spcPts val="500"/>
-              </a:spcBef>
-              <a:buFont typeface="Arial" panose="020B0604020202020204" pitchFamily="34" charset="0"/>
-              <a:buChar char="•"/>
-              <a:defRPr sz="1600" kern="1200">
-                <a:solidFill>
-                  <a:schemeClr val="tx1"/>
-                </a:solidFill>
-                <a:latin typeface="+mn-lt"/>
-                <a:ea typeface="+mn-ea"/>
-                <a:cs typeface="+mn-cs"/>
-              </a:defRPr>
-            </a:lvl6pPr>
-            <a:lvl7pPr marL="2971800" indent="-228600" algn="l" defTabSz="914400" rtl="0" eaLnBrk="1" latinLnBrk="0" hangingPunct="1">
-              <a:lnSpc>
-                <a:spcPct val="90000"/>
-              </a:lnSpc>
-              <a:spcBef>
-                <a:spcPts val="500"/>
-              </a:spcBef>
-              <a:buFont typeface="Arial" panose="020B0604020202020204" pitchFamily="34" charset="0"/>
-              <a:buChar char="•"/>
-              <a:defRPr sz="1600" kern="1200">
-                <a:solidFill>
-                  <a:schemeClr val="tx1"/>
-                </a:solidFill>
-                <a:latin typeface="+mn-lt"/>
-                <a:ea typeface="+mn-ea"/>
-                <a:cs typeface="+mn-cs"/>
-              </a:defRPr>
-            </a:lvl7pPr>
-            <a:lvl8pPr marL="3429000" indent="-228600" algn="l" defTabSz="914400" rtl="0" eaLnBrk="1" latinLnBrk="0" hangingPunct="1">
-              <a:lnSpc>
-                <a:spcPct val="90000"/>
-              </a:lnSpc>
-              <a:spcBef>
-                <a:spcPts val="500"/>
-              </a:spcBef>
-              <a:buFont typeface="Arial" panose="020B0604020202020204" pitchFamily="34" charset="0"/>
-              <a:buChar char="•"/>
-              <a:defRPr sz="1600" kern="1200">
-                <a:solidFill>
-                  <a:schemeClr val="tx1"/>
-                </a:solidFill>
-                <a:latin typeface="+mn-lt"/>
-                <a:ea typeface="+mn-ea"/>
-                <a:cs typeface="+mn-cs"/>
-              </a:defRPr>
-            </a:lvl8pPr>
-            <a:lvl9pPr marL="3886200" indent="-228600" algn="l" defTabSz="914400" rtl="0" eaLnBrk="1" latinLnBrk="0" hangingPunct="1">
-              <a:lnSpc>
-                <a:spcPct val="90000"/>
-              </a:lnSpc>
-              <a:spcBef>
-                <a:spcPts val="500"/>
-              </a:spcBef>
-              <a:buFont typeface="Arial" panose="020B0604020202020204" pitchFamily="34" charset="0"/>
-              <a:buChar char="•"/>
-              <a:defRPr sz="1600" kern="1200">
-                <a:solidFill>
-                  <a:schemeClr val="tx1"/>
-                </a:solidFill>
-                <a:latin typeface="+mn-lt"/>
-                <a:ea typeface="+mn-ea"/>
-                <a:cs typeface="+mn-cs"/>
-              </a:defRPr>
-            </a:lvl9pPr>
-          </a:lstStyle>
-          <a:p>
-            <a:r>
-              <a:rPr lang="en-US" sz="2000" dirty="0"/>
-              <a:t>The different neighbors in these cities can be allocated to each of the cluster identified, except cluster 1.</a:t>
-            </a:r>
-          </a:p>
-        </p:txBody>
-      </p:sp>
-      <p:graphicFrame>
-        <p:nvGraphicFramePr>
-          <p:cNvPr id="3" name="Table 2">
-            <a:extLst>
-              <a:ext uri="{FF2B5EF4-FFF2-40B4-BE49-F238E27FC236}">
-                <a16:creationId xmlns:a16="http://schemas.microsoft.com/office/drawing/2014/main" id="{613BB8FA-F7DF-8F4F-8F50-066DC07B85FF}"/>
-              </a:ext>
-            </a:extLst>
-          </p:cNvPr>
-          <p:cNvGraphicFramePr>
-            <a:graphicFrameLocks noGrp="1"/>
-          </p:cNvGraphicFramePr>
-          <p:nvPr>
-            <p:extLst>
-              <p:ext uri="{D42A27DB-BD31-4B8C-83A1-F6EECF244321}">
-                <p14:modId xmlns:p14="http://schemas.microsoft.com/office/powerpoint/2010/main" val="2508814897"/>
-              </p:ext>
-            </p:extLst>
-          </p:nvPr>
-        </p:nvGraphicFramePr>
-        <p:xfrm>
-          <a:off x="198720" y="1322212"/>
-          <a:ext cx="9070066" cy="5398630"/>
-        </p:xfrm>
-        <a:graphic>
-          <a:graphicData uri="http://schemas.openxmlformats.org/drawingml/2006/table">
-            <a:tbl>
-              <a:tblPr firstRow="1" firstCol="1" bandRow="1">
-                <a:tableStyleId>{5C22544A-7EE6-4342-B048-85BDC9FD1C3A}</a:tableStyleId>
-              </a:tblPr>
-              <a:tblGrid>
-                <a:gridCol w="895192">
-                  <a:extLst>
-                    <a:ext uri="{9D8B030D-6E8A-4147-A177-3AD203B41FA5}">
-                      <a16:colId xmlns:a16="http://schemas.microsoft.com/office/drawing/2014/main" val="2259799338"/>
-                    </a:ext>
-                  </a:extLst>
-                </a:gridCol>
-                <a:gridCol w="908824">
-                  <a:extLst>
-                    <a:ext uri="{9D8B030D-6E8A-4147-A177-3AD203B41FA5}">
-                      <a16:colId xmlns:a16="http://schemas.microsoft.com/office/drawing/2014/main" val="3976916767"/>
-                    </a:ext>
-                  </a:extLst>
-                </a:gridCol>
-                <a:gridCol w="989709">
-                  <a:extLst>
-                    <a:ext uri="{9D8B030D-6E8A-4147-A177-3AD203B41FA5}">
-                      <a16:colId xmlns:a16="http://schemas.microsoft.com/office/drawing/2014/main" val="1760998009"/>
-                    </a:ext>
-                  </a:extLst>
-                </a:gridCol>
-                <a:gridCol w="949721">
-                  <a:extLst>
-                    <a:ext uri="{9D8B030D-6E8A-4147-A177-3AD203B41FA5}">
-                      <a16:colId xmlns:a16="http://schemas.microsoft.com/office/drawing/2014/main" val="337458181"/>
-                    </a:ext>
-                  </a:extLst>
-                </a:gridCol>
-                <a:gridCol w="904154">
-                  <a:extLst>
-                    <a:ext uri="{9D8B030D-6E8A-4147-A177-3AD203B41FA5}">
-                      <a16:colId xmlns:a16="http://schemas.microsoft.com/office/drawing/2014/main" val="3165920202"/>
-                    </a:ext>
-                  </a:extLst>
-                </a:gridCol>
-                <a:gridCol w="982980">
-                  <a:extLst>
-                    <a:ext uri="{9D8B030D-6E8A-4147-A177-3AD203B41FA5}">
-                      <a16:colId xmlns:a16="http://schemas.microsoft.com/office/drawing/2014/main" val="2006675702"/>
-                    </a:ext>
-                  </a:extLst>
-                </a:gridCol>
-                <a:gridCol w="893869">
-                  <a:extLst>
-                    <a:ext uri="{9D8B030D-6E8A-4147-A177-3AD203B41FA5}">
-                      <a16:colId xmlns:a16="http://schemas.microsoft.com/office/drawing/2014/main" val="2755460250"/>
-                    </a:ext>
-                  </a:extLst>
-                </a:gridCol>
-                <a:gridCol w="889211">
-                  <a:extLst>
-                    <a:ext uri="{9D8B030D-6E8A-4147-A177-3AD203B41FA5}">
-                      <a16:colId xmlns:a16="http://schemas.microsoft.com/office/drawing/2014/main" val="1351955059"/>
-                    </a:ext>
-                  </a:extLst>
-                </a:gridCol>
-                <a:gridCol w="868680">
-                  <a:extLst>
-                    <a:ext uri="{9D8B030D-6E8A-4147-A177-3AD203B41FA5}">
-                      <a16:colId xmlns:a16="http://schemas.microsoft.com/office/drawing/2014/main" val="581508470"/>
-                    </a:ext>
-                  </a:extLst>
-                </a:gridCol>
-                <a:gridCol w="787726">
-                  <a:extLst>
-                    <a:ext uri="{9D8B030D-6E8A-4147-A177-3AD203B41FA5}">
-                      <a16:colId xmlns:a16="http://schemas.microsoft.com/office/drawing/2014/main" val="3632632934"/>
-                    </a:ext>
-                  </a:extLst>
-                </a:gridCol>
-              </a:tblGrid>
-              <a:tr h="402596">
-                <a:tc>
-                  <a:txBody>
-                    <a:bodyPr/>
-                    <a:lstStyle/>
-                    <a:p>
-                      <a:pPr marL="0" marR="0" algn="ctr">
-                        <a:spcBef>
-                          <a:spcPts val="0"/>
-                        </a:spcBef>
-                        <a:spcAft>
-                          <a:spcPts val="0"/>
-                        </a:spcAft>
-                      </a:pPr>
-                      <a:r>
-                        <a:rPr lang="en-US" sz="1000" dirty="0">
-                          <a:effectLst/>
-                        </a:rPr>
-                        <a:t>Neighborhood</a:t>
-                      </a:r>
-                      <a:endParaRPr lang="en-US" sz="1200" dirty="0">
-                        <a:effectLst/>
-                        <a:latin typeface="Times New Roman" panose="02020603050405020304" pitchFamily="18" charset="0"/>
-                        <a:ea typeface="Times New Roman" panose="02020603050405020304" pitchFamily="18" charset="0"/>
-                        <a:cs typeface="Times New Roman" panose="02020603050405020304" pitchFamily="18" charset="0"/>
-                      </a:endParaRPr>
-                    </a:p>
-                  </a:txBody>
-                  <a:tcPr marL="59359" marR="59359" marT="0" marB="0" anchor="ctr"/>
-                </a:tc>
-                <a:tc>
-                  <a:txBody>
-                    <a:bodyPr/>
-                    <a:lstStyle/>
-                    <a:p>
-                      <a:pPr marL="0" marR="0" algn="ctr">
-                        <a:spcBef>
-                          <a:spcPts val="0"/>
-                        </a:spcBef>
-                        <a:spcAft>
-                          <a:spcPts val="0"/>
-                        </a:spcAft>
-                      </a:pPr>
-                      <a:r>
-                        <a:rPr lang="en-US" sz="1000" dirty="0">
-                          <a:effectLst/>
-                        </a:rPr>
-                        <a:t>Evergreen</a:t>
-                      </a:r>
-                      <a:endParaRPr lang="en-US" sz="1200" dirty="0">
-                        <a:effectLst/>
-                        <a:latin typeface="Times New Roman" panose="02020603050405020304" pitchFamily="18" charset="0"/>
-                        <a:ea typeface="Times New Roman" panose="02020603050405020304" pitchFamily="18" charset="0"/>
-                        <a:cs typeface="Times New Roman" panose="02020603050405020304" pitchFamily="18" charset="0"/>
-                      </a:endParaRPr>
-                    </a:p>
-                  </a:txBody>
-                  <a:tcPr marL="59359" marR="59359" marT="0" marB="0" anchor="ctr"/>
-                </a:tc>
-                <a:tc>
-                  <a:txBody>
-                    <a:bodyPr/>
-                    <a:lstStyle/>
-                    <a:p>
-                      <a:pPr marL="0" marR="0" algn="ctr">
-                        <a:spcBef>
-                          <a:spcPts val="0"/>
-                        </a:spcBef>
-                        <a:spcAft>
-                          <a:spcPts val="0"/>
-                        </a:spcAft>
-                      </a:pPr>
-                      <a:r>
-                        <a:rPr lang="en-US" sz="1000" dirty="0">
-                          <a:effectLst/>
-                        </a:rPr>
-                        <a:t>Adelaide</a:t>
-                      </a:r>
-                      <a:endParaRPr lang="en-US" sz="1200" dirty="0">
-                        <a:effectLst/>
-                        <a:latin typeface="Times New Roman" panose="02020603050405020304" pitchFamily="18" charset="0"/>
-                        <a:ea typeface="Times New Roman" panose="02020603050405020304" pitchFamily="18" charset="0"/>
-                        <a:cs typeface="Times New Roman" panose="02020603050405020304" pitchFamily="18" charset="0"/>
-                      </a:endParaRPr>
-                    </a:p>
-                  </a:txBody>
-                  <a:tcPr marL="59359" marR="59359" marT="0" marB="0" anchor="ctr"/>
-                </a:tc>
-                <a:tc>
-                  <a:txBody>
-                    <a:bodyPr/>
-                    <a:lstStyle/>
-                    <a:p>
-                      <a:pPr marL="0" marR="0" algn="ctr">
-                        <a:spcBef>
-                          <a:spcPts val="0"/>
-                        </a:spcBef>
-                        <a:spcAft>
-                          <a:spcPts val="0"/>
-                        </a:spcAft>
-                      </a:pPr>
-                      <a:r>
-                        <a:rPr lang="en-US" sz="1000" dirty="0">
-                          <a:effectLst/>
-                        </a:rPr>
-                        <a:t>Mayfair</a:t>
-                      </a:r>
-                      <a:endParaRPr lang="en-US" sz="1200" dirty="0">
-                        <a:effectLst/>
-                        <a:latin typeface="Times New Roman" panose="02020603050405020304" pitchFamily="18" charset="0"/>
-                        <a:ea typeface="Times New Roman" panose="02020603050405020304" pitchFamily="18" charset="0"/>
-                        <a:cs typeface="Times New Roman" panose="02020603050405020304" pitchFamily="18" charset="0"/>
-                      </a:endParaRPr>
-                    </a:p>
-                  </a:txBody>
-                  <a:tcPr marL="59359" marR="59359" marT="0" marB="0" anchor="ctr"/>
-                </a:tc>
-                <a:tc>
-                  <a:txBody>
-                    <a:bodyPr/>
-                    <a:lstStyle/>
-                    <a:p>
-                      <a:pPr marL="0" marR="0" algn="ctr">
-                        <a:spcBef>
-                          <a:spcPts val="0"/>
-                        </a:spcBef>
-                        <a:spcAft>
-                          <a:spcPts val="0"/>
-                        </a:spcAft>
-                      </a:pPr>
-                      <a:r>
-                        <a:rPr lang="en-US" sz="1000">
-                          <a:effectLst/>
-                        </a:rPr>
-                        <a:t>Lakeview</a:t>
-                      </a:r>
-                      <a:endParaRPr lang="en-US" sz="1200">
-                        <a:effectLst/>
-                        <a:latin typeface="Times New Roman" panose="02020603050405020304" pitchFamily="18" charset="0"/>
-                        <a:ea typeface="Times New Roman" panose="02020603050405020304" pitchFamily="18" charset="0"/>
-                        <a:cs typeface="Times New Roman" panose="02020603050405020304" pitchFamily="18" charset="0"/>
-                      </a:endParaRPr>
-                    </a:p>
-                  </a:txBody>
-                  <a:tcPr marL="59359" marR="59359" marT="0" marB="0" anchor="ctr"/>
-                </a:tc>
-                <a:tc>
-                  <a:txBody>
-                    <a:bodyPr/>
-                    <a:lstStyle/>
-                    <a:p>
-                      <a:pPr marL="0" marR="0" algn="ctr">
-                        <a:spcBef>
-                          <a:spcPts val="0"/>
-                        </a:spcBef>
-                        <a:spcAft>
-                          <a:spcPts val="0"/>
-                        </a:spcAft>
-                      </a:pPr>
-                      <a:r>
-                        <a:rPr lang="en-US" sz="1000" dirty="0">
-                          <a:effectLst/>
-                        </a:rPr>
-                        <a:t>Centerville</a:t>
-                      </a:r>
-                      <a:endParaRPr lang="en-US" sz="1200" dirty="0">
-                        <a:effectLst/>
-                        <a:latin typeface="Times New Roman" panose="02020603050405020304" pitchFamily="18" charset="0"/>
-                        <a:ea typeface="Times New Roman" panose="02020603050405020304" pitchFamily="18" charset="0"/>
-                        <a:cs typeface="Times New Roman" panose="02020603050405020304" pitchFamily="18" charset="0"/>
-                      </a:endParaRPr>
-                    </a:p>
-                  </a:txBody>
-                  <a:tcPr marL="59359" marR="59359" marT="0" marB="0" anchor="ctr"/>
-                </a:tc>
-                <a:tc>
-                  <a:txBody>
-                    <a:bodyPr/>
-                    <a:lstStyle/>
-                    <a:p>
-                      <a:pPr marL="0" marR="0" algn="ctr">
-                        <a:spcBef>
-                          <a:spcPts val="0"/>
-                        </a:spcBef>
-                        <a:spcAft>
-                          <a:spcPts val="0"/>
-                        </a:spcAft>
-                      </a:pPr>
-                      <a:r>
-                        <a:rPr lang="en-US" sz="1000">
-                          <a:effectLst/>
-                        </a:rPr>
-                        <a:t>Niles</a:t>
-                      </a:r>
-                      <a:endParaRPr lang="en-US" sz="1200">
-                        <a:effectLst/>
-                        <a:latin typeface="Times New Roman" panose="02020603050405020304" pitchFamily="18" charset="0"/>
-                        <a:ea typeface="Times New Roman" panose="02020603050405020304" pitchFamily="18" charset="0"/>
-                        <a:cs typeface="Times New Roman" panose="02020603050405020304" pitchFamily="18" charset="0"/>
-                      </a:endParaRPr>
-                    </a:p>
-                  </a:txBody>
-                  <a:tcPr marL="59359" marR="59359" marT="0" marB="0" anchor="ctr"/>
-                </a:tc>
-                <a:tc>
-                  <a:txBody>
-                    <a:bodyPr/>
-                    <a:lstStyle/>
-                    <a:p>
-                      <a:pPr marL="0" marR="0" algn="ctr">
-                        <a:spcBef>
-                          <a:spcPts val="0"/>
-                        </a:spcBef>
-                        <a:spcAft>
-                          <a:spcPts val="0"/>
-                        </a:spcAft>
-                      </a:pPr>
-                      <a:r>
-                        <a:rPr lang="en-US" sz="1000" dirty="0">
-                          <a:effectLst/>
-                        </a:rPr>
-                        <a:t>Irvington</a:t>
-                      </a:r>
-                      <a:endParaRPr lang="en-US" sz="1200" dirty="0">
-                        <a:effectLst/>
-                        <a:latin typeface="Times New Roman" panose="02020603050405020304" pitchFamily="18" charset="0"/>
-                        <a:ea typeface="Times New Roman" panose="02020603050405020304" pitchFamily="18" charset="0"/>
-                        <a:cs typeface="Times New Roman" panose="02020603050405020304" pitchFamily="18" charset="0"/>
-                      </a:endParaRPr>
-                    </a:p>
-                  </a:txBody>
-                  <a:tcPr marL="59359" marR="59359" marT="0" marB="0" anchor="ctr"/>
-                </a:tc>
-                <a:tc>
-                  <a:txBody>
-                    <a:bodyPr/>
-                    <a:lstStyle/>
-                    <a:p>
-                      <a:pPr marL="0" marR="0" algn="ctr">
-                        <a:spcBef>
-                          <a:spcPts val="0"/>
-                        </a:spcBef>
-                        <a:spcAft>
-                          <a:spcPts val="0"/>
-                        </a:spcAft>
-                      </a:pPr>
-                      <a:r>
-                        <a:rPr lang="en-US" sz="1000" dirty="0">
-                          <a:effectLst/>
-                        </a:rPr>
-                        <a:t>Warm Springs</a:t>
-                      </a:r>
-                      <a:endParaRPr lang="en-US" sz="1200" dirty="0">
-                        <a:effectLst/>
-                        <a:latin typeface="Times New Roman" panose="02020603050405020304" pitchFamily="18" charset="0"/>
-                        <a:ea typeface="Times New Roman" panose="02020603050405020304" pitchFamily="18" charset="0"/>
-                        <a:cs typeface="Times New Roman" panose="02020603050405020304" pitchFamily="18" charset="0"/>
-                      </a:endParaRPr>
-                    </a:p>
-                  </a:txBody>
-                  <a:tcPr marL="59359" marR="59359" marT="0" marB="0" anchor="ctr"/>
-                </a:tc>
-                <a:tc>
-                  <a:txBody>
-                    <a:bodyPr/>
-                    <a:lstStyle/>
-                    <a:p>
-                      <a:pPr marL="0" marR="0" algn="ctr">
-                        <a:spcBef>
-                          <a:spcPts val="0"/>
-                        </a:spcBef>
-                        <a:spcAft>
-                          <a:spcPts val="0"/>
-                        </a:spcAft>
-                      </a:pPr>
-                      <a:r>
-                        <a:rPr lang="en-US" sz="1000" dirty="0">
-                          <a:effectLst/>
-                        </a:rPr>
-                        <a:t>Mission San Jose</a:t>
-                      </a:r>
-                      <a:endParaRPr lang="en-US" sz="1200" dirty="0">
-                        <a:effectLst/>
-                        <a:latin typeface="Times New Roman" panose="02020603050405020304" pitchFamily="18" charset="0"/>
-                        <a:ea typeface="Times New Roman" panose="02020603050405020304" pitchFamily="18" charset="0"/>
-                        <a:cs typeface="Times New Roman" panose="02020603050405020304" pitchFamily="18" charset="0"/>
-                      </a:endParaRPr>
-                    </a:p>
-                  </a:txBody>
-                  <a:tcPr marL="59359" marR="59359" marT="0" marB="0" anchor="ctr"/>
-                </a:tc>
-                <a:extLst>
-                  <a:ext uri="{0D108BD9-81ED-4DB2-BD59-A6C34878D82A}">
-                    <a16:rowId xmlns:a16="http://schemas.microsoft.com/office/drawing/2014/main" val="2854959064"/>
-                  </a:ext>
-                </a:extLst>
-              </a:tr>
-              <a:tr h="256207">
-                <a:tc>
-                  <a:txBody>
-                    <a:bodyPr/>
-                    <a:lstStyle/>
-                    <a:p>
-                      <a:pPr marL="0" marR="0" algn="ctr">
-                        <a:spcBef>
-                          <a:spcPts val="0"/>
-                        </a:spcBef>
-                        <a:spcAft>
-                          <a:spcPts val="0"/>
-                        </a:spcAft>
-                      </a:pPr>
-                      <a:r>
-                        <a:rPr lang="en-US" sz="800" dirty="0">
-                          <a:effectLst/>
-                        </a:rPr>
-                        <a:t>City</a:t>
-                      </a:r>
-                      <a:endParaRPr lang="en-US" sz="1050" dirty="0">
-                        <a:effectLst/>
-                        <a:latin typeface="Times New Roman" panose="02020603050405020304" pitchFamily="18" charset="0"/>
-                        <a:ea typeface="Times New Roman" panose="02020603050405020304" pitchFamily="18" charset="0"/>
-                        <a:cs typeface="Times New Roman" panose="02020603050405020304" pitchFamily="18" charset="0"/>
-                      </a:endParaRPr>
-                    </a:p>
-                  </a:txBody>
-                  <a:tcPr marL="59359" marR="59359" marT="0" marB="0" anchor="ctr"/>
-                </a:tc>
-                <a:tc>
-                  <a:txBody>
-                    <a:bodyPr/>
-                    <a:lstStyle/>
-                    <a:p>
-                      <a:pPr marL="0" marR="0" algn="ctr" defTabSz="914400" rtl="0" eaLnBrk="1" latinLnBrk="0" hangingPunct="1">
-                        <a:spcBef>
-                          <a:spcPts val="0"/>
-                        </a:spcBef>
-                        <a:spcAft>
-                          <a:spcPts val="0"/>
-                        </a:spcAft>
-                      </a:pPr>
-                      <a:r>
-                        <a:rPr lang="en-US" sz="1000" b="1" kern="1200" dirty="0" err="1">
-                          <a:solidFill>
-                            <a:schemeClr val="lt1"/>
-                          </a:solidFill>
-                          <a:effectLst/>
-                          <a:latin typeface="+mn-lt"/>
-                          <a:ea typeface="+mn-ea"/>
-                          <a:cs typeface="+mn-cs"/>
-                        </a:rPr>
-                        <a:t>Saskatoon</a:t>
-                      </a:r>
-                      <a:endParaRPr lang="en-US" sz="1000" b="1" kern="1200" dirty="0">
-                        <a:solidFill>
-                          <a:schemeClr val="lt1"/>
-                        </a:solidFill>
-                        <a:effectLst/>
-                        <a:latin typeface="+mn-lt"/>
-                        <a:ea typeface="+mn-ea"/>
-                        <a:cs typeface="+mn-cs"/>
-                      </a:endParaRPr>
-                    </a:p>
-                  </a:txBody>
-                  <a:tcPr marL="59359" marR="59359" marT="0" marB="0" anchor="ctr">
-                    <a:solidFill>
-                      <a:srgbClr val="FF0000"/>
-                    </a:solidFill>
-                  </a:tcPr>
-                </a:tc>
-                <a:tc>
-                  <a:txBody>
-                    <a:bodyPr/>
-                    <a:lstStyle/>
-                    <a:p>
-                      <a:pPr marL="0" marR="0" algn="ctr" defTabSz="914400" rtl="0" eaLnBrk="1" latinLnBrk="0" hangingPunct="1">
-                        <a:spcBef>
-                          <a:spcPts val="0"/>
-                        </a:spcBef>
-                        <a:spcAft>
-                          <a:spcPts val="0"/>
-                        </a:spcAft>
-                      </a:pPr>
-                      <a:r>
-                        <a:rPr lang="en-US" sz="1000" b="1" kern="1200" dirty="0" err="1">
-                          <a:solidFill>
-                            <a:schemeClr val="lt1"/>
-                          </a:solidFill>
-                          <a:effectLst/>
-                          <a:latin typeface="+mn-lt"/>
-                          <a:ea typeface="+mn-ea"/>
-                          <a:cs typeface="+mn-cs"/>
-                        </a:rPr>
-                        <a:t>Saskatoon</a:t>
-                      </a:r>
-                      <a:endParaRPr lang="en-US" sz="1000" b="1" kern="1200" dirty="0">
-                        <a:solidFill>
-                          <a:schemeClr val="lt1"/>
-                        </a:solidFill>
-                        <a:effectLst/>
-                        <a:latin typeface="+mn-lt"/>
-                        <a:ea typeface="+mn-ea"/>
-                        <a:cs typeface="+mn-cs"/>
-                      </a:endParaRPr>
-                    </a:p>
-                  </a:txBody>
-                  <a:tcPr marL="59359" marR="59359" marT="0" marB="0" anchor="ctr">
-                    <a:solidFill>
-                      <a:srgbClr val="FF0000"/>
-                    </a:solidFill>
-                  </a:tcPr>
-                </a:tc>
-                <a:tc>
-                  <a:txBody>
-                    <a:bodyPr/>
-                    <a:lstStyle/>
-                    <a:p>
-                      <a:pPr marL="0" marR="0" algn="ctr" defTabSz="914400" rtl="0" eaLnBrk="1" latinLnBrk="0" hangingPunct="1">
-                        <a:spcBef>
-                          <a:spcPts val="0"/>
-                        </a:spcBef>
-                        <a:spcAft>
-                          <a:spcPts val="0"/>
-                        </a:spcAft>
-                      </a:pPr>
-                      <a:r>
-                        <a:rPr lang="en-US" sz="1000" b="1" kern="1200" dirty="0" err="1">
-                          <a:solidFill>
-                            <a:schemeClr val="lt1"/>
-                          </a:solidFill>
-                          <a:effectLst/>
-                          <a:latin typeface="+mn-lt"/>
-                          <a:ea typeface="+mn-ea"/>
-                          <a:cs typeface="+mn-cs"/>
-                        </a:rPr>
-                        <a:t>Saskatoon</a:t>
-                      </a:r>
-                      <a:endParaRPr lang="en-US" sz="1000" b="1" kern="1200" dirty="0">
-                        <a:solidFill>
-                          <a:schemeClr val="lt1"/>
-                        </a:solidFill>
-                        <a:effectLst/>
-                        <a:latin typeface="+mn-lt"/>
-                        <a:ea typeface="+mn-ea"/>
-                        <a:cs typeface="+mn-cs"/>
-                      </a:endParaRPr>
-                    </a:p>
-                  </a:txBody>
-                  <a:tcPr marL="59359" marR="59359" marT="0" marB="0" anchor="ctr">
-                    <a:solidFill>
-                      <a:srgbClr val="FF0000"/>
-                    </a:solidFill>
-                  </a:tcPr>
-                </a:tc>
-                <a:tc>
-                  <a:txBody>
-                    <a:bodyPr/>
-                    <a:lstStyle/>
-                    <a:p>
-                      <a:pPr marL="0" marR="0" algn="ctr" defTabSz="914400" rtl="0" eaLnBrk="1" latinLnBrk="0" hangingPunct="1">
-                        <a:spcBef>
-                          <a:spcPts val="0"/>
-                        </a:spcBef>
-                        <a:spcAft>
-                          <a:spcPts val="0"/>
-                        </a:spcAft>
-                      </a:pPr>
-                      <a:r>
-                        <a:rPr lang="en-US" sz="1000" b="1" kern="1200">
-                          <a:solidFill>
-                            <a:schemeClr val="lt1"/>
-                          </a:solidFill>
-                          <a:effectLst/>
-                          <a:latin typeface="+mn-lt"/>
-                          <a:ea typeface="+mn-ea"/>
-                          <a:cs typeface="+mn-cs"/>
-                        </a:rPr>
-                        <a:t>Saskatoon</a:t>
-                      </a:r>
-                    </a:p>
-                  </a:txBody>
-                  <a:tcPr marL="59359" marR="59359" marT="0" marB="0" anchor="ctr">
-                    <a:solidFill>
-                      <a:srgbClr val="FF0000"/>
-                    </a:solidFill>
-                  </a:tcPr>
-                </a:tc>
-                <a:tc>
-                  <a:txBody>
-                    <a:bodyPr/>
-                    <a:lstStyle/>
-                    <a:p>
-                      <a:pPr marL="0" marR="0" algn="ctr" defTabSz="914400" rtl="0" eaLnBrk="1" latinLnBrk="0" hangingPunct="1">
-                        <a:spcBef>
-                          <a:spcPts val="0"/>
-                        </a:spcBef>
-                        <a:spcAft>
-                          <a:spcPts val="0"/>
-                        </a:spcAft>
-                      </a:pPr>
-                      <a:r>
-                        <a:rPr lang="en-US" sz="1000" b="1" kern="1200">
-                          <a:solidFill>
-                            <a:schemeClr val="lt1"/>
-                          </a:solidFill>
-                          <a:effectLst/>
-                          <a:latin typeface="+mn-lt"/>
-                          <a:ea typeface="+mn-ea"/>
-                          <a:cs typeface="+mn-cs"/>
-                        </a:rPr>
-                        <a:t>Fremont</a:t>
-                      </a:r>
-                    </a:p>
-                  </a:txBody>
-                  <a:tcPr marL="59359" marR="59359" marT="0" marB="0" anchor="ctr">
-                    <a:solidFill>
-                      <a:srgbClr val="FF0000"/>
-                    </a:solidFill>
-                  </a:tcPr>
-                </a:tc>
-                <a:tc>
-                  <a:txBody>
-                    <a:bodyPr/>
-                    <a:lstStyle/>
-                    <a:p>
-                      <a:pPr marL="0" marR="0" algn="ctr" defTabSz="914400" rtl="0" eaLnBrk="1" latinLnBrk="0" hangingPunct="1">
-                        <a:spcBef>
-                          <a:spcPts val="0"/>
-                        </a:spcBef>
-                        <a:spcAft>
-                          <a:spcPts val="0"/>
-                        </a:spcAft>
-                      </a:pPr>
-                      <a:r>
-                        <a:rPr lang="en-US" sz="1000" b="1" kern="1200">
-                          <a:solidFill>
-                            <a:schemeClr val="lt1"/>
-                          </a:solidFill>
-                          <a:effectLst/>
-                          <a:latin typeface="+mn-lt"/>
-                          <a:ea typeface="+mn-ea"/>
-                          <a:cs typeface="+mn-cs"/>
-                        </a:rPr>
-                        <a:t>Fremont</a:t>
-                      </a:r>
-                    </a:p>
-                  </a:txBody>
-                  <a:tcPr marL="59359" marR="59359" marT="0" marB="0" anchor="ctr">
-                    <a:solidFill>
-                      <a:srgbClr val="FF0000"/>
-                    </a:solidFill>
-                  </a:tcPr>
-                </a:tc>
-                <a:tc>
-                  <a:txBody>
-                    <a:bodyPr/>
-                    <a:lstStyle/>
-                    <a:p>
-                      <a:pPr marL="0" marR="0" algn="ctr" defTabSz="914400" rtl="0" eaLnBrk="1" latinLnBrk="0" hangingPunct="1">
-                        <a:spcBef>
-                          <a:spcPts val="0"/>
-                        </a:spcBef>
-                        <a:spcAft>
-                          <a:spcPts val="0"/>
-                        </a:spcAft>
-                      </a:pPr>
-                      <a:r>
-                        <a:rPr lang="en-US" sz="1000" b="1" kern="1200" dirty="0">
-                          <a:solidFill>
-                            <a:schemeClr val="lt1"/>
-                          </a:solidFill>
-                          <a:effectLst/>
-                          <a:latin typeface="+mn-lt"/>
-                          <a:ea typeface="+mn-ea"/>
-                          <a:cs typeface="+mn-cs"/>
-                        </a:rPr>
-                        <a:t>Fremont</a:t>
-                      </a:r>
-                    </a:p>
-                  </a:txBody>
-                  <a:tcPr marL="59359" marR="59359" marT="0" marB="0" anchor="ctr">
-                    <a:solidFill>
-                      <a:srgbClr val="FF0000"/>
-                    </a:solidFill>
-                  </a:tcPr>
-                </a:tc>
-                <a:tc>
-                  <a:txBody>
-                    <a:bodyPr/>
-                    <a:lstStyle/>
-                    <a:p>
-                      <a:pPr marL="0" marR="0" algn="ctr" defTabSz="914400" rtl="0" eaLnBrk="1" latinLnBrk="0" hangingPunct="1">
-                        <a:spcBef>
-                          <a:spcPts val="0"/>
-                        </a:spcBef>
-                        <a:spcAft>
-                          <a:spcPts val="0"/>
-                        </a:spcAft>
-                      </a:pPr>
-                      <a:r>
-                        <a:rPr lang="en-US" sz="1000" b="1" kern="1200" dirty="0">
-                          <a:solidFill>
-                            <a:schemeClr val="lt1"/>
-                          </a:solidFill>
-                          <a:effectLst/>
-                          <a:latin typeface="+mn-lt"/>
-                          <a:ea typeface="+mn-ea"/>
-                          <a:cs typeface="+mn-cs"/>
-                        </a:rPr>
-                        <a:t>Fremont</a:t>
-                      </a:r>
-                    </a:p>
-                  </a:txBody>
-                  <a:tcPr marL="59359" marR="59359" marT="0" marB="0" anchor="ctr">
-                    <a:solidFill>
-                      <a:srgbClr val="FF0000"/>
-                    </a:solidFill>
-                  </a:tcPr>
-                </a:tc>
-                <a:tc>
-                  <a:txBody>
-                    <a:bodyPr/>
-                    <a:lstStyle/>
-                    <a:p>
-                      <a:pPr marL="0" marR="0" algn="ctr" defTabSz="914400" rtl="0" eaLnBrk="1" latinLnBrk="0" hangingPunct="1">
-                        <a:spcBef>
-                          <a:spcPts val="0"/>
-                        </a:spcBef>
-                        <a:spcAft>
-                          <a:spcPts val="0"/>
-                        </a:spcAft>
-                      </a:pPr>
-                      <a:r>
-                        <a:rPr lang="en-US" sz="1000" b="1" kern="1200" dirty="0">
-                          <a:solidFill>
-                            <a:schemeClr val="lt1"/>
-                          </a:solidFill>
-                          <a:effectLst/>
-                          <a:latin typeface="+mn-lt"/>
-                          <a:ea typeface="+mn-ea"/>
-                          <a:cs typeface="+mn-cs"/>
-                        </a:rPr>
-                        <a:t>Fremont</a:t>
-                      </a:r>
-                    </a:p>
-                  </a:txBody>
-                  <a:tcPr marL="59359" marR="59359" marT="0" marB="0" anchor="ctr">
-                    <a:solidFill>
-                      <a:srgbClr val="FF0000"/>
-                    </a:solidFill>
-                  </a:tcPr>
-                </a:tc>
-                <a:extLst>
-                  <a:ext uri="{0D108BD9-81ED-4DB2-BD59-A6C34878D82A}">
-                    <a16:rowId xmlns:a16="http://schemas.microsoft.com/office/drawing/2014/main" val="2401939187"/>
-                  </a:ext>
-                </a:extLst>
-              </a:tr>
-              <a:tr h="256207">
-                <a:tc>
-                  <a:txBody>
-                    <a:bodyPr/>
-                    <a:lstStyle/>
-                    <a:p>
-                      <a:pPr marL="0" marR="0" algn="ctr">
-                        <a:spcBef>
-                          <a:spcPts val="0"/>
-                        </a:spcBef>
-                        <a:spcAft>
-                          <a:spcPts val="0"/>
-                        </a:spcAft>
-                      </a:pPr>
-                      <a:r>
-                        <a:rPr lang="en-US" sz="800">
-                          <a:effectLst/>
-                        </a:rPr>
-                        <a:t>Cluster Labels</a:t>
-                      </a:r>
-                      <a:endParaRPr lang="en-US" sz="1050">
-                        <a:effectLst/>
-                        <a:latin typeface="Times New Roman" panose="02020603050405020304" pitchFamily="18" charset="0"/>
-                        <a:ea typeface="Times New Roman" panose="02020603050405020304" pitchFamily="18" charset="0"/>
-                        <a:cs typeface="Times New Roman" panose="02020603050405020304" pitchFamily="18" charset="0"/>
-                      </a:endParaRPr>
-                    </a:p>
-                  </a:txBody>
-                  <a:tcPr marL="59359" marR="59359" marT="0" marB="0" anchor="ctr"/>
-                </a:tc>
-                <a:tc>
-                  <a:txBody>
-                    <a:bodyPr/>
-                    <a:lstStyle/>
-                    <a:p>
-                      <a:pPr marL="0" marR="0" algn="ctr">
-                        <a:spcBef>
-                          <a:spcPts val="0"/>
-                        </a:spcBef>
-                        <a:spcAft>
-                          <a:spcPts val="0"/>
-                        </a:spcAft>
-                      </a:pPr>
-                      <a:r>
-                        <a:rPr lang="en-US" sz="1000">
-                          <a:effectLst/>
-                        </a:rPr>
-                        <a:t>3</a:t>
-                      </a:r>
-                      <a:endParaRPr lang="en-US" sz="1200">
-                        <a:effectLst/>
-                        <a:latin typeface="Times New Roman" panose="02020603050405020304" pitchFamily="18" charset="0"/>
-                        <a:ea typeface="Times New Roman" panose="02020603050405020304" pitchFamily="18" charset="0"/>
-                        <a:cs typeface="Times New Roman" panose="02020603050405020304" pitchFamily="18" charset="0"/>
-                      </a:endParaRPr>
-                    </a:p>
-                  </a:txBody>
-                  <a:tcPr marL="59359" marR="59359" marT="0" marB="0" anchor="ctr"/>
-                </a:tc>
-                <a:tc>
-                  <a:txBody>
-                    <a:bodyPr/>
-                    <a:lstStyle/>
-                    <a:p>
-                      <a:pPr marL="0" marR="0" algn="ctr">
-                        <a:spcBef>
-                          <a:spcPts val="0"/>
-                        </a:spcBef>
-                        <a:spcAft>
-                          <a:spcPts val="0"/>
-                        </a:spcAft>
-                      </a:pPr>
-                      <a:r>
-                        <a:rPr lang="en-US" sz="1000" dirty="0">
-                          <a:effectLst/>
-                        </a:rPr>
-                        <a:t>2</a:t>
-                      </a:r>
-                      <a:endParaRPr lang="en-US" sz="1200" dirty="0">
-                        <a:effectLst/>
-                        <a:latin typeface="Times New Roman" panose="02020603050405020304" pitchFamily="18" charset="0"/>
-                        <a:ea typeface="Times New Roman" panose="02020603050405020304" pitchFamily="18" charset="0"/>
-                        <a:cs typeface="Times New Roman" panose="02020603050405020304" pitchFamily="18" charset="0"/>
-                      </a:endParaRPr>
-                    </a:p>
-                  </a:txBody>
-                  <a:tcPr marL="59359" marR="59359" marT="0" marB="0" anchor="ctr"/>
-                </a:tc>
-                <a:tc>
-                  <a:txBody>
-                    <a:bodyPr/>
-                    <a:lstStyle/>
-                    <a:p>
-                      <a:pPr marL="0" marR="0" algn="ctr">
-                        <a:spcBef>
-                          <a:spcPts val="0"/>
-                        </a:spcBef>
-                        <a:spcAft>
-                          <a:spcPts val="0"/>
-                        </a:spcAft>
-                      </a:pPr>
-                      <a:r>
-                        <a:rPr lang="en-US" sz="1000">
-                          <a:effectLst/>
-                        </a:rPr>
-                        <a:t>0</a:t>
-                      </a:r>
-                      <a:endParaRPr lang="en-US" sz="1200">
-                        <a:effectLst/>
-                        <a:latin typeface="Times New Roman" panose="02020603050405020304" pitchFamily="18" charset="0"/>
-                        <a:ea typeface="Times New Roman" panose="02020603050405020304" pitchFamily="18" charset="0"/>
-                        <a:cs typeface="Times New Roman" panose="02020603050405020304" pitchFamily="18" charset="0"/>
-                      </a:endParaRPr>
-                    </a:p>
-                  </a:txBody>
-                  <a:tcPr marL="59359" marR="59359" marT="0" marB="0" anchor="ctr"/>
-                </a:tc>
-                <a:tc>
-                  <a:txBody>
-                    <a:bodyPr/>
-                    <a:lstStyle/>
-                    <a:p>
-                      <a:pPr marL="0" marR="0" algn="ctr">
-                        <a:spcBef>
-                          <a:spcPts val="0"/>
-                        </a:spcBef>
-                        <a:spcAft>
-                          <a:spcPts val="0"/>
-                        </a:spcAft>
-                      </a:pPr>
-                      <a:r>
-                        <a:rPr lang="en-US" sz="1000">
-                          <a:effectLst/>
-                        </a:rPr>
-                        <a:t>4</a:t>
-                      </a:r>
-                      <a:endParaRPr lang="en-US" sz="1200">
-                        <a:effectLst/>
-                        <a:latin typeface="Times New Roman" panose="02020603050405020304" pitchFamily="18" charset="0"/>
-                        <a:ea typeface="Times New Roman" panose="02020603050405020304" pitchFamily="18" charset="0"/>
-                        <a:cs typeface="Times New Roman" panose="02020603050405020304" pitchFamily="18" charset="0"/>
-                      </a:endParaRPr>
-                    </a:p>
-                  </a:txBody>
-                  <a:tcPr marL="59359" marR="59359" marT="0" marB="0" anchor="ctr"/>
-                </a:tc>
-                <a:tc>
-                  <a:txBody>
-                    <a:bodyPr/>
-                    <a:lstStyle/>
-                    <a:p>
-                      <a:pPr marL="0" marR="0" algn="ctr">
-                        <a:spcBef>
-                          <a:spcPts val="0"/>
-                        </a:spcBef>
-                        <a:spcAft>
-                          <a:spcPts val="0"/>
-                        </a:spcAft>
-                      </a:pPr>
-                      <a:r>
-                        <a:rPr lang="en-US" sz="1000">
-                          <a:effectLst/>
-                        </a:rPr>
-                        <a:t>3</a:t>
-                      </a:r>
-                      <a:endParaRPr lang="en-US" sz="1200">
-                        <a:effectLst/>
-                        <a:latin typeface="Times New Roman" panose="02020603050405020304" pitchFamily="18" charset="0"/>
-                        <a:ea typeface="Times New Roman" panose="02020603050405020304" pitchFamily="18" charset="0"/>
-                        <a:cs typeface="Times New Roman" panose="02020603050405020304" pitchFamily="18" charset="0"/>
-                      </a:endParaRPr>
-                    </a:p>
-                  </a:txBody>
-                  <a:tcPr marL="59359" marR="59359" marT="0" marB="0" anchor="ctr"/>
-                </a:tc>
-                <a:tc>
-                  <a:txBody>
-                    <a:bodyPr/>
-                    <a:lstStyle/>
-                    <a:p>
-                      <a:pPr marL="0" marR="0" algn="ctr">
-                        <a:spcBef>
-                          <a:spcPts val="0"/>
-                        </a:spcBef>
-                        <a:spcAft>
-                          <a:spcPts val="0"/>
-                        </a:spcAft>
-                      </a:pPr>
-                      <a:r>
-                        <a:rPr lang="en-US" sz="1000">
-                          <a:effectLst/>
-                        </a:rPr>
-                        <a:t>0</a:t>
-                      </a:r>
-                      <a:endParaRPr lang="en-US" sz="1200">
-                        <a:effectLst/>
-                        <a:latin typeface="Times New Roman" panose="02020603050405020304" pitchFamily="18" charset="0"/>
-                        <a:ea typeface="Times New Roman" panose="02020603050405020304" pitchFamily="18" charset="0"/>
-                        <a:cs typeface="Times New Roman" panose="02020603050405020304" pitchFamily="18" charset="0"/>
-                      </a:endParaRPr>
-                    </a:p>
-                  </a:txBody>
-                  <a:tcPr marL="59359" marR="59359" marT="0" marB="0" anchor="ctr"/>
-                </a:tc>
-                <a:tc>
-                  <a:txBody>
-                    <a:bodyPr/>
-                    <a:lstStyle/>
-                    <a:p>
-                      <a:pPr marL="0" marR="0" algn="ctr">
-                        <a:spcBef>
-                          <a:spcPts val="0"/>
-                        </a:spcBef>
-                        <a:spcAft>
-                          <a:spcPts val="0"/>
-                        </a:spcAft>
-                      </a:pPr>
-                      <a:r>
-                        <a:rPr lang="en-US" sz="1000">
-                          <a:effectLst/>
-                        </a:rPr>
-                        <a:t>4</a:t>
-                      </a:r>
-                      <a:endParaRPr lang="en-US" sz="1200">
-                        <a:effectLst/>
-                        <a:latin typeface="Times New Roman" panose="02020603050405020304" pitchFamily="18" charset="0"/>
-                        <a:ea typeface="Times New Roman" panose="02020603050405020304" pitchFamily="18" charset="0"/>
-                        <a:cs typeface="Times New Roman" panose="02020603050405020304" pitchFamily="18" charset="0"/>
-                      </a:endParaRPr>
-                    </a:p>
-                  </a:txBody>
-                  <a:tcPr marL="59359" marR="59359" marT="0" marB="0" anchor="ctr"/>
-                </a:tc>
-                <a:tc>
-                  <a:txBody>
-                    <a:bodyPr/>
-                    <a:lstStyle/>
-                    <a:p>
-                      <a:pPr marL="0" marR="0" algn="ctr">
-                        <a:spcBef>
-                          <a:spcPts val="0"/>
-                        </a:spcBef>
-                        <a:spcAft>
-                          <a:spcPts val="0"/>
-                        </a:spcAft>
-                      </a:pPr>
-                      <a:r>
-                        <a:rPr lang="en-US" sz="1000">
-                          <a:effectLst/>
-                        </a:rPr>
-                        <a:t>2</a:t>
-                      </a:r>
-                      <a:endParaRPr lang="en-US" sz="1200">
-                        <a:effectLst/>
-                        <a:latin typeface="Times New Roman" panose="02020603050405020304" pitchFamily="18" charset="0"/>
-                        <a:ea typeface="Times New Roman" panose="02020603050405020304" pitchFamily="18" charset="0"/>
-                        <a:cs typeface="Times New Roman" panose="02020603050405020304" pitchFamily="18" charset="0"/>
-                      </a:endParaRPr>
-                    </a:p>
-                  </a:txBody>
-                  <a:tcPr marL="59359" marR="59359" marT="0" marB="0" anchor="ctr"/>
-                </a:tc>
-                <a:tc>
-                  <a:txBody>
-                    <a:bodyPr/>
-                    <a:lstStyle/>
-                    <a:p>
-                      <a:pPr marL="0" marR="0" algn="ctr">
-                        <a:spcBef>
-                          <a:spcPts val="0"/>
-                        </a:spcBef>
-                        <a:spcAft>
-                          <a:spcPts val="0"/>
-                        </a:spcAft>
-                      </a:pPr>
-                      <a:r>
-                        <a:rPr lang="en-US" sz="1000" dirty="0">
-                          <a:effectLst/>
-                        </a:rPr>
-                        <a:t>1</a:t>
-                      </a:r>
-                      <a:endParaRPr lang="en-US" sz="1200" dirty="0">
-                        <a:effectLst/>
-                        <a:latin typeface="Times New Roman" panose="02020603050405020304" pitchFamily="18" charset="0"/>
-                        <a:ea typeface="Times New Roman" panose="02020603050405020304" pitchFamily="18" charset="0"/>
-                        <a:cs typeface="Times New Roman" panose="02020603050405020304" pitchFamily="18" charset="0"/>
-                      </a:endParaRPr>
-                    </a:p>
-                  </a:txBody>
-                  <a:tcPr marL="59359" marR="59359" marT="0" marB="0" anchor="ctr"/>
-                </a:tc>
-                <a:extLst>
-                  <a:ext uri="{0D108BD9-81ED-4DB2-BD59-A6C34878D82A}">
-                    <a16:rowId xmlns:a16="http://schemas.microsoft.com/office/drawing/2014/main" val="4088617504"/>
-                  </a:ext>
-                </a:extLst>
-              </a:tr>
-              <a:tr h="384310">
-                <a:tc>
-                  <a:txBody>
-                    <a:bodyPr/>
-                    <a:lstStyle/>
-                    <a:p>
-                      <a:pPr marL="0" marR="0" algn="ctr">
-                        <a:spcBef>
-                          <a:spcPts val="0"/>
-                        </a:spcBef>
-                        <a:spcAft>
-                          <a:spcPts val="0"/>
-                        </a:spcAft>
-                      </a:pPr>
-                      <a:r>
-                        <a:rPr lang="en-US" sz="800">
-                          <a:effectLst/>
-                        </a:rPr>
-                        <a:t>1st Most Common Venue</a:t>
-                      </a:r>
-                      <a:endParaRPr lang="en-US" sz="1050">
-                        <a:effectLst/>
-                        <a:latin typeface="Times New Roman" panose="02020603050405020304" pitchFamily="18" charset="0"/>
-                        <a:ea typeface="Times New Roman" panose="02020603050405020304" pitchFamily="18" charset="0"/>
-                        <a:cs typeface="Times New Roman" panose="02020603050405020304" pitchFamily="18" charset="0"/>
-                      </a:endParaRPr>
-                    </a:p>
-                  </a:txBody>
-                  <a:tcPr marL="59359" marR="59359" marT="0" marB="0" anchor="ctr"/>
-                </a:tc>
-                <a:tc>
-                  <a:txBody>
-                    <a:bodyPr/>
-                    <a:lstStyle/>
-                    <a:p>
-                      <a:pPr marL="0" marR="0" algn="ctr">
-                        <a:spcBef>
-                          <a:spcPts val="0"/>
-                        </a:spcBef>
-                        <a:spcAft>
-                          <a:spcPts val="0"/>
-                        </a:spcAft>
-                      </a:pPr>
-                      <a:r>
-                        <a:rPr lang="en-US" sz="1000">
-                          <a:effectLst/>
-                        </a:rPr>
-                        <a:t>Coffee Shop</a:t>
-                      </a:r>
-                      <a:endParaRPr lang="en-US" sz="1200">
-                        <a:effectLst/>
-                        <a:latin typeface="Times New Roman" panose="02020603050405020304" pitchFamily="18" charset="0"/>
-                        <a:ea typeface="Times New Roman" panose="02020603050405020304" pitchFamily="18" charset="0"/>
-                        <a:cs typeface="Times New Roman" panose="02020603050405020304" pitchFamily="18" charset="0"/>
-                      </a:endParaRPr>
-                    </a:p>
-                  </a:txBody>
-                  <a:tcPr marL="59359" marR="59359" marT="0" marB="0" anchor="ctr"/>
-                </a:tc>
-                <a:tc>
-                  <a:txBody>
-                    <a:bodyPr/>
-                    <a:lstStyle/>
-                    <a:p>
-                      <a:pPr marL="0" marR="0" algn="ctr">
-                        <a:spcBef>
-                          <a:spcPts val="0"/>
-                        </a:spcBef>
-                        <a:spcAft>
-                          <a:spcPts val="0"/>
-                        </a:spcAft>
-                      </a:pPr>
-                      <a:r>
-                        <a:rPr lang="en-US" sz="1000">
-                          <a:effectLst/>
-                        </a:rPr>
-                        <a:t>Pub</a:t>
-                      </a:r>
-                      <a:endParaRPr lang="en-US" sz="1200">
-                        <a:effectLst/>
-                        <a:latin typeface="Times New Roman" panose="02020603050405020304" pitchFamily="18" charset="0"/>
-                        <a:ea typeface="Times New Roman" panose="02020603050405020304" pitchFamily="18" charset="0"/>
-                        <a:cs typeface="Times New Roman" panose="02020603050405020304" pitchFamily="18" charset="0"/>
-                      </a:endParaRPr>
-                    </a:p>
-                  </a:txBody>
-                  <a:tcPr marL="59359" marR="59359" marT="0" marB="0" anchor="ctr"/>
-                </a:tc>
-                <a:tc>
-                  <a:txBody>
-                    <a:bodyPr/>
-                    <a:lstStyle/>
-                    <a:p>
-                      <a:pPr marL="0" marR="0" algn="ctr">
-                        <a:spcBef>
-                          <a:spcPts val="0"/>
-                        </a:spcBef>
-                        <a:spcAft>
-                          <a:spcPts val="0"/>
-                        </a:spcAft>
-                      </a:pPr>
-                      <a:r>
-                        <a:rPr lang="en-US" sz="1000">
-                          <a:effectLst/>
-                        </a:rPr>
-                        <a:t>Hotel</a:t>
-                      </a:r>
-                      <a:endParaRPr lang="en-US" sz="1200">
-                        <a:effectLst/>
-                        <a:latin typeface="Times New Roman" panose="02020603050405020304" pitchFamily="18" charset="0"/>
-                        <a:ea typeface="Times New Roman" panose="02020603050405020304" pitchFamily="18" charset="0"/>
-                        <a:cs typeface="Times New Roman" panose="02020603050405020304" pitchFamily="18" charset="0"/>
-                      </a:endParaRPr>
-                    </a:p>
-                  </a:txBody>
-                  <a:tcPr marL="59359" marR="59359" marT="0" marB="0" anchor="ctr"/>
-                </a:tc>
-                <a:tc>
-                  <a:txBody>
-                    <a:bodyPr/>
-                    <a:lstStyle/>
-                    <a:p>
-                      <a:pPr marL="0" marR="0" algn="ctr">
-                        <a:spcBef>
-                          <a:spcPts val="0"/>
-                        </a:spcBef>
-                        <a:spcAft>
-                          <a:spcPts val="0"/>
-                        </a:spcAft>
-                      </a:pPr>
-                      <a:r>
-                        <a:rPr lang="en-US" sz="1000">
-                          <a:effectLst/>
-                        </a:rPr>
-                        <a:t>Pub</a:t>
-                      </a:r>
-                      <a:endParaRPr lang="en-US" sz="1200">
-                        <a:effectLst/>
-                        <a:latin typeface="Times New Roman" panose="02020603050405020304" pitchFamily="18" charset="0"/>
-                        <a:ea typeface="Times New Roman" panose="02020603050405020304" pitchFamily="18" charset="0"/>
-                        <a:cs typeface="Times New Roman" panose="02020603050405020304" pitchFamily="18" charset="0"/>
-                      </a:endParaRPr>
-                    </a:p>
-                  </a:txBody>
-                  <a:tcPr marL="59359" marR="59359" marT="0" marB="0" anchor="ctr"/>
-                </a:tc>
-                <a:tc>
-                  <a:txBody>
-                    <a:bodyPr/>
-                    <a:lstStyle/>
-                    <a:p>
-                      <a:pPr marL="0" marR="0" algn="ctr">
-                        <a:spcBef>
-                          <a:spcPts val="0"/>
-                        </a:spcBef>
-                        <a:spcAft>
-                          <a:spcPts val="0"/>
-                        </a:spcAft>
-                      </a:pPr>
-                      <a:r>
-                        <a:rPr lang="en-US" sz="1000">
-                          <a:effectLst/>
-                        </a:rPr>
-                        <a:t>Coffee Shop</a:t>
-                      </a:r>
-                      <a:endParaRPr lang="en-US" sz="1200">
-                        <a:effectLst/>
-                        <a:latin typeface="Times New Roman" panose="02020603050405020304" pitchFamily="18" charset="0"/>
-                        <a:ea typeface="Times New Roman" panose="02020603050405020304" pitchFamily="18" charset="0"/>
-                        <a:cs typeface="Times New Roman" panose="02020603050405020304" pitchFamily="18" charset="0"/>
-                      </a:endParaRPr>
-                    </a:p>
-                  </a:txBody>
-                  <a:tcPr marL="59359" marR="59359" marT="0" marB="0" anchor="ctr"/>
-                </a:tc>
-                <a:tc>
-                  <a:txBody>
-                    <a:bodyPr/>
-                    <a:lstStyle/>
-                    <a:p>
-                      <a:pPr marL="0" marR="0" algn="ctr">
-                        <a:spcBef>
-                          <a:spcPts val="0"/>
-                        </a:spcBef>
-                        <a:spcAft>
-                          <a:spcPts val="0"/>
-                        </a:spcAft>
-                      </a:pPr>
-                      <a:r>
-                        <a:rPr lang="en-US" sz="1000">
-                          <a:effectLst/>
-                        </a:rPr>
-                        <a:t>Park</a:t>
-                      </a:r>
-                      <a:endParaRPr lang="en-US" sz="1200">
-                        <a:effectLst/>
-                        <a:latin typeface="Times New Roman" panose="02020603050405020304" pitchFamily="18" charset="0"/>
-                        <a:ea typeface="Times New Roman" panose="02020603050405020304" pitchFamily="18" charset="0"/>
-                        <a:cs typeface="Times New Roman" panose="02020603050405020304" pitchFamily="18" charset="0"/>
-                      </a:endParaRPr>
-                    </a:p>
-                  </a:txBody>
-                  <a:tcPr marL="59359" marR="59359" marT="0" marB="0" anchor="ctr"/>
-                </a:tc>
-                <a:tc>
-                  <a:txBody>
-                    <a:bodyPr/>
-                    <a:lstStyle/>
-                    <a:p>
-                      <a:pPr marL="0" marR="0" algn="ctr">
-                        <a:spcBef>
-                          <a:spcPts val="0"/>
-                        </a:spcBef>
-                        <a:spcAft>
-                          <a:spcPts val="0"/>
-                        </a:spcAft>
-                      </a:pPr>
-                      <a:r>
-                        <a:rPr lang="en-US" sz="1000">
-                          <a:effectLst/>
-                        </a:rPr>
-                        <a:t>Coffee Shop</a:t>
-                      </a:r>
-                      <a:endParaRPr lang="en-US" sz="1200">
-                        <a:effectLst/>
-                        <a:latin typeface="Times New Roman" panose="02020603050405020304" pitchFamily="18" charset="0"/>
-                        <a:ea typeface="Times New Roman" panose="02020603050405020304" pitchFamily="18" charset="0"/>
-                        <a:cs typeface="Times New Roman" panose="02020603050405020304" pitchFamily="18" charset="0"/>
-                      </a:endParaRPr>
-                    </a:p>
-                  </a:txBody>
-                  <a:tcPr marL="59359" marR="59359" marT="0" marB="0" anchor="ctr"/>
-                </a:tc>
-                <a:tc>
-                  <a:txBody>
-                    <a:bodyPr/>
-                    <a:lstStyle/>
-                    <a:p>
-                      <a:pPr marL="0" marR="0" algn="ctr">
-                        <a:spcBef>
-                          <a:spcPts val="0"/>
-                        </a:spcBef>
-                        <a:spcAft>
-                          <a:spcPts val="0"/>
-                        </a:spcAft>
-                      </a:pPr>
-                      <a:r>
-                        <a:rPr lang="en-US" sz="1000">
-                          <a:effectLst/>
-                        </a:rPr>
-                        <a:t>Coffee Shop</a:t>
-                      </a:r>
-                      <a:endParaRPr lang="en-US" sz="1200">
-                        <a:effectLst/>
-                        <a:latin typeface="Times New Roman" panose="02020603050405020304" pitchFamily="18" charset="0"/>
-                        <a:ea typeface="Times New Roman" panose="02020603050405020304" pitchFamily="18" charset="0"/>
-                        <a:cs typeface="Times New Roman" panose="02020603050405020304" pitchFamily="18" charset="0"/>
-                      </a:endParaRPr>
-                    </a:p>
-                  </a:txBody>
-                  <a:tcPr marL="59359" marR="59359" marT="0" marB="0" anchor="ctr"/>
-                </a:tc>
-                <a:tc>
-                  <a:txBody>
-                    <a:bodyPr/>
-                    <a:lstStyle/>
-                    <a:p>
-                      <a:pPr marL="0" marR="0" algn="ctr">
-                        <a:spcBef>
-                          <a:spcPts val="0"/>
-                        </a:spcBef>
-                        <a:spcAft>
-                          <a:spcPts val="0"/>
-                        </a:spcAft>
-                      </a:pPr>
-                      <a:r>
-                        <a:rPr lang="en-US" sz="1000">
-                          <a:effectLst/>
-                        </a:rPr>
-                        <a:t>Coffee Shop</a:t>
-                      </a:r>
-                      <a:endParaRPr lang="en-US" sz="1200">
-                        <a:effectLst/>
-                        <a:latin typeface="Times New Roman" panose="02020603050405020304" pitchFamily="18" charset="0"/>
-                        <a:ea typeface="Times New Roman" panose="02020603050405020304" pitchFamily="18" charset="0"/>
-                        <a:cs typeface="Times New Roman" panose="02020603050405020304" pitchFamily="18" charset="0"/>
-                      </a:endParaRPr>
-                    </a:p>
-                  </a:txBody>
-                  <a:tcPr marL="59359" marR="59359" marT="0" marB="0" anchor="ctr"/>
-                </a:tc>
-                <a:extLst>
-                  <a:ext uri="{0D108BD9-81ED-4DB2-BD59-A6C34878D82A}">
-                    <a16:rowId xmlns:a16="http://schemas.microsoft.com/office/drawing/2014/main" val="1550112443"/>
-                  </a:ext>
-                </a:extLst>
-              </a:tr>
-              <a:tr h="512414">
-                <a:tc>
-                  <a:txBody>
-                    <a:bodyPr/>
-                    <a:lstStyle/>
-                    <a:p>
-                      <a:pPr marL="0" marR="0" algn="ctr">
-                        <a:spcBef>
-                          <a:spcPts val="0"/>
-                        </a:spcBef>
-                        <a:spcAft>
-                          <a:spcPts val="0"/>
-                        </a:spcAft>
-                      </a:pPr>
-                      <a:r>
-                        <a:rPr lang="en-US" sz="800">
-                          <a:effectLst/>
-                        </a:rPr>
-                        <a:t>2nd Most Common Venue</a:t>
-                      </a:r>
-                      <a:endParaRPr lang="en-US" sz="1050">
-                        <a:effectLst/>
-                        <a:latin typeface="Times New Roman" panose="02020603050405020304" pitchFamily="18" charset="0"/>
-                        <a:ea typeface="Times New Roman" panose="02020603050405020304" pitchFamily="18" charset="0"/>
-                        <a:cs typeface="Times New Roman" panose="02020603050405020304" pitchFamily="18" charset="0"/>
-                      </a:endParaRPr>
-                    </a:p>
-                  </a:txBody>
-                  <a:tcPr marL="59359" marR="59359" marT="0" marB="0" anchor="ctr"/>
-                </a:tc>
-                <a:tc>
-                  <a:txBody>
-                    <a:bodyPr/>
-                    <a:lstStyle/>
-                    <a:p>
-                      <a:pPr marL="0" marR="0" algn="ctr">
-                        <a:spcBef>
-                          <a:spcPts val="0"/>
-                        </a:spcBef>
-                        <a:spcAft>
-                          <a:spcPts val="0"/>
-                        </a:spcAft>
-                      </a:pPr>
-                      <a:r>
-                        <a:rPr lang="en-US" sz="1000">
-                          <a:effectLst/>
-                        </a:rPr>
-                        <a:t>Hotel</a:t>
-                      </a:r>
-                      <a:endParaRPr lang="en-US" sz="1200">
-                        <a:effectLst/>
-                        <a:latin typeface="Times New Roman" panose="02020603050405020304" pitchFamily="18" charset="0"/>
-                        <a:ea typeface="Times New Roman" panose="02020603050405020304" pitchFamily="18" charset="0"/>
-                        <a:cs typeface="Times New Roman" panose="02020603050405020304" pitchFamily="18" charset="0"/>
-                      </a:endParaRPr>
-                    </a:p>
-                  </a:txBody>
-                  <a:tcPr marL="59359" marR="59359" marT="0" marB="0" anchor="ctr"/>
-                </a:tc>
-                <a:tc>
-                  <a:txBody>
-                    <a:bodyPr/>
-                    <a:lstStyle/>
-                    <a:p>
-                      <a:pPr marL="0" marR="0" algn="ctr">
-                        <a:spcBef>
-                          <a:spcPts val="0"/>
-                        </a:spcBef>
-                        <a:spcAft>
-                          <a:spcPts val="0"/>
-                        </a:spcAft>
-                      </a:pPr>
-                      <a:r>
-                        <a:rPr lang="en-US" sz="1000">
-                          <a:effectLst/>
-                        </a:rPr>
-                        <a:t>Coffee Shop</a:t>
-                      </a:r>
-                      <a:endParaRPr lang="en-US" sz="1200">
-                        <a:effectLst/>
-                        <a:latin typeface="Times New Roman" panose="02020603050405020304" pitchFamily="18" charset="0"/>
-                        <a:ea typeface="Times New Roman" panose="02020603050405020304" pitchFamily="18" charset="0"/>
-                        <a:cs typeface="Times New Roman" panose="02020603050405020304" pitchFamily="18" charset="0"/>
-                      </a:endParaRPr>
-                    </a:p>
-                  </a:txBody>
-                  <a:tcPr marL="59359" marR="59359" marT="0" marB="0" anchor="ctr"/>
-                </a:tc>
-                <a:tc>
-                  <a:txBody>
-                    <a:bodyPr/>
-                    <a:lstStyle/>
-                    <a:p>
-                      <a:pPr marL="0" marR="0" algn="ctr">
-                        <a:spcBef>
-                          <a:spcPts val="0"/>
-                        </a:spcBef>
-                        <a:spcAft>
-                          <a:spcPts val="0"/>
-                        </a:spcAft>
-                      </a:pPr>
-                      <a:r>
-                        <a:rPr lang="en-US" sz="1000" dirty="0">
-                          <a:effectLst/>
-                        </a:rPr>
-                        <a:t>Restaurant</a:t>
-                      </a:r>
-                      <a:endParaRPr lang="en-US" sz="1200" dirty="0">
-                        <a:effectLst/>
-                        <a:latin typeface="Times New Roman" panose="02020603050405020304" pitchFamily="18" charset="0"/>
-                        <a:ea typeface="Times New Roman" panose="02020603050405020304" pitchFamily="18" charset="0"/>
-                        <a:cs typeface="Times New Roman" panose="02020603050405020304" pitchFamily="18" charset="0"/>
-                      </a:endParaRPr>
-                    </a:p>
-                  </a:txBody>
-                  <a:tcPr marL="59359" marR="59359" marT="0" marB="0" anchor="ctr"/>
-                </a:tc>
-                <a:tc>
-                  <a:txBody>
-                    <a:bodyPr/>
-                    <a:lstStyle/>
-                    <a:p>
-                      <a:pPr marL="0" marR="0" algn="ctr">
-                        <a:spcBef>
-                          <a:spcPts val="0"/>
-                        </a:spcBef>
-                        <a:spcAft>
-                          <a:spcPts val="0"/>
-                        </a:spcAft>
-                      </a:pPr>
-                      <a:r>
-                        <a:rPr lang="en-US" sz="1000">
-                          <a:effectLst/>
-                        </a:rPr>
-                        <a:t>Coffee Shop</a:t>
-                      </a:r>
-                      <a:endParaRPr lang="en-US" sz="1200">
-                        <a:effectLst/>
-                        <a:latin typeface="Times New Roman" panose="02020603050405020304" pitchFamily="18" charset="0"/>
-                        <a:ea typeface="Times New Roman" panose="02020603050405020304" pitchFamily="18" charset="0"/>
-                        <a:cs typeface="Times New Roman" panose="02020603050405020304" pitchFamily="18" charset="0"/>
-                      </a:endParaRPr>
-                    </a:p>
-                  </a:txBody>
-                  <a:tcPr marL="59359" marR="59359" marT="0" marB="0" anchor="ctr"/>
-                </a:tc>
-                <a:tc>
-                  <a:txBody>
-                    <a:bodyPr/>
-                    <a:lstStyle/>
-                    <a:p>
-                      <a:pPr marL="0" marR="0" algn="ctr">
-                        <a:spcBef>
-                          <a:spcPts val="0"/>
-                        </a:spcBef>
-                        <a:spcAft>
-                          <a:spcPts val="0"/>
-                        </a:spcAft>
-                      </a:pPr>
-                      <a:r>
-                        <a:rPr lang="en-US" sz="1000">
-                          <a:effectLst/>
-                        </a:rPr>
-                        <a:t>Grocery Store</a:t>
-                      </a:r>
-                      <a:endParaRPr lang="en-US" sz="1200">
-                        <a:effectLst/>
-                        <a:latin typeface="Times New Roman" panose="02020603050405020304" pitchFamily="18" charset="0"/>
-                        <a:ea typeface="Times New Roman" panose="02020603050405020304" pitchFamily="18" charset="0"/>
-                        <a:cs typeface="Times New Roman" panose="02020603050405020304" pitchFamily="18" charset="0"/>
-                      </a:endParaRPr>
-                    </a:p>
-                  </a:txBody>
-                  <a:tcPr marL="59359" marR="59359" marT="0" marB="0" anchor="ctr"/>
-                </a:tc>
-                <a:tc>
-                  <a:txBody>
-                    <a:bodyPr/>
-                    <a:lstStyle/>
-                    <a:p>
-                      <a:pPr marL="0" marR="0" algn="ctr">
-                        <a:spcBef>
-                          <a:spcPts val="0"/>
-                        </a:spcBef>
-                        <a:spcAft>
-                          <a:spcPts val="0"/>
-                        </a:spcAft>
-                      </a:pPr>
-                      <a:r>
-                        <a:rPr lang="en-US" sz="1000" dirty="0">
-                          <a:effectLst/>
-                        </a:rPr>
-                        <a:t>Coffee Shop</a:t>
-                      </a:r>
-                      <a:endParaRPr lang="en-US" sz="1200" dirty="0">
-                        <a:effectLst/>
-                        <a:latin typeface="Times New Roman" panose="02020603050405020304" pitchFamily="18" charset="0"/>
-                        <a:ea typeface="Times New Roman" panose="02020603050405020304" pitchFamily="18" charset="0"/>
-                        <a:cs typeface="Times New Roman" panose="02020603050405020304" pitchFamily="18" charset="0"/>
-                      </a:endParaRPr>
-                    </a:p>
-                  </a:txBody>
-                  <a:tcPr marL="59359" marR="59359" marT="0" marB="0" anchor="ctr"/>
-                </a:tc>
-                <a:tc>
-                  <a:txBody>
-                    <a:bodyPr/>
-                    <a:lstStyle/>
-                    <a:p>
-                      <a:pPr marL="0" marR="0" algn="ctr">
-                        <a:spcBef>
-                          <a:spcPts val="0"/>
-                        </a:spcBef>
-                        <a:spcAft>
-                          <a:spcPts val="0"/>
-                        </a:spcAft>
-                      </a:pPr>
-                      <a:r>
-                        <a:rPr lang="en-US" sz="1000">
-                          <a:effectLst/>
-                        </a:rPr>
-                        <a:t>Grocery Store</a:t>
-                      </a:r>
-                      <a:endParaRPr lang="en-US" sz="1200">
-                        <a:effectLst/>
-                        <a:latin typeface="Times New Roman" panose="02020603050405020304" pitchFamily="18" charset="0"/>
-                        <a:ea typeface="Times New Roman" panose="02020603050405020304" pitchFamily="18" charset="0"/>
-                        <a:cs typeface="Times New Roman" panose="02020603050405020304" pitchFamily="18" charset="0"/>
-                      </a:endParaRPr>
-                    </a:p>
-                  </a:txBody>
-                  <a:tcPr marL="59359" marR="59359" marT="0" marB="0" anchor="ctr"/>
-                </a:tc>
-                <a:tc>
-                  <a:txBody>
-                    <a:bodyPr/>
-                    <a:lstStyle/>
-                    <a:p>
-                      <a:pPr marL="0" marR="0" algn="ctr">
-                        <a:spcBef>
-                          <a:spcPts val="0"/>
-                        </a:spcBef>
-                        <a:spcAft>
-                          <a:spcPts val="0"/>
-                        </a:spcAft>
-                      </a:pPr>
-                      <a:r>
-                        <a:rPr lang="en-US" sz="1000">
-                          <a:effectLst/>
-                        </a:rPr>
-                        <a:t>Fast Food Restaurant</a:t>
-                      </a:r>
-                      <a:endParaRPr lang="en-US" sz="1200">
-                        <a:effectLst/>
-                        <a:latin typeface="Times New Roman" panose="02020603050405020304" pitchFamily="18" charset="0"/>
-                        <a:ea typeface="Times New Roman" panose="02020603050405020304" pitchFamily="18" charset="0"/>
-                        <a:cs typeface="Times New Roman" panose="02020603050405020304" pitchFamily="18" charset="0"/>
-                      </a:endParaRPr>
-                    </a:p>
-                  </a:txBody>
-                  <a:tcPr marL="59359" marR="59359" marT="0" marB="0" anchor="ctr"/>
-                </a:tc>
-                <a:tc>
-                  <a:txBody>
-                    <a:bodyPr/>
-                    <a:lstStyle/>
-                    <a:p>
-                      <a:pPr marL="0" marR="0" algn="ctr">
-                        <a:spcBef>
-                          <a:spcPts val="0"/>
-                        </a:spcBef>
-                        <a:spcAft>
-                          <a:spcPts val="0"/>
-                        </a:spcAft>
-                      </a:pPr>
-                      <a:r>
-                        <a:rPr lang="en-US" sz="1000">
-                          <a:effectLst/>
-                        </a:rPr>
-                        <a:t>Ice Cream Shop</a:t>
-                      </a:r>
-                      <a:endParaRPr lang="en-US" sz="1200">
-                        <a:effectLst/>
-                        <a:latin typeface="Times New Roman" panose="02020603050405020304" pitchFamily="18" charset="0"/>
-                        <a:ea typeface="Times New Roman" panose="02020603050405020304" pitchFamily="18" charset="0"/>
-                        <a:cs typeface="Times New Roman" panose="02020603050405020304" pitchFamily="18" charset="0"/>
-                      </a:endParaRPr>
-                    </a:p>
-                  </a:txBody>
-                  <a:tcPr marL="59359" marR="59359" marT="0" marB="0" anchor="ctr"/>
-                </a:tc>
-                <a:extLst>
-                  <a:ext uri="{0D108BD9-81ED-4DB2-BD59-A6C34878D82A}">
-                    <a16:rowId xmlns:a16="http://schemas.microsoft.com/office/drawing/2014/main" val="2365158534"/>
-                  </a:ext>
-                </a:extLst>
-              </a:tr>
-              <a:tr h="384310">
-                <a:tc>
-                  <a:txBody>
-                    <a:bodyPr/>
-                    <a:lstStyle/>
-                    <a:p>
-                      <a:pPr marL="0" marR="0" algn="ctr">
-                        <a:spcBef>
-                          <a:spcPts val="0"/>
-                        </a:spcBef>
-                        <a:spcAft>
-                          <a:spcPts val="0"/>
-                        </a:spcAft>
-                      </a:pPr>
-                      <a:r>
-                        <a:rPr lang="en-US" sz="800">
-                          <a:effectLst/>
-                        </a:rPr>
-                        <a:t>3rd Most Common Venue</a:t>
-                      </a:r>
-                      <a:endParaRPr lang="en-US" sz="1050">
-                        <a:effectLst/>
-                        <a:latin typeface="Times New Roman" panose="02020603050405020304" pitchFamily="18" charset="0"/>
-                        <a:ea typeface="Times New Roman" panose="02020603050405020304" pitchFamily="18" charset="0"/>
-                        <a:cs typeface="Times New Roman" panose="02020603050405020304" pitchFamily="18" charset="0"/>
-                      </a:endParaRPr>
-                    </a:p>
-                  </a:txBody>
-                  <a:tcPr marL="59359" marR="59359" marT="0" marB="0" anchor="ctr"/>
-                </a:tc>
-                <a:tc>
-                  <a:txBody>
-                    <a:bodyPr/>
-                    <a:lstStyle/>
-                    <a:p>
-                      <a:pPr marL="0" marR="0" algn="ctr">
-                        <a:spcBef>
-                          <a:spcPts val="0"/>
-                        </a:spcBef>
-                        <a:spcAft>
-                          <a:spcPts val="0"/>
-                        </a:spcAft>
-                      </a:pPr>
-                      <a:r>
-                        <a:rPr lang="en-US" sz="1000">
-                          <a:effectLst/>
-                        </a:rPr>
-                        <a:t>Restaurant</a:t>
-                      </a:r>
-                      <a:endParaRPr lang="en-US" sz="1200">
-                        <a:effectLst/>
-                        <a:latin typeface="Times New Roman" panose="02020603050405020304" pitchFamily="18" charset="0"/>
-                        <a:ea typeface="Times New Roman" panose="02020603050405020304" pitchFamily="18" charset="0"/>
-                        <a:cs typeface="Times New Roman" panose="02020603050405020304" pitchFamily="18" charset="0"/>
-                      </a:endParaRPr>
-                    </a:p>
-                  </a:txBody>
-                  <a:tcPr marL="59359" marR="59359" marT="0" marB="0" anchor="ctr"/>
-                </a:tc>
-                <a:tc>
-                  <a:txBody>
-                    <a:bodyPr/>
-                    <a:lstStyle/>
-                    <a:p>
-                      <a:pPr marL="0" marR="0" algn="ctr">
-                        <a:spcBef>
-                          <a:spcPts val="0"/>
-                        </a:spcBef>
-                        <a:spcAft>
-                          <a:spcPts val="0"/>
-                        </a:spcAft>
-                      </a:pPr>
-                      <a:r>
-                        <a:rPr lang="en-US" sz="1000">
-                          <a:effectLst/>
-                        </a:rPr>
-                        <a:t>Café</a:t>
-                      </a:r>
-                      <a:endParaRPr lang="en-US" sz="1200">
-                        <a:effectLst/>
-                        <a:latin typeface="Times New Roman" panose="02020603050405020304" pitchFamily="18" charset="0"/>
-                        <a:ea typeface="Times New Roman" panose="02020603050405020304" pitchFamily="18" charset="0"/>
-                        <a:cs typeface="Times New Roman" panose="02020603050405020304" pitchFamily="18" charset="0"/>
-                      </a:endParaRPr>
-                    </a:p>
-                  </a:txBody>
-                  <a:tcPr marL="59359" marR="59359" marT="0" marB="0" anchor="ctr"/>
-                </a:tc>
-                <a:tc>
-                  <a:txBody>
-                    <a:bodyPr/>
-                    <a:lstStyle/>
-                    <a:p>
-                      <a:pPr marL="0" marR="0" algn="ctr">
-                        <a:spcBef>
-                          <a:spcPts val="0"/>
-                        </a:spcBef>
-                        <a:spcAft>
-                          <a:spcPts val="0"/>
-                        </a:spcAft>
-                      </a:pPr>
-                      <a:r>
-                        <a:rPr lang="en-US" sz="1000">
-                          <a:effectLst/>
-                        </a:rPr>
-                        <a:t>Coffee Shop</a:t>
-                      </a:r>
-                      <a:endParaRPr lang="en-US" sz="1200">
-                        <a:effectLst/>
-                        <a:latin typeface="Times New Roman" panose="02020603050405020304" pitchFamily="18" charset="0"/>
-                        <a:ea typeface="Times New Roman" panose="02020603050405020304" pitchFamily="18" charset="0"/>
-                        <a:cs typeface="Times New Roman" panose="02020603050405020304" pitchFamily="18" charset="0"/>
-                      </a:endParaRPr>
-                    </a:p>
-                  </a:txBody>
-                  <a:tcPr marL="59359" marR="59359" marT="0" marB="0" anchor="ctr"/>
-                </a:tc>
-                <a:tc>
-                  <a:txBody>
-                    <a:bodyPr/>
-                    <a:lstStyle/>
-                    <a:p>
-                      <a:pPr marL="0" marR="0" algn="ctr">
-                        <a:spcBef>
-                          <a:spcPts val="0"/>
-                        </a:spcBef>
-                        <a:spcAft>
-                          <a:spcPts val="0"/>
-                        </a:spcAft>
-                      </a:pPr>
-                      <a:r>
-                        <a:rPr lang="en-US" sz="1000">
-                          <a:effectLst/>
-                        </a:rPr>
-                        <a:t>Café</a:t>
-                      </a:r>
-                      <a:endParaRPr lang="en-US" sz="1200">
-                        <a:effectLst/>
-                        <a:latin typeface="Times New Roman" panose="02020603050405020304" pitchFamily="18" charset="0"/>
-                        <a:ea typeface="Times New Roman" panose="02020603050405020304" pitchFamily="18" charset="0"/>
-                        <a:cs typeface="Times New Roman" panose="02020603050405020304" pitchFamily="18" charset="0"/>
-                      </a:endParaRPr>
-                    </a:p>
-                  </a:txBody>
-                  <a:tcPr marL="59359" marR="59359" marT="0" marB="0" anchor="ctr"/>
-                </a:tc>
-                <a:tc>
-                  <a:txBody>
-                    <a:bodyPr/>
-                    <a:lstStyle/>
-                    <a:p>
-                      <a:pPr marL="0" marR="0" algn="ctr">
-                        <a:spcBef>
-                          <a:spcPts val="0"/>
-                        </a:spcBef>
-                        <a:spcAft>
-                          <a:spcPts val="0"/>
-                        </a:spcAft>
-                      </a:pPr>
-                      <a:r>
-                        <a:rPr lang="en-US" sz="1000">
-                          <a:effectLst/>
-                        </a:rPr>
-                        <a:t>Sushi Restaurant</a:t>
-                      </a:r>
-                      <a:endParaRPr lang="en-US" sz="1200">
-                        <a:effectLst/>
-                        <a:latin typeface="Times New Roman" panose="02020603050405020304" pitchFamily="18" charset="0"/>
-                        <a:ea typeface="Times New Roman" panose="02020603050405020304" pitchFamily="18" charset="0"/>
-                        <a:cs typeface="Times New Roman" panose="02020603050405020304" pitchFamily="18" charset="0"/>
-                      </a:endParaRPr>
-                    </a:p>
-                  </a:txBody>
-                  <a:tcPr marL="59359" marR="59359" marT="0" marB="0" anchor="ctr"/>
-                </a:tc>
-                <a:tc>
-                  <a:txBody>
-                    <a:bodyPr/>
-                    <a:lstStyle/>
-                    <a:p>
-                      <a:pPr marL="0" marR="0" algn="ctr">
-                        <a:spcBef>
-                          <a:spcPts val="0"/>
-                        </a:spcBef>
-                        <a:spcAft>
-                          <a:spcPts val="0"/>
-                        </a:spcAft>
-                      </a:pPr>
-                      <a:r>
-                        <a:rPr lang="en-US" sz="1000">
-                          <a:effectLst/>
-                        </a:rPr>
-                        <a:t>Grocery Store</a:t>
-                      </a:r>
-                      <a:endParaRPr lang="en-US" sz="1200">
-                        <a:effectLst/>
-                        <a:latin typeface="Times New Roman" panose="02020603050405020304" pitchFamily="18" charset="0"/>
-                        <a:ea typeface="Times New Roman" panose="02020603050405020304" pitchFamily="18" charset="0"/>
-                        <a:cs typeface="Times New Roman" panose="02020603050405020304" pitchFamily="18" charset="0"/>
-                      </a:endParaRPr>
-                    </a:p>
-                  </a:txBody>
-                  <a:tcPr marL="59359" marR="59359" marT="0" marB="0" anchor="ctr"/>
-                </a:tc>
-                <a:tc>
-                  <a:txBody>
-                    <a:bodyPr/>
-                    <a:lstStyle/>
-                    <a:p>
-                      <a:pPr marL="0" marR="0" algn="ctr">
-                        <a:spcBef>
-                          <a:spcPts val="0"/>
-                        </a:spcBef>
-                        <a:spcAft>
-                          <a:spcPts val="0"/>
-                        </a:spcAft>
-                      </a:pPr>
-                      <a:r>
-                        <a:rPr lang="en-US" sz="1000">
-                          <a:effectLst/>
-                        </a:rPr>
-                        <a:t>Ice Cream Shop</a:t>
-                      </a:r>
-                      <a:endParaRPr lang="en-US" sz="1200">
-                        <a:effectLst/>
-                        <a:latin typeface="Times New Roman" panose="02020603050405020304" pitchFamily="18" charset="0"/>
-                        <a:ea typeface="Times New Roman" panose="02020603050405020304" pitchFamily="18" charset="0"/>
-                        <a:cs typeface="Times New Roman" panose="02020603050405020304" pitchFamily="18" charset="0"/>
-                      </a:endParaRPr>
-                    </a:p>
-                  </a:txBody>
-                  <a:tcPr marL="59359" marR="59359" marT="0" marB="0" anchor="ctr"/>
-                </a:tc>
-                <a:tc>
-                  <a:txBody>
-                    <a:bodyPr/>
-                    <a:lstStyle/>
-                    <a:p>
-                      <a:pPr marL="0" marR="0" algn="ctr">
-                        <a:spcBef>
-                          <a:spcPts val="0"/>
-                        </a:spcBef>
-                        <a:spcAft>
-                          <a:spcPts val="0"/>
-                        </a:spcAft>
-                      </a:pPr>
-                      <a:r>
-                        <a:rPr lang="en-US" sz="1000" dirty="0">
-                          <a:effectLst/>
-                        </a:rPr>
-                        <a:t>Gym</a:t>
-                      </a:r>
-                      <a:endParaRPr lang="en-US" sz="1200" dirty="0">
-                        <a:effectLst/>
-                        <a:latin typeface="Times New Roman" panose="02020603050405020304" pitchFamily="18" charset="0"/>
-                        <a:ea typeface="Times New Roman" panose="02020603050405020304" pitchFamily="18" charset="0"/>
-                        <a:cs typeface="Times New Roman" panose="02020603050405020304" pitchFamily="18" charset="0"/>
-                      </a:endParaRPr>
-                    </a:p>
-                  </a:txBody>
-                  <a:tcPr marL="59359" marR="59359" marT="0" marB="0" anchor="ctr"/>
-                </a:tc>
-                <a:tc>
-                  <a:txBody>
-                    <a:bodyPr/>
-                    <a:lstStyle/>
-                    <a:p>
-                      <a:pPr marL="0" marR="0" algn="ctr">
-                        <a:spcBef>
-                          <a:spcPts val="0"/>
-                        </a:spcBef>
-                        <a:spcAft>
-                          <a:spcPts val="0"/>
-                        </a:spcAft>
-                      </a:pPr>
-                      <a:r>
-                        <a:rPr lang="en-US" sz="1000">
-                          <a:effectLst/>
-                        </a:rPr>
-                        <a:t>Trail</a:t>
-                      </a:r>
-                      <a:endParaRPr lang="en-US" sz="1200">
-                        <a:effectLst/>
-                        <a:latin typeface="Times New Roman" panose="02020603050405020304" pitchFamily="18" charset="0"/>
-                        <a:ea typeface="Times New Roman" panose="02020603050405020304" pitchFamily="18" charset="0"/>
-                        <a:cs typeface="Times New Roman" panose="02020603050405020304" pitchFamily="18" charset="0"/>
-                      </a:endParaRPr>
-                    </a:p>
-                  </a:txBody>
-                  <a:tcPr marL="59359" marR="59359" marT="0" marB="0" anchor="ctr"/>
-                </a:tc>
-                <a:extLst>
-                  <a:ext uri="{0D108BD9-81ED-4DB2-BD59-A6C34878D82A}">
-                    <a16:rowId xmlns:a16="http://schemas.microsoft.com/office/drawing/2014/main" val="655896984"/>
-                  </a:ext>
-                </a:extLst>
-              </a:tr>
-              <a:tr h="384310">
-                <a:tc>
-                  <a:txBody>
-                    <a:bodyPr/>
-                    <a:lstStyle/>
-                    <a:p>
-                      <a:pPr marL="0" marR="0" algn="ctr">
-                        <a:spcBef>
-                          <a:spcPts val="0"/>
-                        </a:spcBef>
-                        <a:spcAft>
-                          <a:spcPts val="0"/>
-                        </a:spcAft>
-                      </a:pPr>
-                      <a:r>
-                        <a:rPr lang="en-US" sz="800">
-                          <a:effectLst/>
-                        </a:rPr>
-                        <a:t>4th Most Common Venue</a:t>
-                      </a:r>
-                      <a:endParaRPr lang="en-US" sz="1050">
-                        <a:effectLst/>
-                        <a:latin typeface="Times New Roman" panose="02020603050405020304" pitchFamily="18" charset="0"/>
-                        <a:ea typeface="Times New Roman" panose="02020603050405020304" pitchFamily="18" charset="0"/>
-                        <a:cs typeface="Times New Roman" panose="02020603050405020304" pitchFamily="18" charset="0"/>
-                      </a:endParaRPr>
-                    </a:p>
-                  </a:txBody>
-                  <a:tcPr marL="59359" marR="59359" marT="0" marB="0" anchor="ctr"/>
-                </a:tc>
-                <a:tc>
-                  <a:txBody>
-                    <a:bodyPr/>
-                    <a:lstStyle/>
-                    <a:p>
-                      <a:pPr marL="0" marR="0" algn="ctr">
-                        <a:spcBef>
-                          <a:spcPts val="0"/>
-                        </a:spcBef>
-                        <a:spcAft>
-                          <a:spcPts val="0"/>
-                        </a:spcAft>
-                      </a:pPr>
-                      <a:r>
-                        <a:rPr lang="en-US" sz="1000">
-                          <a:effectLst/>
-                        </a:rPr>
-                        <a:t>Bakery</a:t>
-                      </a:r>
-                      <a:endParaRPr lang="en-US" sz="1200">
-                        <a:effectLst/>
-                        <a:latin typeface="Times New Roman" panose="02020603050405020304" pitchFamily="18" charset="0"/>
-                        <a:ea typeface="Times New Roman" panose="02020603050405020304" pitchFamily="18" charset="0"/>
-                        <a:cs typeface="Times New Roman" panose="02020603050405020304" pitchFamily="18" charset="0"/>
-                      </a:endParaRPr>
-                    </a:p>
-                  </a:txBody>
-                  <a:tcPr marL="59359" marR="59359" marT="0" marB="0" anchor="ctr"/>
-                </a:tc>
-                <a:tc>
-                  <a:txBody>
-                    <a:bodyPr/>
-                    <a:lstStyle/>
-                    <a:p>
-                      <a:pPr marL="0" marR="0" algn="ctr">
-                        <a:spcBef>
-                          <a:spcPts val="0"/>
-                        </a:spcBef>
-                        <a:spcAft>
-                          <a:spcPts val="0"/>
-                        </a:spcAft>
-                      </a:pPr>
-                      <a:r>
-                        <a:rPr lang="en-US" sz="1000">
-                          <a:effectLst/>
-                        </a:rPr>
-                        <a:t>Grocery Store</a:t>
-                      </a:r>
-                      <a:endParaRPr lang="en-US" sz="1200">
-                        <a:effectLst/>
-                        <a:latin typeface="Times New Roman" panose="02020603050405020304" pitchFamily="18" charset="0"/>
-                        <a:ea typeface="Times New Roman" panose="02020603050405020304" pitchFamily="18" charset="0"/>
-                        <a:cs typeface="Times New Roman" panose="02020603050405020304" pitchFamily="18" charset="0"/>
-                      </a:endParaRPr>
-                    </a:p>
-                  </a:txBody>
-                  <a:tcPr marL="59359" marR="59359" marT="0" marB="0" anchor="ctr"/>
-                </a:tc>
-                <a:tc>
-                  <a:txBody>
-                    <a:bodyPr/>
-                    <a:lstStyle/>
-                    <a:p>
-                      <a:pPr marL="0" marR="0" algn="ctr">
-                        <a:spcBef>
-                          <a:spcPts val="0"/>
-                        </a:spcBef>
-                        <a:spcAft>
-                          <a:spcPts val="0"/>
-                        </a:spcAft>
-                      </a:pPr>
-                      <a:r>
-                        <a:rPr lang="en-US" sz="1000">
-                          <a:effectLst/>
-                        </a:rPr>
-                        <a:t>Pub</a:t>
-                      </a:r>
-                      <a:endParaRPr lang="en-US" sz="1200">
-                        <a:effectLst/>
-                        <a:latin typeface="Times New Roman" panose="02020603050405020304" pitchFamily="18" charset="0"/>
-                        <a:ea typeface="Times New Roman" panose="02020603050405020304" pitchFamily="18" charset="0"/>
-                        <a:cs typeface="Times New Roman" panose="02020603050405020304" pitchFamily="18" charset="0"/>
-                      </a:endParaRPr>
-                    </a:p>
-                  </a:txBody>
-                  <a:tcPr marL="59359" marR="59359" marT="0" marB="0" anchor="ctr"/>
-                </a:tc>
-                <a:tc>
-                  <a:txBody>
-                    <a:bodyPr/>
-                    <a:lstStyle/>
-                    <a:p>
-                      <a:pPr marL="0" marR="0" algn="ctr">
-                        <a:spcBef>
-                          <a:spcPts val="0"/>
-                        </a:spcBef>
-                        <a:spcAft>
-                          <a:spcPts val="0"/>
-                        </a:spcAft>
-                      </a:pPr>
-                      <a:r>
-                        <a:rPr lang="en-US" sz="1000">
-                          <a:effectLst/>
-                        </a:rPr>
-                        <a:t>Pizza Place</a:t>
-                      </a:r>
-                      <a:endParaRPr lang="en-US" sz="1200">
-                        <a:effectLst/>
-                        <a:latin typeface="Times New Roman" panose="02020603050405020304" pitchFamily="18" charset="0"/>
-                        <a:ea typeface="Times New Roman" panose="02020603050405020304" pitchFamily="18" charset="0"/>
-                        <a:cs typeface="Times New Roman" panose="02020603050405020304" pitchFamily="18" charset="0"/>
-                      </a:endParaRPr>
-                    </a:p>
-                  </a:txBody>
-                  <a:tcPr marL="59359" marR="59359" marT="0" marB="0" anchor="ctr"/>
-                </a:tc>
-                <a:tc>
-                  <a:txBody>
-                    <a:bodyPr/>
-                    <a:lstStyle/>
-                    <a:p>
-                      <a:pPr marL="0" marR="0" algn="ctr">
-                        <a:spcBef>
-                          <a:spcPts val="0"/>
-                        </a:spcBef>
-                        <a:spcAft>
-                          <a:spcPts val="0"/>
-                        </a:spcAft>
-                      </a:pPr>
-                      <a:r>
-                        <a:rPr lang="en-US" sz="1000">
-                          <a:effectLst/>
-                        </a:rPr>
-                        <a:t>Bakery</a:t>
-                      </a:r>
-                      <a:endParaRPr lang="en-US" sz="1200">
-                        <a:effectLst/>
-                        <a:latin typeface="Times New Roman" panose="02020603050405020304" pitchFamily="18" charset="0"/>
-                        <a:ea typeface="Times New Roman" panose="02020603050405020304" pitchFamily="18" charset="0"/>
-                        <a:cs typeface="Times New Roman" panose="02020603050405020304" pitchFamily="18" charset="0"/>
-                      </a:endParaRPr>
-                    </a:p>
-                  </a:txBody>
-                  <a:tcPr marL="59359" marR="59359" marT="0" marB="0" anchor="ctr"/>
-                </a:tc>
-                <a:tc>
-                  <a:txBody>
-                    <a:bodyPr/>
-                    <a:lstStyle/>
-                    <a:p>
-                      <a:pPr marL="0" marR="0" algn="ctr">
-                        <a:spcBef>
-                          <a:spcPts val="0"/>
-                        </a:spcBef>
-                        <a:spcAft>
-                          <a:spcPts val="0"/>
-                        </a:spcAft>
-                      </a:pPr>
-                      <a:r>
-                        <a:rPr lang="en-US" sz="1000">
-                          <a:effectLst/>
-                        </a:rPr>
-                        <a:t>Breakfast Spot</a:t>
-                      </a:r>
-                      <a:endParaRPr lang="en-US" sz="1200">
-                        <a:effectLst/>
-                        <a:latin typeface="Times New Roman" panose="02020603050405020304" pitchFamily="18" charset="0"/>
-                        <a:ea typeface="Times New Roman" panose="02020603050405020304" pitchFamily="18" charset="0"/>
-                        <a:cs typeface="Times New Roman" panose="02020603050405020304" pitchFamily="18" charset="0"/>
-                      </a:endParaRPr>
-                    </a:p>
-                  </a:txBody>
-                  <a:tcPr marL="59359" marR="59359" marT="0" marB="0" anchor="ctr"/>
-                </a:tc>
-                <a:tc>
-                  <a:txBody>
-                    <a:bodyPr/>
-                    <a:lstStyle/>
-                    <a:p>
-                      <a:pPr marL="0" marR="0" algn="ctr">
-                        <a:spcBef>
-                          <a:spcPts val="0"/>
-                        </a:spcBef>
-                        <a:spcAft>
-                          <a:spcPts val="0"/>
-                        </a:spcAft>
-                      </a:pPr>
-                      <a:r>
-                        <a:rPr lang="en-US" sz="1000">
-                          <a:effectLst/>
-                        </a:rPr>
-                        <a:t>Fast Food Restaurant</a:t>
-                      </a:r>
-                      <a:endParaRPr lang="en-US" sz="1200">
-                        <a:effectLst/>
-                        <a:latin typeface="Times New Roman" panose="02020603050405020304" pitchFamily="18" charset="0"/>
-                        <a:ea typeface="Times New Roman" panose="02020603050405020304" pitchFamily="18" charset="0"/>
-                        <a:cs typeface="Times New Roman" panose="02020603050405020304" pitchFamily="18" charset="0"/>
-                      </a:endParaRPr>
-                    </a:p>
-                  </a:txBody>
-                  <a:tcPr marL="59359" marR="59359" marT="0" marB="0" anchor="ctr"/>
-                </a:tc>
-                <a:tc>
-                  <a:txBody>
-                    <a:bodyPr/>
-                    <a:lstStyle/>
-                    <a:p>
-                      <a:pPr marL="0" marR="0" algn="ctr">
-                        <a:spcBef>
-                          <a:spcPts val="0"/>
-                        </a:spcBef>
-                        <a:spcAft>
-                          <a:spcPts val="0"/>
-                        </a:spcAft>
-                      </a:pPr>
-                      <a:r>
-                        <a:rPr lang="en-US" sz="1000">
-                          <a:effectLst/>
-                        </a:rPr>
-                        <a:t>Grocery Store</a:t>
-                      </a:r>
-                      <a:endParaRPr lang="en-US" sz="1200">
-                        <a:effectLst/>
-                        <a:latin typeface="Times New Roman" panose="02020603050405020304" pitchFamily="18" charset="0"/>
-                        <a:ea typeface="Times New Roman" panose="02020603050405020304" pitchFamily="18" charset="0"/>
-                        <a:cs typeface="Times New Roman" panose="02020603050405020304" pitchFamily="18" charset="0"/>
-                      </a:endParaRPr>
-                    </a:p>
-                  </a:txBody>
-                  <a:tcPr marL="59359" marR="59359" marT="0" marB="0" anchor="ctr"/>
-                </a:tc>
-                <a:tc>
-                  <a:txBody>
-                    <a:bodyPr/>
-                    <a:lstStyle/>
-                    <a:p>
-                      <a:pPr marL="0" marR="0" algn="ctr">
-                        <a:spcBef>
-                          <a:spcPts val="0"/>
-                        </a:spcBef>
-                        <a:spcAft>
-                          <a:spcPts val="0"/>
-                        </a:spcAft>
-                      </a:pPr>
-                      <a:r>
-                        <a:rPr lang="en-US" sz="1000">
-                          <a:effectLst/>
-                        </a:rPr>
-                        <a:t>Bakery</a:t>
-                      </a:r>
-                      <a:endParaRPr lang="en-US" sz="1200">
-                        <a:effectLst/>
-                        <a:latin typeface="Times New Roman" panose="02020603050405020304" pitchFamily="18" charset="0"/>
-                        <a:ea typeface="Times New Roman" panose="02020603050405020304" pitchFamily="18" charset="0"/>
-                        <a:cs typeface="Times New Roman" panose="02020603050405020304" pitchFamily="18" charset="0"/>
-                      </a:endParaRPr>
-                    </a:p>
-                  </a:txBody>
-                  <a:tcPr marL="59359" marR="59359" marT="0" marB="0" anchor="ctr"/>
-                </a:tc>
-                <a:extLst>
-                  <a:ext uri="{0D108BD9-81ED-4DB2-BD59-A6C34878D82A}">
-                    <a16:rowId xmlns:a16="http://schemas.microsoft.com/office/drawing/2014/main" val="1654504439"/>
-                  </a:ext>
-                </a:extLst>
-              </a:tr>
-              <a:tr h="512414">
-                <a:tc>
-                  <a:txBody>
-                    <a:bodyPr/>
-                    <a:lstStyle/>
-                    <a:p>
-                      <a:pPr marL="0" marR="0" algn="ctr">
-                        <a:spcBef>
-                          <a:spcPts val="0"/>
-                        </a:spcBef>
-                        <a:spcAft>
-                          <a:spcPts val="0"/>
-                        </a:spcAft>
-                      </a:pPr>
-                      <a:r>
-                        <a:rPr lang="en-US" sz="800" dirty="0">
-                          <a:effectLst/>
-                        </a:rPr>
-                        <a:t>5th Most Common Venue</a:t>
-                      </a:r>
-                      <a:endParaRPr lang="en-US" sz="1050" dirty="0">
-                        <a:effectLst/>
-                        <a:latin typeface="Times New Roman" panose="02020603050405020304" pitchFamily="18" charset="0"/>
-                        <a:ea typeface="Times New Roman" panose="02020603050405020304" pitchFamily="18" charset="0"/>
-                        <a:cs typeface="Times New Roman" panose="02020603050405020304" pitchFamily="18" charset="0"/>
-                      </a:endParaRPr>
-                    </a:p>
-                  </a:txBody>
-                  <a:tcPr marL="59359" marR="59359" marT="0" marB="0" anchor="ctr"/>
-                </a:tc>
-                <a:tc>
-                  <a:txBody>
-                    <a:bodyPr/>
-                    <a:lstStyle/>
-                    <a:p>
-                      <a:pPr marL="0" marR="0" algn="ctr">
-                        <a:spcBef>
-                          <a:spcPts val="0"/>
-                        </a:spcBef>
-                        <a:spcAft>
-                          <a:spcPts val="0"/>
-                        </a:spcAft>
-                      </a:pPr>
-                      <a:r>
-                        <a:rPr lang="en-US" sz="1000">
-                          <a:effectLst/>
-                        </a:rPr>
-                        <a:t>Pub</a:t>
-                      </a:r>
-                      <a:endParaRPr lang="en-US" sz="1200">
-                        <a:effectLst/>
-                        <a:latin typeface="Times New Roman" panose="02020603050405020304" pitchFamily="18" charset="0"/>
-                        <a:ea typeface="Times New Roman" panose="02020603050405020304" pitchFamily="18" charset="0"/>
-                        <a:cs typeface="Times New Roman" panose="02020603050405020304" pitchFamily="18" charset="0"/>
-                      </a:endParaRPr>
-                    </a:p>
-                  </a:txBody>
-                  <a:tcPr marL="59359" marR="59359" marT="0" marB="0" anchor="ctr"/>
-                </a:tc>
-                <a:tc>
-                  <a:txBody>
-                    <a:bodyPr/>
-                    <a:lstStyle/>
-                    <a:p>
-                      <a:pPr marL="0" marR="0" algn="ctr">
-                        <a:spcBef>
-                          <a:spcPts val="0"/>
-                        </a:spcBef>
-                        <a:spcAft>
-                          <a:spcPts val="0"/>
-                        </a:spcAft>
-                      </a:pPr>
-                      <a:r>
-                        <a:rPr lang="en-US" sz="1000" dirty="0">
-                          <a:effectLst/>
-                        </a:rPr>
-                        <a:t>Pizza Place</a:t>
-                      </a:r>
-                      <a:endParaRPr lang="en-US" sz="1200" dirty="0">
-                        <a:effectLst/>
-                        <a:latin typeface="Times New Roman" panose="02020603050405020304" pitchFamily="18" charset="0"/>
-                        <a:ea typeface="Times New Roman" panose="02020603050405020304" pitchFamily="18" charset="0"/>
-                        <a:cs typeface="Times New Roman" panose="02020603050405020304" pitchFamily="18" charset="0"/>
-                      </a:endParaRPr>
-                    </a:p>
-                  </a:txBody>
-                  <a:tcPr marL="59359" marR="59359" marT="0" marB="0" anchor="ctr"/>
-                </a:tc>
-                <a:tc>
-                  <a:txBody>
-                    <a:bodyPr/>
-                    <a:lstStyle/>
-                    <a:p>
-                      <a:pPr marL="0" marR="0" algn="ctr">
-                        <a:spcBef>
-                          <a:spcPts val="0"/>
-                        </a:spcBef>
-                        <a:spcAft>
-                          <a:spcPts val="0"/>
-                        </a:spcAft>
-                      </a:pPr>
-                      <a:r>
-                        <a:rPr lang="en-US" sz="1000">
-                          <a:effectLst/>
-                        </a:rPr>
-                        <a:t>Café</a:t>
-                      </a:r>
-                      <a:endParaRPr lang="en-US" sz="1200">
-                        <a:effectLst/>
-                        <a:latin typeface="Times New Roman" panose="02020603050405020304" pitchFamily="18" charset="0"/>
-                        <a:ea typeface="Times New Roman" panose="02020603050405020304" pitchFamily="18" charset="0"/>
-                        <a:cs typeface="Times New Roman" panose="02020603050405020304" pitchFamily="18" charset="0"/>
-                      </a:endParaRPr>
-                    </a:p>
-                  </a:txBody>
-                  <a:tcPr marL="59359" marR="59359" marT="0" marB="0" anchor="ctr"/>
-                </a:tc>
-                <a:tc>
-                  <a:txBody>
-                    <a:bodyPr/>
-                    <a:lstStyle/>
-                    <a:p>
-                      <a:pPr marL="0" marR="0" algn="ctr">
-                        <a:spcBef>
-                          <a:spcPts val="0"/>
-                        </a:spcBef>
-                        <a:spcAft>
-                          <a:spcPts val="0"/>
-                        </a:spcAft>
-                      </a:pPr>
-                      <a:r>
-                        <a:rPr lang="en-US" sz="1000">
-                          <a:effectLst/>
-                        </a:rPr>
-                        <a:t>Mexican Restaurant</a:t>
-                      </a:r>
-                      <a:endParaRPr lang="en-US" sz="1200">
-                        <a:effectLst/>
-                        <a:latin typeface="Times New Roman" panose="02020603050405020304" pitchFamily="18" charset="0"/>
-                        <a:ea typeface="Times New Roman" panose="02020603050405020304" pitchFamily="18" charset="0"/>
-                        <a:cs typeface="Times New Roman" panose="02020603050405020304" pitchFamily="18" charset="0"/>
-                      </a:endParaRPr>
-                    </a:p>
-                  </a:txBody>
-                  <a:tcPr marL="59359" marR="59359" marT="0" marB="0" anchor="ctr"/>
-                </a:tc>
-                <a:tc>
-                  <a:txBody>
-                    <a:bodyPr/>
-                    <a:lstStyle/>
-                    <a:p>
-                      <a:pPr marL="0" marR="0" algn="ctr">
-                        <a:spcBef>
-                          <a:spcPts val="0"/>
-                        </a:spcBef>
-                        <a:spcAft>
-                          <a:spcPts val="0"/>
-                        </a:spcAft>
-                      </a:pPr>
-                      <a:r>
-                        <a:rPr lang="en-US" sz="1000">
-                          <a:effectLst/>
-                        </a:rPr>
-                        <a:t>Ice Cream Shop</a:t>
-                      </a:r>
-                      <a:endParaRPr lang="en-US" sz="1200">
-                        <a:effectLst/>
-                        <a:latin typeface="Times New Roman" panose="02020603050405020304" pitchFamily="18" charset="0"/>
-                        <a:ea typeface="Times New Roman" panose="02020603050405020304" pitchFamily="18" charset="0"/>
-                        <a:cs typeface="Times New Roman" panose="02020603050405020304" pitchFamily="18" charset="0"/>
-                      </a:endParaRPr>
-                    </a:p>
-                  </a:txBody>
-                  <a:tcPr marL="59359" marR="59359" marT="0" marB="0" anchor="ctr"/>
-                </a:tc>
-                <a:tc>
-                  <a:txBody>
-                    <a:bodyPr/>
-                    <a:lstStyle/>
-                    <a:p>
-                      <a:pPr marL="0" marR="0" algn="ctr">
-                        <a:spcBef>
-                          <a:spcPts val="0"/>
-                        </a:spcBef>
-                        <a:spcAft>
-                          <a:spcPts val="0"/>
-                        </a:spcAft>
-                      </a:pPr>
-                      <a:r>
-                        <a:rPr lang="en-US" sz="1000">
-                          <a:effectLst/>
-                        </a:rPr>
-                        <a:t>Sushi Restaurant</a:t>
-                      </a:r>
-                      <a:endParaRPr lang="en-US" sz="1200">
-                        <a:effectLst/>
-                        <a:latin typeface="Times New Roman" panose="02020603050405020304" pitchFamily="18" charset="0"/>
-                        <a:ea typeface="Times New Roman" panose="02020603050405020304" pitchFamily="18" charset="0"/>
-                        <a:cs typeface="Times New Roman" panose="02020603050405020304" pitchFamily="18" charset="0"/>
-                      </a:endParaRPr>
-                    </a:p>
-                  </a:txBody>
-                  <a:tcPr marL="59359" marR="59359" marT="0" marB="0" anchor="ctr"/>
-                </a:tc>
-                <a:tc>
-                  <a:txBody>
-                    <a:bodyPr/>
-                    <a:lstStyle/>
-                    <a:p>
-                      <a:pPr marL="0" marR="0" algn="ctr">
-                        <a:spcBef>
-                          <a:spcPts val="0"/>
-                        </a:spcBef>
-                        <a:spcAft>
-                          <a:spcPts val="0"/>
-                        </a:spcAft>
-                      </a:pPr>
-                      <a:r>
-                        <a:rPr lang="en-US" sz="1000">
-                          <a:effectLst/>
-                        </a:rPr>
-                        <a:t>Gym</a:t>
-                      </a:r>
-                      <a:endParaRPr lang="en-US" sz="1200">
-                        <a:effectLst/>
-                        <a:latin typeface="Times New Roman" panose="02020603050405020304" pitchFamily="18" charset="0"/>
-                        <a:ea typeface="Times New Roman" panose="02020603050405020304" pitchFamily="18" charset="0"/>
-                        <a:cs typeface="Times New Roman" panose="02020603050405020304" pitchFamily="18" charset="0"/>
-                      </a:endParaRPr>
-                    </a:p>
-                  </a:txBody>
-                  <a:tcPr marL="59359" marR="59359" marT="0" marB="0" anchor="ctr"/>
-                </a:tc>
-                <a:tc>
-                  <a:txBody>
-                    <a:bodyPr/>
-                    <a:lstStyle/>
-                    <a:p>
-                      <a:pPr marL="0" marR="0" algn="ctr">
-                        <a:spcBef>
-                          <a:spcPts val="0"/>
-                        </a:spcBef>
-                        <a:spcAft>
-                          <a:spcPts val="0"/>
-                        </a:spcAft>
-                      </a:pPr>
-                      <a:r>
-                        <a:rPr lang="en-US" sz="1000">
-                          <a:effectLst/>
-                        </a:rPr>
-                        <a:t>Sushi Restaurant</a:t>
-                      </a:r>
-                      <a:endParaRPr lang="en-US" sz="1200">
-                        <a:effectLst/>
-                        <a:latin typeface="Times New Roman" panose="02020603050405020304" pitchFamily="18" charset="0"/>
-                        <a:ea typeface="Times New Roman" panose="02020603050405020304" pitchFamily="18" charset="0"/>
-                        <a:cs typeface="Times New Roman" panose="02020603050405020304" pitchFamily="18" charset="0"/>
-                      </a:endParaRPr>
-                    </a:p>
-                  </a:txBody>
-                  <a:tcPr marL="59359" marR="59359" marT="0" marB="0" anchor="ctr"/>
-                </a:tc>
-                <a:tc>
-                  <a:txBody>
-                    <a:bodyPr/>
-                    <a:lstStyle/>
-                    <a:p>
-                      <a:pPr marL="0" marR="0" algn="ctr">
-                        <a:spcBef>
-                          <a:spcPts val="0"/>
-                        </a:spcBef>
-                        <a:spcAft>
-                          <a:spcPts val="0"/>
-                        </a:spcAft>
-                      </a:pPr>
-                      <a:r>
-                        <a:rPr lang="en-US" sz="1000">
-                          <a:effectLst/>
-                        </a:rPr>
-                        <a:t>Fast Food Restaurant</a:t>
-                      </a:r>
-                      <a:endParaRPr lang="en-US" sz="1200">
-                        <a:effectLst/>
-                        <a:latin typeface="Times New Roman" panose="02020603050405020304" pitchFamily="18" charset="0"/>
-                        <a:ea typeface="Times New Roman" panose="02020603050405020304" pitchFamily="18" charset="0"/>
-                        <a:cs typeface="Times New Roman" panose="02020603050405020304" pitchFamily="18" charset="0"/>
-                      </a:endParaRPr>
-                    </a:p>
-                  </a:txBody>
-                  <a:tcPr marL="59359" marR="59359" marT="0" marB="0" anchor="ctr"/>
-                </a:tc>
-                <a:extLst>
-                  <a:ext uri="{0D108BD9-81ED-4DB2-BD59-A6C34878D82A}">
-                    <a16:rowId xmlns:a16="http://schemas.microsoft.com/office/drawing/2014/main" val="1983030900"/>
-                  </a:ext>
-                </a:extLst>
-              </a:tr>
-              <a:tr h="384310">
-                <a:tc>
-                  <a:txBody>
-                    <a:bodyPr/>
-                    <a:lstStyle/>
-                    <a:p>
-                      <a:pPr marL="0" marR="0" algn="ctr">
-                        <a:spcBef>
-                          <a:spcPts val="0"/>
-                        </a:spcBef>
-                        <a:spcAft>
-                          <a:spcPts val="0"/>
-                        </a:spcAft>
-                      </a:pPr>
-                      <a:r>
-                        <a:rPr lang="en-US" sz="800">
-                          <a:effectLst/>
-                        </a:rPr>
-                        <a:t>6th Most Common Venue</a:t>
-                      </a:r>
-                      <a:endParaRPr lang="en-US" sz="1050">
-                        <a:effectLst/>
-                        <a:latin typeface="Times New Roman" panose="02020603050405020304" pitchFamily="18" charset="0"/>
-                        <a:ea typeface="Times New Roman" panose="02020603050405020304" pitchFamily="18" charset="0"/>
-                        <a:cs typeface="Times New Roman" panose="02020603050405020304" pitchFamily="18" charset="0"/>
-                      </a:endParaRPr>
-                    </a:p>
-                  </a:txBody>
-                  <a:tcPr marL="59359" marR="59359" marT="0" marB="0" anchor="ctr"/>
-                </a:tc>
-                <a:tc>
-                  <a:txBody>
-                    <a:bodyPr/>
-                    <a:lstStyle/>
-                    <a:p>
-                      <a:pPr marL="0" marR="0" algn="ctr">
-                        <a:spcBef>
-                          <a:spcPts val="0"/>
-                        </a:spcBef>
-                        <a:spcAft>
-                          <a:spcPts val="0"/>
-                        </a:spcAft>
-                      </a:pPr>
-                      <a:r>
-                        <a:rPr lang="en-US" sz="1000">
-                          <a:effectLst/>
-                        </a:rPr>
-                        <a:t>Asian Restaurant</a:t>
-                      </a:r>
-                      <a:endParaRPr lang="en-US" sz="1200">
-                        <a:effectLst/>
-                        <a:latin typeface="Times New Roman" panose="02020603050405020304" pitchFamily="18" charset="0"/>
-                        <a:ea typeface="Times New Roman" panose="02020603050405020304" pitchFamily="18" charset="0"/>
-                        <a:cs typeface="Times New Roman" panose="02020603050405020304" pitchFamily="18" charset="0"/>
-                      </a:endParaRPr>
-                    </a:p>
-                  </a:txBody>
-                  <a:tcPr marL="59359" marR="59359" marT="0" marB="0" anchor="ctr"/>
-                </a:tc>
-                <a:tc>
-                  <a:txBody>
-                    <a:bodyPr/>
-                    <a:lstStyle/>
-                    <a:p>
-                      <a:pPr marL="0" marR="0" algn="ctr">
-                        <a:spcBef>
-                          <a:spcPts val="0"/>
-                        </a:spcBef>
-                        <a:spcAft>
-                          <a:spcPts val="0"/>
-                        </a:spcAft>
-                      </a:pPr>
-                      <a:r>
-                        <a:rPr lang="en-US" sz="1000">
-                          <a:effectLst/>
-                        </a:rPr>
-                        <a:t>Restaurant</a:t>
-                      </a:r>
-                      <a:endParaRPr lang="en-US" sz="1200">
-                        <a:effectLst/>
-                        <a:latin typeface="Times New Roman" panose="02020603050405020304" pitchFamily="18" charset="0"/>
-                        <a:ea typeface="Times New Roman" panose="02020603050405020304" pitchFamily="18" charset="0"/>
-                        <a:cs typeface="Times New Roman" panose="02020603050405020304" pitchFamily="18" charset="0"/>
-                      </a:endParaRPr>
-                    </a:p>
-                  </a:txBody>
-                  <a:tcPr marL="59359" marR="59359" marT="0" marB="0" anchor="ctr"/>
-                </a:tc>
-                <a:tc>
-                  <a:txBody>
-                    <a:bodyPr/>
-                    <a:lstStyle/>
-                    <a:p>
-                      <a:pPr marL="0" marR="0" algn="ctr">
-                        <a:spcBef>
-                          <a:spcPts val="0"/>
-                        </a:spcBef>
-                        <a:spcAft>
-                          <a:spcPts val="0"/>
-                        </a:spcAft>
-                      </a:pPr>
-                      <a:r>
-                        <a:rPr lang="en-US" sz="1000">
-                          <a:effectLst/>
-                        </a:rPr>
-                        <a:t>Bakery</a:t>
-                      </a:r>
-                      <a:endParaRPr lang="en-US" sz="1200">
-                        <a:effectLst/>
-                        <a:latin typeface="Times New Roman" panose="02020603050405020304" pitchFamily="18" charset="0"/>
-                        <a:ea typeface="Times New Roman" panose="02020603050405020304" pitchFamily="18" charset="0"/>
-                        <a:cs typeface="Times New Roman" panose="02020603050405020304" pitchFamily="18" charset="0"/>
-                      </a:endParaRPr>
-                    </a:p>
-                  </a:txBody>
-                  <a:tcPr marL="59359" marR="59359" marT="0" marB="0" anchor="ctr"/>
-                </a:tc>
-                <a:tc>
-                  <a:txBody>
-                    <a:bodyPr/>
-                    <a:lstStyle/>
-                    <a:p>
-                      <a:pPr marL="0" marR="0" algn="ctr">
-                        <a:spcBef>
-                          <a:spcPts val="0"/>
-                        </a:spcBef>
-                        <a:spcAft>
-                          <a:spcPts val="0"/>
-                        </a:spcAft>
-                      </a:pPr>
-                      <a:r>
-                        <a:rPr lang="en-US" sz="1000">
-                          <a:effectLst/>
-                        </a:rPr>
-                        <a:t>Restaurant</a:t>
-                      </a:r>
-                      <a:endParaRPr lang="en-US" sz="1200">
-                        <a:effectLst/>
-                        <a:latin typeface="Times New Roman" panose="02020603050405020304" pitchFamily="18" charset="0"/>
-                        <a:ea typeface="Times New Roman" panose="02020603050405020304" pitchFamily="18" charset="0"/>
-                        <a:cs typeface="Times New Roman" panose="02020603050405020304" pitchFamily="18" charset="0"/>
-                      </a:endParaRPr>
-                    </a:p>
-                  </a:txBody>
-                  <a:tcPr marL="59359" marR="59359" marT="0" marB="0" anchor="ctr"/>
-                </a:tc>
-                <a:tc>
-                  <a:txBody>
-                    <a:bodyPr/>
-                    <a:lstStyle/>
-                    <a:p>
-                      <a:pPr marL="0" marR="0" algn="ctr">
-                        <a:spcBef>
-                          <a:spcPts val="0"/>
-                        </a:spcBef>
-                        <a:spcAft>
-                          <a:spcPts val="0"/>
-                        </a:spcAft>
-                      </a:pPr>
-                      <a:r>
-                        <a:rPr lang="en-US" sz="1000">
-                          <a:effectLst/>
-                        </a:rPr>
-                        <a:t>Park</a:t>
-                      </a:r>
-                      <a:endParaRPr lang="en-US" sz="1200">
-                        <a:effectLst/>
-                        <a:latin typeface="Times New Roman" panose="02020603050405020304" pitchFamily="18" charset="0"/>
-                        <a:ea typeface="Times New Roman" panose="02020603050405020304" pitchFamily="18" charset="0"/>
-                        <a:cs typeface="Times New Roman" panose="02020603050405020304" pitchFamily="18" charset="0"/>
-                      </a:endParaRPr>
-                    </a:p>
-                  </a:txBody>
-                  <a:tcPr marL="59359" marR="59359" marT="0" marB="0" anchor="ctr"/>
-                </a:tc>
-                <a:tc>
-                  <a:txBody>
-                    <a:bodyPr/>
-                    <a:lstStyle/>
-                    <a:p>
-                      <a:pPr marL="0" marR="0" algn="ctr">
-                        <a:spcBef>
-                          <a:spcPts val="0"/>
-                        </a:spcBef>
-                        <a:spcAft>
-                          <a:spcPts val="0"/>
-                        </a:spcAft>
-                      </a:pPr>
-                      <a:r>
-                        <a:rPr lang="en-US" sz="1000">
-                          <a:effectLst/>
-                        </a:rPr>
-                        <a:t>Bakery</a:t>
-                      </a:r>
-                      <a:endParaRPr lang="en-US" sz="1200">
-                        <a:effectLst/>
-                        <a:latin typeface="Times New Roman" panose="02020603050405020304" pitchFamily="18" charset="0"/>
-                        <a:ea typeface="Times New Roman" panose="02020603050405020304" pitchFamily="18" charset="0"/>
-                        <a:cs typeface="Times New Roman" panose="02020603050405020304" pitchFamily="18" charset="0"/>
-                      </a:endParaRPr>
-                    </a:p>
-                  </a:txBody>
-                  <a:tcPr marL="59359" marR="59359" marT="0" marB="0" anchor="ctr"/>
-                </a:tc>
-                <a:tc>
-                  <a:txBody>
-                    <a:bodyPr/>
-                    <a:lstStyle/>
-                    <a:p>
-                      <a:pPr marL="0" marR="0" algn="ctr">
-                        <a:spcBef>
-                          <a:spcPts val="0"/>
-                        </a:spcBef>
-                        <a:spcAft>
-                          <a:spcPts val="0"/>
-                        </a:spcAft>
-                      </a:pPr>
-                      <a:r>
-                        <a:rPr lang="en-US" sz="1000">
-                          <a:effectLst/>
-                        </a:rPr>
-                        <a:t>Pizza Place</a:t>
-                      </a:r>
-                      <a:endParaRPr lang="en-US" sz="1200">
-                        <a:effectLst/>
-                        <a:latin typeface="Times New Roman" panose="02020603050405020304" pitchFamily="18" charset="0"/>
-                        <a:ea typeface="Times New Roman" panose="02020603050405020304" pitchFamily="18" charset="0"/>
-                        <a:cs typeface="Times New Roman" panose="02020603050405020304" pitchFamily="18" charset="0"/>
-                      </a:endParaRPr>
-                    </a:p>
-                  </a:txBody>
-                  <a:tcPr marL="59359" marR="59359" marT="0" marB="0" anchor="ctr"/>
-                </a:tc>
-                <a:tc>
-                  <a:txBody>
-                    <a:bodyPr/>
-                    <a:lstStyle/>
-                    <a:p>
-                      <a:pPr marL="0" marR="0" algn="ctr">
-                        <a:spcBef>
-                          <a:spcPts val="0"/>
-                        </a:spcBef>
-                        <a:spcAft>
-                          <a:spcPts val="0"/>
-                        </a:spcAft>
-                      </a:pPr>
-                      <a:r>
-                        <a:rPr lang="en-US" sz="1000">
-                          <a:effectLst/>
-                        </a:rPr>
-                        <a:t>Juice Bar</a:t>
-                      </a:r>
-                      <a:endParaRPr lang="en-US" sz="1200">
-                        <a:effectLst/>
-                        <a:latin typeface="Times New Roman" panose="02020603050405020304" pitchFamily="18" charset="0"/>
-                        <a:ea typeface="Times New Roman" panose="02020603050405020304" pitchFamily="18" charset="0"/>
-                        <a:cs typeface="Times New Roman" panose="02020603050405020304" pitchFamily="18" charset="0"/>
-                      </a:endParaRPr>
-                    </a:p>
-                  </a:txBody>
-                  <a:tcPr marL="59359" marR="59359" marT="0" marB="0" anchor="ctr"/>
-                </a:tc>
-                <a:tc>
-                  <a:txBody>
-                    <a:bodyPr/>
-                    <a:lstStyle/>
-                    <a:p>
-                      <a:pPr marL="0" marR="0" algn="ctr">
-                        <a:spcBef>
-                          <a:spcPts val="0"/>
-                        </a:spcBef>
-                        <a:spcAft>
-                          <a:spcPts val="0"/>
-                        </a:spcAft>
-                      </a:pPr>
-                      <a:r>
-                        <a:rPr lang="en-US" sz="1000">
-                          <a:effectLst/>
-                        </a:rPr>
-                        <a:t>Grocery Store</a:t>
-                      </a:r>
-                      <a:endParaRPr lang="en-US" sz="1200">
-                        <a:effectLst/>
-                        <a:latin typeface="Times New Roman" panose="02020603050405020304" pitchFamily="18" charset="0"/>
-                        <a:ea typeface="Times New Roman" panose="02020603050405020304" pitchFamily="18" charset="0"/>
-                        <a:cs typeface="Times New Roman" panose="02020603050405020304" pitchFamily="18" charset="0"/>
-                      </a:endParaRPr>
-                    </a:p>
-                  </a:txBody>
-                  <a:tcPr marL="59359" marR="59359" marT="0" marB="0" anchor="ctr"/>
-                </a:tc>
-                <a:extLst>
-                  <a:ext uri="{0D108BD9-81ED-4DB2-BD59-A6C34878D82A}">
-                    <a16:rowId xmlns:a16="http://schemas.microsoft.com/office/drawing/2014/main" val="385331935"/>
-                  </a:ext>
-                </a:extLst>
-              </a:tr>
-              <a:tr h="512414">
-                <a:tc>
-                  <a:txBody>
-                    <a:bodyPr/>
-                    <a:lstStyle/>
-                    <a:p>
-                      <a:pPr marL="0" marR="0" algn="ctr">
-                        <a:spcBef>
-                          <a:spcPts val="0"/>
-                        </a:spcBef>
-                        <a:spcAft>
-                          <a:spcPts val="0"/>
-                        </a:spcAft>
-                      </a:pPr>
-                      <a:r>
-                        <a:rPr lang="en-US" sz="800" dirty="0">
-                          <a:effectLst/>
-                        </a:rPr>
-                        <a:t>7th Most Common Venue</a:t>
-                      </a:r>
-                      <a:endParaRPr lang="en-US" sz="1050" dirty="0">
-                        <a:effectLst/>
-                        <a:latin typeface="Times New Roman" panose="02020603050405020304" pitchFamily="18" charset="0"/>
-                        <a:ea typeface="Times New Roman" panose="02020603050405020304" pitchFamily="18" charset="0"/>
-                        <a:cs typeface="Times New Roman" panose="02020603050405020304" pitchFamily="18" charset="0"/>
-                      </a:endParaRPr>
-                    </a:p>
-                  </a:txBody>
-                  <a:tcPr marL="59359" marR="59359" marT="0" marB="0" anchor="ctr"/>
-                </a:tc>
-                <a:tc>
-                  <a:txBody>
-                    <a:bodyPr/>
-                    <a:lstStyle/>
-                    <a:p>
-                      <a:pPr marL="0" marR="0" algn="ctr">
-                        <a:spcBef>
-                          <a:spcPts val="0"/>
-                        </a:spcBef>
-                        <a:spcAft>
-                          <a:spcPts val="0"/>
-                        </a:spcAft>
-                      </a:pPr>
-                      <a:r>
-                        <a:rPr lang="en-US" sz="1000">
-                          <a:effectLst/>
-                        </a:rPr>
-                        <a:t>Café</a:t>
-                      </a:r>
-                      <a:endParaRPr lang="en-US" sz="1200">
-                        <a:effectLst/>
-                        <a:latin typeface="Times New Roman" panose="02020603050405020304" pitchFamily="18" charset="0"/>
-                        <a:ea typeface="Times New Roman" panose="02020603050405020304" pitchFamily="18" charset="0"/>
-                        <a:cs typeface="Times New Roman" panose="02020603050405020304" pitchFamily="18" charset="0"/>
-                      </a:endParaRPr>
-                    </a:p>
-                  </a:txBody>
-                  <a:tcPr marL="59359" marR="59359" marT="0" marB="0" anchor="ctr"/>
-                </a:tc>
-                <a:tc>
-                  <a:txBody>
-                    <a:bodyPr/>
-                    <a:lstStyle/>
-                    <a:p>
-                      <a:pPr marL="0" marR="0" algn="ctr">
-                        <a:spcBef>
-                          <a:spcPts val="0"/>
-                        </a:spcBef>
-                        <a:spcAft>
-                          <a:spcPts val="0"/>
-                        </a:spcAft>
-                      </a:pPr>
-                      <a:r>
-                        <a:rPr lang="en-US" sz="1000">
-                          <a:effectLst/>
-                        </a:rPr>
-                        <a:t>Mexican Restaurant</a:t>
-                      </a:r>
-                      <a:endParaRPr lang="en-US" sz="1200">
-                        <a:effectLst/>
-                        <a:latin typeface="Times New Roman" panose="02020603050405020304" pitchFamily="18" charset="0"/>
-                        <a:ea typeface="Times New Roman" panose="02020603050405020304" pitchFamily="18" charset="0"/>
-                        <a:cs typeface="Times New Roman" panose="02020603050405020304" pitchFamily="18" charset="0"/>
-                      </a:endParaRPr>
-                    </a:p>
-                  </a:txBody>
-                  <a:tcPr marL="59359" marR="59359" marT="0" marB="0" anchor="ctr"/>
-                </a:tc>
-                <a:tc>
-                  <a:txBody>
-                    <a:bodyPr/>
-                    <a:lstStyle/>
-                    <a:p>
-                      <a:pPr marL="0" marR="0" algn="ctr">
-                        <a:spcBef>
-                          <a:spcPts val="0"/>
-                        </a:spcBef>
-                        <a:spcAft>
-                          <a:spcPts val="0"/>
-                        </a:spcAft>
-                      </a:pPr>
-                      <a:r>
-                        <a:rPr lang="en-US" sz="1000">
-                          <a:effectLst/>
-                        </a:rPr>
-                        <a:t>Steakhouse</a:t>
-                      </a:r>
-                      <a:endParaRPr lang="en-US" sz="1200">
-                        <a:effectLst/>
-                        <a:latin typeface="Times New Roman" panose="02020603050405020304" pitchFamily="18" charset="0"/>
-                        <a:ea typeface="Times New Roman" panose="02020603050405020304" pitchFamily="18" charset="0"/>
-                        <a:cs typeface="Times New Roman" panose="02020603050405020304" pitchFamily="18" charset="0"/>
-                      </a:endParaRPr>
-                    </a:p>
-                  </a:txBody>
-                  <a:tcPr marL="59359" marR="59359" marT="0" marB="0" anchor="ctr"/>
-                </a:tc>
-                <a:tc>
-                  <a:txBody>
-                    <a:bodyPr/>
-                    <a:lstStyle/>
-                    <a:p>
-                      <a:pPr marL="0" marR="0" algn="ctr">
-                        <a:spcBef>
-                          <a:spcPts val="0"/>
-                        </a:spcBef>
-                        <a:spcAft>
-                          <a:spcPts val="0"/>
-                        </a:spcAft>
-                      </a:pPr>
-                      <a:r>
-                        <a:rPr lang="en-US" sz="1000">
-                          <a:effectLst/>
-                        </a:rPr>
-                        <a:t>American Restaurant</a:t>
-                      </a:r>
-                      <a:endParaRPr lang="en-US" sz="1200">
-                        <a:effectLst/>
-                        <a:latin typeface="Times New Roman" panose="02020603050405020304" pitchFamily="18" charset="0"/>
-                        <a:ea typeface="Times New Roman" panose="02020603050405020304" pitchFamily="18" charset="0"/>
-                        <a:cs typeface="Times New Roman" panose="02020603050405020304" pitchFamily="18" charset="0"/>
-                      </a:endParaRPr>
-                    </a:p>
-                  </a:txBody>
-                  <a:tcPr marL="59359" marR="59359" marT="0" marB="0" anchor="ctr"/>
-                </a:tc>
-                <a:tc>
-                  <a:txBody>
-                    <a:bodyPr/>
-                    <a:lstStyle/>
-                    <a:p>
-                      <a:pPr marL="0" marR="0" algn="ctr">
-                        <a:spcBef>
-                          <a:spcPts val="0"/>
-                        </a:spcBef>
-                        <a:spcAft>
-                          <a:spcPts val="0"/>
-                        </a:spcAft>
-                      </a:pPr>
-                      <a:r>
-                        <a:rPr lang="en-US" sz="1000">
-                          <a:effectLst/>
-                        </a:rPr>
-                        <a:t>Thai Restaurant</a:t>
-                      </a:r>
-                      <a:endParaRPr lang="en-US" sz="1200">
-                        <a:effectLst/>
-                        <a:latin typeface="Times New Roman" panose="02020603050405020304" pitchFamily="18" charset="0"/>
-                        <a:ea typeface="Times New Roman" panose="02020603050405020304" pitchFamily="18" charset="0"/>
-                        <a:cs typeface="Times New Roman" panose="02020603050405020304" pitchFamily="18" charset="0"/>
-                      </a:endParaRPr>
-                    </a:p>
-                  </a:txBody>
-                  <a:tcPr marL="59359" marR="59359" marT="0" marB="0" anchor="ctr"/>
-                </a:tc>
-                <a:tc>
-                  <a:txBody>
-                    <a:bodyPr/>
-                    <a:lstStyle/>
-                    <a:p>
-                      <a:pPr marL="0" marR="0" algn="ctr">
-                        <a:spcBef>
-                          <a:spcPts val="0"/>
-                        </a:spcBef>
-                        <a:spcAft>
-                          <a:spcPts val="0"/>
-                        </a:spcAft>
-                      </a:pPr>
-                      <a:r>
-                        <a:rPr lang="en-US" sz="1000">
-                          <a:effectLst/>
-                        </a:rPr>
-                        <a:t>Fast Food Restaurant</a:t>
-                      </a:r>
-                      <a:endParaRPr lang="en-US" sz="1200">
-                        <a:effectLst/>
-                        <a:latin typeface="Times New Roman" panose="02020603050405020304" pitchFamily="18" charset="0"/>
-                        <a:ea typeface="Times New Roman" panose="02020603050405020304" pitchFamily="18" charset="0"/>
-                        <a:cs typeface="Times New Roman" panose="02020603050405020304" pitchFamily="18" charset="0"/>
-                      </a:endParaRPr>
-                    </a:p>
-                  </a:txBody>
-                  <a:tcPr marL="59359" marR="59359" marT="0" marB="0" anchor="ctr"/>
-                </a:tc>
-                <a:tc>
-                  <a:txBody>
-                    <a:bodyPr/>
-                    <a:lstStyle/>
-                    <a:p>
-                      <a:pPr marL="0" marR="0" algn="ctr">
-                        <a:spcBef>
-                          <a:spcPts val="0"/>
-                        </a:spcBef>
-                        <a:spcAft>
-                          <a:spcPts val="0"/>
-                        </a:spcAft>
-                      </a:pPr>
-                      <a:r>
-                        <a:rPr lang="en-US" sz="1000">
-                          <a:effectLst/>
-                        </a:rPr>
-                        <a:t>Trail</a:t>
-                      </a:r>
-                      <a:endParaRPr lang="en-US" sz="1200">
-                        <a:effectLst/>
-                        <a:latin typeface="Times New Roman" panose="02020603050405020304" pitchFamily="18" charset="0"/>
-                        <a:ea typeface="Times New Roman" panose="02020603050405020304" pitchFamily="18" charset="0"/>
-                        <a:cs typeface="Times New Roman" panose="02020603050405020304" pitchFamily="18" charset="0"/>
-                      </a:endParaRPr>
-                    </a:p>
-                  </a:txBody>
-                  <a:tcPr marL="59359" marR="59359" marT="0" marB="0" anchor="ctr"/>
-                </a:tc>
-                <a:tc>
-                  <a:txBody>
-                    <a:bodyPr/>
-                    <a:lstStyle/>
-                    <a:p>
-                      <a:pPr marL="0" marR="0" algn="ctr">
-                        <a:spcBef>
-                          <a:spcPts val="0"/>
-                        </a:spcBef>
-                        <a:spcAft>
-                          <a:spcPts val="0"/>
-                        </a:spcAft>
-                      </a:pPr>
-                      <a:r>
-                        <a:rPr lang="en-US" sz="1000">
-                          <a:effectLst/>
-                        </a:rPr>
-                        <a:t>Trail</a:t>
-                      </a:r>
-                      <a:endParaRPr lang="en-US" sz="1200">
-                        <a:effectLst/>
-                        <a:latin typeface="Times New Roman" panose="02020603050405020304" pitchFamily="18" charset="0"/>
-                        <a:ea typeface="Times New Roman" panose="02020603050405020304" pitchFamily="18" charset="0"/>
-                        <a:cs typeface="Times New Roman" panose="02020603050405020304" pitchFamily="18" charset="0"/>
-                      </a:endParaRPr>
-                    </a:p>
-                  </a:txBody>
-                  <a:tcPr marL="59359" marR="59359" marT="0" marB="0" anchor="ctr"/>
-                </a:tc>
-                <a:tc>
-                  <a:txBody>
-                    <a:bodyPr/>
-                    <a:lstStyle/>
-                    <a:p>
-                      <a:pPr marL="0" marR="0" algn="ctr">
-                        <a:spcBef>
-                          <a:spcPts val="0"/>
-                        </a:spcBef>
-                        <a:spcAft>
-                          <a:spcPts val="0"/>
-                        </a:spcAft>
-                      </a:pPr>
-                      <a:r>
-                        <a:rPr lang="en-US" sz="1000">
-                          <a:effectLst/>
-                        </a:rPr>
-                        <a:t>Gym</a:t>
-                      </a:r>
-                      <a:endParaRPr lang="en-US" sz="1200">
-                        <a:effectLst/>
-                        <a:latin typeface="Times New Roman" panose="02020603050405020304" pitchFamily="18" charset="0"/>
-                        <a:ea typeface="Times New Roman" panose="02020603050405020304" pitchFamily="18" charset="0"/>
-                        <a:cs typeface="Times New Roman" panose="02020603050405020304" pitchFamily="18" charset="0"/>
-                      </a:endParaRPr>
-                    </a:p>
-                  </a:txBody>
-                  <a:tcPr marL="59359" marR="59359" marT="0" marB="0" anchor="ctr"/>
-                </a:tc>
-                <a:extLst>
-                  <a:ext uri="{0D108BD9-81ED-4DB2-BD59-A6C34878D82A}">
-                    <a16:rowId xmlns:a16="http://schemas.microsoft.com/office/drawing/2014/main" val="4096868130"/>
-                  </a:ext>
-                </a:extLst>
-              </a:tr>
-              <a:tr h="512414">
-                <a:tc>
-                  <a:txBody>
-                    <a:bodyPr/>
-                    <a:lstStyle/>
-                    <a:p>
-                      <a:pPr marL="0" marR="0" algn="ctr">
-                        <a:spcBef>
-                          <a:spcPts val="0"/>
-                        </a:spcBef>
-                        <a:spcAft>
-                          <a:spcPts val="0"/>
-                        </a:spcAft>
-                      </a:pPr>
-                      <a:r>
-                        <a:rPr lang="en-US" sz="800">
-                          <a:effectLst/>
-                        </a:rPr>
-                        <a:t>8th Most Common Venue</a:t>
-                      </a:r>
-                      <a:endParaRPr lang="en-US" sz="1050">
-                        <a:effectLst/>
-                        <a:latin typeface="Times New Roman" panose="02020603050405020304" pitchFamily="18" charset="0"/>
-                        <a:ea typeface="Times New Roman" panose="02020603050405020304" pitchFamily="18" charset="0"/>
-                        <a:cs typeface="Times New Roman" panose="02020603050405020304" pitchFamily="18" charset="0"/>
-                      </a:endParaRPr>
-                    </a:p>
-                  </a:txBody>
-                  <a:tcPr marL="59359" marR="59359" marT="0" marB="0" anchor="ctr"/>
-                </a:tc>
-                <a:tc>
-                  <a:txBody>
-                    <a:bodyPr/>
-                    <a:lstStyle/>
-                    <a:p>
-                      <a:pPr marL="0" marR="0" algn="ctr">
-                        <a:spcBef>
-                          <a:spcPts val="0"/>
-                        </a:spcBef>
-                        <a:spcAft>
-                          <a:spcPts val="0"/>
-                        </a:spcAft>
-                      </a:pPr>
-                      <a:r>
-                        <a:rPr lang="en-US" sz="1000">
-                          <a:effectLst/>
-                        </a:rPr>
-                        <a:t>Pizza Place</a:t>
-                      </a:r>
-                      <a:endParaRPr lang="en-US" sz="1200">
-                        <a:effectLst/>
-                        <a:latin typeface="Times New Roman" panose="02020603050405020304" pitchFamily="18" charset="0"/>
-                        <a:ea typeface="Times New Roman" panose="02020603050405020304" pitchFamily="18" charset="0"/>
-                        <a:cs typeface="Times New Roman" panose="02020603050405020304" pitchFamily="18" charset="0"/>
-                      </a:endParaRPr>
-                    </a:p>
-                  </a:txBody>
-                  <a:tcPr marL="59359" marR="59359" marT="0" marB="0" anchor="ctr"/>
-                </a:tc>
-                <a:tc>
-                  <a:txBody>
-                    <a:bodyPr/>
-                    <a:lstStyle/>
-                    <a:p>
-                      <a:pPr marL="0" marR="0" algn="ctr">
-                        <a:spcBef>
-                          <a:spcPts val="0"/>
-                        </a:spcBef>
-                        <a:spcAft>
-                          <a:spcPts val="0"/>
-                        </a:spcAft>
-                      </a:pPr>
-                      <a:r>
-                        <a:rPr lang="en-US" sz="1000">
-                          <a:effectLst/>
-                        </a:rPr>
-                        <a:t>Sandwich Place</a:t>
-                      </a:r>
-                      <a:endParaRPr lang="en-US" sz="1200">
-                        <a:effectLst/>
-                        <a:latin typeface="Times New Roman" panose="02020603050405020304" pitchFamily="18" charset="0"/>
-                        <a:ea typeface="Times New Roman" panose="02020603050405020304" pitchFamily="18" charset="0"/>
-                        <a:cs typeface="Times New Roman" panose="02020603050405020304" pitchFamily="18" charset="0"/>
-                      </a:endParaRPr>
-                    </a:p>
-                  </a:txBody>
-                  <a:tcPr marL="59359" marR="59359" marT="0" marB="0" anchor="ctr"/>
-                </a:tc>
-                <a:tc>
-                  <a:txBody>
-                    <a:bodyPr/>
-                    <a:lstStyle/>
-                    <a:p>
-                      <a:pPr marL="0" marR="0" algn="ctr">
-                        <a:spcBef>
-                          <a:spcPts val="0"/>
-                        </a:spcBef>
-                        <a:spcAft>
-                          <a:spcPts val="0"/>
-                        </a:spcAft>
-                      </a:pPr>
-                      <a:r>
-                        <a:rPr lang="en-US" sz="1000">
-                          <a:effectLst/>
-                        </a:rPr>
-                        <a:t>Pizza Place</a:t>
-                      </a:r>
-                      <a:endParaRPr lang="en-US" sz="1200">
-                        <a:effectLst/>
-                        <a:latin typeface="Times New Roman" panose="02020603050405020304" pitchFamily="18" charset="0"/>
-                        <a:ea typeface="Times New Roman" panose="02020603050405020304" pitchFamily="18" charset="0"/>
-                        <a:cs typeface="Times New Roman" panose="02020603050405020304" pitchFamily="18" charset="0"/>
-                      </a:endParaRPr>
-                    </a:p>
-                  </a:txBody>
-                  <a:tcPr marL="59359" marR="59359" marT="0" marB="0" anchor="ctr"/>
-                </a:tc>
-                <a:tc>
-                  <a:txBody>
-                    <a:bodyPr/>
-                    <a:lstStyle/>
-                    <a:p>
-                      <a:pPr marL="0" marR="0" algn="ctr">
-                        <a:spcBef>
-                          <a:spcPts val="0"/>
-                        </a:spcBef>
-                        <a:spcAft>
-                          <a:spcPts val="0"/>
-                        </a:spcAft>
-                      </a:pPr>
-                      <a:r>
-                        <a:rPr lang="en-US" sz="1000">
-                          <a:effectLst/>
-                        </a:rPr>
-                        <a:t>Bakery</a:t>
-                      </a:r>
-                      <a:endParaRPr lang="en-US" sz="1200">
-                        <a:effectLst/>
-                        <a:latin typeface="Times New Roman" panose="02020603050405020304" pitchFamily="18" charset="0"/>
-                        <a:ea typeface="Times New Roman" panose="02020603050405020304" pitchFamily="18" charset="0"/>
-                        <a:cs typeface="Times New Roman" panose="02020603050405020304" pitchFamily="18" charset="0"/>
-                      </a:endParaRPr>
-                    </a:p>
-                  </a:txBody>
-                  <a:tcPr marL="59359" marR="59359" marT="0" marB="0" anchor="ctr"/>
-                </a:tc>
-                <a:tc>
-                  <a:txBody>
-                    <a:bodyPr/>
-                    <a:lstStyle/>
-                    <a:p>
-                      <a:pPr marL="0" marR="0" algn="ctr">
-                        <a:spcBef>
-                          <a:spcPts val="0"/>
-                        </a:spcBef>
-                        <a:spcAft>
-                          <a:spcPts val="0"/>
-                        </a:spcAft>
-                      </a:pPr>
-                      <a:r>
-                        <a:rPr lang="en-US" sz="1000">
-                          <a:effectLst/>
-                        </a:rPr>
-                        <a:t>Breakfast Spot</a:t>
-                      </a:r>
-                      <a:endParaRPr lang="en-US" sz="1200">
-                        <a:effectLst/>
-                        <a:latin typeface="Times New Roman" panose="02020603050405020304" pitchFamily="18" charset="0"/>
-                        <a:ea typeface="Times New Roman" panose="02020603050405020304" pitchFamily="18" charset="0"/>
-                        <a:cs typeface="Times New Roman" panose="02020603050405020304" pitchFamily="18" charset="0"/>
-                      </a:endParaRPr>
-                    </a:p>
-                  </a:txBody>
-                  <a:tcPr marL="59359" marR="59359" marT="0" marB="0" anchor="ctr"/>
-                </a:tc>
-                <a:tc>
-                  <a:txBody>
-                    <a:bodyPr/>
-                    <a:lstStyle/>
-                    <a:p>
-                      <a:pPr marL="0" marR="0" algn="ctr">
-                        <a:spcBef>
-                          <a:spcPts val="0"/>
-                        </a:spcBef>
-                        <a:spcAft>
-                          <a:spcPts val="0"/>
-                        </a:spcAft>
-                      </a:pPr>
-                      <a:r>
-                        <a:rPr lang="en-US" sz="1000">
-                          <a:effectLst/>
-                        </a:rPr>
-                        <a:t>Chinese Restaurant</a:t>
-                      </a:r>
-                      <a:endParaRPr lang="en-US" sz="1200">
-                        <a:effectLst/>
-                        <a:latin typeface="Times New Roman" panose="02020603050405020304" pitchFamily="18" charset="0"/>
-                        <a:ea typeface="Times New Roman" panose="02020603050405020304" pitchFamily="18" charset="0"/>
-                        <a:cs typeface="Times New Roman" panose="02020603050405020304" pitchFamily="18" charset="0"/>
-                      </a:endParaRPr>
-                    </a:p>
-                  </a:txBody>
-                  <a:tcPr marL="59359" marR="59359" marT="0" marB="0" anchor="ctr"/>
-                </a:tc>
-                <a:tc>
-                  <a:txBody>
-                    <a:bodyPr/>
-                    <a:lstStyle/>
-                    <a:p>
-                      <a:pPr marL="0" marR="0" algn="ctr">
-                        <a:spcBef>
-                          <a:spcPts val="0"/>
-                        </a:spcBef>
-                        <a:spcAft>
-                          <a:spcPts val="0"/>
-                        </a:spcAft>
-                      </a:pPr>
-                      <a:r>
-                        <a:rPr lang="en-US" sz="1000">
-                          <a:effectLst/>
-                        </a:rPr>
-                        <a:t>Bakery</a:t>
-                      </a:r>
-                      <a:endParaRPr lang="en-US" sz="1200">
-                        <a:effectLst/>
-                        <a:latin typeface="Times New Roman" panose="02020603050405020304" pitchFamily="18" charset="0"/>
-                        <a:ea typeface="Times New Roman" panose="02020603050405020304" pitchFamily="18" charset="0"/>
-                        <a:cs typeface="Times New Roman" panose="02020603050405020304" pitchFamily="18" charset="0"/>
-                      </a:endParaRPr>
-                    </a:p>
-                  </a:txBody>
-                  <a:tcPr marL="59359" marR="59359" marT="0" marB="0" anchor="ctr"/>
-                </a:tc>
-                <a:tc>
-                  <a:txBody>
-                    <a:bodyPr/>
-                    <a:lstStyle/>
-                    <a:p>
-                      <a:pPr marL="0" marR="0" algn="ctr">
-                        <a:spcBef>
-                          <a:spcPts val="0"/>
-                        </a:spcBef>
-                        <a:spcAft>
-                          <a:spcPts val="0"/>
-                        </a:spcAft>
-                      </a:pPr>
-                      <a:r>
-                        <a:rPr lang="en-US" sz="1000" dirty="0">
-                          <a:effectLst/>
-                        </a:rPr>
-                        <a:t>Thai Restaurant</a:t>
-                      </a:r>
-                      <a:endParaRPr lang="en-US" sz="1200" dirty="0">
-                        <a:effectLst/>
-                        <a:latin typeface="Times New Roman" panose="02020603050405020304" pitchFamily="18" charset="0"/>
-                        <a:ea typeface="Times New Roman" panose="02020603050405020304" pitchFamily="18" charset="0"/>
-                        <a:cs typeface="Times New Roman" panose="02020603050405020304" pitchFamily="18" charset="0"/>
-                      </a:endParaRPr>
-                    </a:p>
-                  </a:txBody>
-                  <a:tcPr marL="59359" marR="59359" marT="0" marB="0" anchor="ctr"/>
-                </a:tc>
-                <a:tc>
-                  <a:txBody>
-                    <a:bodyPr/>
-                    <a:lstStyle/>
-                    <a:p>
-                      <a:pPr marL="0" marR="0" algn="ctr">
-                        <a:spcBef>
-                          <a:spcPts val="0"/>
-                        </a:spcBef>
-                        <a:spcAft>
-                          <a:spcPts val="0"/>
-                        </a:spcAft>
-                      </a:pPr>
-                      <a:r>
-                        <a:rPr lang="en-US" sz="1000" dirty="0">
-                          <a:effectLst/>
-                        </a:rPr>
-                        <a:t>Mexican Restaurant</a:t>
-                      </a:r>
-                      <a:endParaRPr lang="en-US" sz="1200" dirty="0">
-                        <a:effectLst/>
-                        <a:latin typeface="Times New Roman" panose="02020603050405020304" pitchFamily="18" charset="0"/>
-                        <a:ea typeface="Times New Roman" panose="02020603050405020304" pitchFamily="18" charset="0"/>
-                        <a:cs typeface="Times New Roman" panose="02020603050405020304" pitchFamily="18" charset="0"/>
-                      </a:endParaRPr>
-                    </a:p>
-                  </a:txBody>
-                  <a:tcPr marL="59359" marR="59359" marT="0" marB="0" anchor="ctr"/>
-                </a:tc>
-                <a:extLst>
-                  <a:ext uri="{0D108BD9-81ED-4DB2-BD59-A6C34878D82A}">
-                    <a16:rowId xmlns:a16="http://schemas.microsoft.com/office/drawing/2014/main" val="500442871"/>
-                  </a:ext>
-                </a:extLst>
-              </a:tr>
-              <a:tr h="512414">
-                <a:tc>
-                  <a:txBody>
-                    <a:bodyPr/>
-                    <a:lstStyle/>
-                    <a:p>
-                      <a:pPr marL="0" marR="0" algn="ctr">
-                        <a:spcBef>
-                          <a:spcPts val="0"/>
-                        </a:spcBef>
-                        <a:spcAft>
-                          <a:spcPts val="0"/>
-                        </a:spcAft>
-                      </a:pPr>
-                      <a:r>
-                        <a:rPr lang="en-US" sz="800" dirty="0">
-                          <a:effectLst/>
-                        </a:rPr>
-                        <a:t>9th Most Common Venue</a:t>
-                      </a:r>
-                      <a:endParaRPr lang="en-US" sz="1050" dirty="0">
-                        <a:effectLst/>
-                        <a:latin typeface="Times New Roman" panose="02020603050405020304" pitchFamily="18" charset="0"/>
-                        <a:ea typeface="Times New Roman" panose="02020603050405020304" pitchFamily="18" charset="0"/>
-                        <a:cs typeface="Times New Roman" panose="02020603050405020304" pitchFamily="18" charset="0"/>
-                      </a:endParaRPr>
-                    </a:p>
-                  </a:txBody>
-                  <a:tcPr marL="59359" marR="59359" marT="0" marB="0" anchor="ctr"/>
-                </a:tc>
-                <a:tc>
-                  <a:txBody>
-                    <a:bodyPr/>
-                    <a:lstStyle/>
-                    <a:p>
-                      <a:pPr marL="0" marR="0" algn="ctr">
-                        <a:spcBef>
-                          <a:spcPts val="0"/>
-                        </a:spcBef>
-                        <a:spcAft>
-                          <a:spcPts val="0"/>
-                        </a:spcAft>
-                      </a:pPr>
-                      <a:r>
-                        <a:rPr lang="en-US" sz="1000">
-                          <a:effectLst/>
-                        </a:rPr>
-                        <a:t>American Restaurant</a:t>
-                      </a:r>
-                      <a:endParaRPr lang="en-US" sz="1200">
-                        <a:effectLst/>
-                        <a:latin typeface="Times New Roman" panose="02020603050405020304" pitchFamily="18" charset="0"/>
-                        <a:ea typeface="Times New Roman" panose="02020603050405020304" pitchFamily="18" charset="0"/>
-                        <a:cs typeface="Times New Roman" panose="02020603050405020304" pitchFamily="18" charset="0"/>
-                      </a:endParaRPr>
-                    </a:p>
-                  </a:txBody>
-                  <a:tcPr marL="59359" marR="59359" marT="0" marB="0" anchor="ctr"/>
-                </a:tc>
-                <a:tc>
-                  <a:txBody>
-                    <a:bodyPr/>
-                    <a:lstStyle/>
-                    <a:p>
-                      <a:pPr marL="0" marR="0" algn="ctr">
-                        <a:spcBef>
-                          <a:spcPts val="0"/>
-                        </a:spcBef>
-                        <a:spcAft>
-                          <a:spcPts val="0"/>
-                        </a:spcAft>
-                      </a:pPr>
-                      <a:r>
-                        <a:rPr lang="en-US" sz="1000">
-                          <a:effectLst/>
-                        </a:rPr>
-                        <a:t>Breakfast Spot</a:t>
-                      </a:r>
-                      <a:endParaRPr lang="en-US" sz="1200">
-                        <a:effectLst/>
-                        <a:latin typeface="Times New Roman" panose="02020603050405020304" pitchFamily="18" charset="0"/>
-                        <a:ea typeface="Times New Roman" panose="02020603050405020304" pitchFamily="18" charset="0"/>
-                        <a:cs typeface="Times New Roman" panose="02020603050405020304" pitchFamily="18" charset="0"/>
-                      </a:endParaRPr>
-                    </a:p>
-                  </a:txBody>
-                  <a:tcPr marL="59359" marR="59359" marT="0" marB="0" anchor="ctr"/>
-                </a:tc>
-                <a:tc>
-                  <a:txBody>
-                    <a:bodyPr/>
-                    <a:lstStyle/>
-                    <a:p>
-                      <a:pPr marL="0" marR="0" algn="ctr">
-                        <a:spcBef>
-                          <a:spcPts val="0"/>
-                        </a:spcBef>
-                        <a:spcAft>
-                          <a:spcPts val="0"/>
-                        </a:spcAft>
-                      </a:pPr>
-                      <a:r>
-                        <a:rPr lang="en-US" sz="1000">
-                          <a:effectLst/>
-                        </a:rPr>
-                        <a:t>Asian Restaurant</a:t>
-                      </a:r>
-                      <a:endParaRPr lang="en-US" sz="1200">
-                        <a:effectLst/>
-                        <a:latin typeface="Times New Roman" panose="02020603050405020304" pitchFamily="18" charset="0"/>
-                        <a:ea typeface="Times New Roman" panose="02020603050405020304" pitchFamily="18" charset="0"/>
-                        <a:cs typeface="Times New Roman" panose="02020603050405020304" pitchFamily="18" charset="0"/>
-                      </a:endParaRPr>
-                    </a:p>
-                  </a:txBody>
-                  <a:tcPr marL="59359" marR="59359" marT="0" marB="0" anchor="ctr"/>
-                </a:tc>
-                <a:tc>
-                  <a:txBody>
-                    <a:bodyPr/>
-                    <a:lstStyle/>
-                    <a:p>
-                      <a:pPr marL="0" marR="0" algn="ctr">
-                        <a:spcBef>
-                          <a:spcPts val="0"/>
-                        </a:spcBef>
-                        <a:spcAft>
-                          <a:spcPts val="0"/>
-                        </a:spcAft>
-                      </a:pPr>
-                      <a:r>
-                        <a:rPr lang="en-US" sz="1000">
-                          <a:effectLst/>
-                        </a:rPr>
-                        <a:t>Hotel</a:t>
-                      </a:r>
-                      <a:endParaRPr lang="en-US" sz="1200">
-                        <a:effectLst/>
-                        <a:latin typeface="Times New Roman" panose="02020603050405020304" pitchFamily="18" charset="0"/>
-                        <a:ea typeface="Times New Roman" panose="02020603050405020304" pitchFamily="18" charset="0"/>
-                        <a:cs typeface="Times New Roman" panose="02020603050405020304" pitchFamily="18" charset="0"/>
-                      </a:endParaRPr>
-                    </a:p>
-                  </a:txBody>
-                  <a:tcPr marL="59359" marR="59359" marT="0" marB="0" anchor="ctr"/>
-                </a:tc>
-                <a:tc>
-                  <a:txBody>
-                    <a:bodyPr/>
-                    <a:lstStyle/>
-                    <a:p>
-                      <a:pPr marL="0" marR="0" algn="ctr">
-                        <a:spcBef>
-                          <a:spcPts val="0"/>
-                        </a:spcBef>
-                        <a:spcAft>
-                          <a:spcPts val="0"/>
-                        </a:spcAft>
-                      </a:pPr>
-                      <a:r>
-                        <a:rPr lang="en-US" sz="1000">
-                          <a:effectLst/>
-                        </a:rPr>
-                        <a:t>Trail</a:t>
-                      </a:r>
-                      <a:endParaRPr lang="en-US" sz="1200">
-                        <a:effectLst/>
-                        <a:latin typeface="Times New Roman" panose="02020603050405020304" pitchFamily="18" charset="0"/>
-                        <a:ea typeface="Times New Roman" panose="02020603050405020304" pitchFamily="18" charset="0"/>
-                        <a:cs typeface="Times New Roman" panose="02020603050405020304" pitchFamily="18" charset="0"/>
-                      </a:endParaRPr>
-                    </a:p>
-                  </a:txBody>
-                  <a:tcPr marL="59359" marR="59359" marT="0" marB="0" anchor="ctr"/>
-                </a:tc>
-                <a:tc>
-                  <a:txBody>
-                    <a:bodyPr/>
-                    <a:lstStyle/>
-                    <a:p>
-                      <a:pPr marL="0" marR="0" algn="ctr">
-                        <a:spcBef>
-                          <a:spcPts val="0"/>
-                        </a:spcBef>
-                        <a:spcAft>
-                          <a:spcPts val="0"/>
-                        </a:spcAft>
-                      </a:pPr>
-                      <a:r>
-                        <a:rPr lang="en-US" sz="1000">
-                          <a:effectLst/>
-                        </a:rPr>
-                        <a:t>Mexican Restaurant</a:t>
-                      </a:r>
-                      <a:endParaRPr lang="en-US" sz="1200">
-                        <a:effectLst/>
-                        <a:latin typeface="Times New Roman" panose="02020603050405020304" pitchFamily="18" charset="0"/>
-                        <a:ea typeface="Times New Roman" panose="02020603050405020304" pitchFamily="18" charset="0"/>
-                        <a:cs typeface="Times New Roman" panose="02020603050405020304" pitchFamily="18" charset="0"/>
-                      </a:endParaRPr>
-                    </a:p>
-                  </a:txBody>
-                  <a:tcPr marL="59359" marR="59359" marT="0" marB="0" anchor="ctr"/>
-                </a:tc>
-                <a:tc>
-                  <a:txBody>
-                    <a:bodyPr/>
-                    <a:lstStyle/>
-                    <a:p>
-                      <a:pPr marL="0" marR="0" algn="ctr">
-                        <a:spcBef>
-                          <a:spcPts val="0"/>
-                        </a:spcBef>
-                        <a:spcAft>
-                          <a:spcPts val="0"/>
-                        </a:spcAft>
-                      </a:pPr>
-                      <a:r>
-                        <a:rPr lang="en-US" sz="1000">
-                          <a:effectLst/>
-                        </a:rPr>
-                        <a:t>Falafel Restaurant</a:t>
-                      </a:r>
-                      <a:endParaRPr lang="en-US" sz="1200">
-                        <a:effectLst/>
-                        <a:latin typeface="Times New Roman" panose="02020603050405020304" pitchFamily="18" charset="0"/>
-                        <a:ea typeface="Times New Roman" panose="02020603050405020304" pitchFamily="18" charset="0"/>
-                        <a:cs typeface="Times New Roman" panose="02020603050405020304" pitchFamily="18" charset="0"/>
-                      </a:endParaRPr>
-                    </a:p>
-                  </a:txBody>
-                  <a:tcPr marL="59359" marR="59359" marT="0" marB="0" anchor="ctr"/>
-                </a:tc>
-                <a:tc>
-                  <a:txBody>
-                    <a:bodyPr/>
-                    <a:lstStyle/>
-                    <a:p>
-                      <a:pPr marL="0" marR="0" algn="ctr">
-                        <a:spcBef>
-                          <a:spcPts val="0"/>
-                        </a:spcBef>
-                        <a:spcAft>
-                          <a:spcPts val="0"/>
-                        </a:spcAft>
-                      </a:pPr>
-                      <a:r>
-                        <a:rPr lang="en-US" sz="1000">
-                          <a:effectLst/>
-                        </a:rPr>
-                        <a:t>Bakery</a:t>
-                      </a:r>
-                      <a:endParaRPr lang="en-US" sz="1200">
-                        <a:effectLst/>
-                        <a:latin typeface="Times New Roman" panose="02020603050405020304" pitchFamily="18" charset="0"/>
-                        <a:ea typeface="Times New Roman" panose="02020603050405020304" pitchFamily="18" charset="0"/>
-                        <a:cs typeface="Times New Roman" panose="02020603050405020304" pitchFamily="18" charset="0"/>
-                      </a:endParaRPr>
-                    </a:p>
-                  </a:txBody>
-                  <a:tcPr marL="59359" marR="59359" marT="0" marB="0" anchor="ctr"/>
-                </a:tc>
-                <a:tc>
-                  <a:txBody>
-                    <a:bodyPr/>
-                    <a:lstStyle/>
-                    <a:p>
-                      <a:pPr marL="0" marR="0" algn="ctr">
-                        <a:spcBef>
-                          <a:spcPts val="0"/>
-                        </a:spcBef>
-                        <a:spcAft>
-                          <a:spcPts val="0"/>
-                        </a:spcAft>
-                      </a:pPr>
-                      <a:r>
-                        <a:rPr lang="en-US" sz="1000" dirty="0">
-                          <a:effectLst/>
-                        </a:rPr>
-                        <a:t>Pizza Place</a:t>
-                      </a:r>
-                      <a:endParaRPr lang="en-US" sz="1200" dirty="0">
-                        <a:effectLst/>
-                        <a:latin typeface="Times New Roman" panose="02020603050405020304" pitchFamily="18" charset="0"/>
-                        <a:ea typeface="Times New Roman" panose="02020603050405020304" pitchFamily="18" charset="0"/>
-                        <a:cs typeface="Times New Roman" panose="02020603050405020304" pitchFamily="18" charset="0"/>
-                      </a:endParaRPr>
-                    </a:p>
-                  </a:txBody>
-                  <a:tcPr marL="59359" marR="59359" marT="0" marB="0" anchor="ctr"/>
-                </a:tc>
-                <a:extLst>
-                  <a:ext uri="{0D108BD9-81ED-4DB2-BD59-A6C34878D82A}">
-                    <a16:rowId xmlns:a16="http://schemas.microsoft.com/office/drawing/2014/main" val="2161303701"/>
-                  </a:ext>
-                </a:extLst>
-              </a:tr>
-              <a:tr h="384310">
-                <a:tc>
-                  <a:txBody>
-                    <a:bodyPr/>
-                    <a:lstStyle/>
-                    <a:p>
-                      <a:pPr marL="0" marR="0" algn="ctr">
-                        <a:spcBef>
-                          <a:spcPts val="0"/>
-                        </a:spcBef>
-                        <a:spcAft>
-                          <a:spcPts val="0"/>
-                        </a:spcAft>
-                      </a:pPr>
-                      <a:r>
-                        <a:rPr lang="en-US" sz="800" dirty="0">
-                          <a:effectLst/>
-                        </a:rPr>
-                        <a:t>10th Most Common Venue</a:t>
-                      </a:r>
-                      <a:endParaRPr lang="en-US" sz="1050" dirty="0">
-                        <a:effectLst/>
-                        <a:latin typeface="Times New Roman" panose="02020603050405020304" pitchFamily="18" charset="0"/>
-                        <a:ea typeface="Times New Roman" panose="02020603050405020304" pitchFamily="18" charset="0"/>
-                        <a:cs typeface="Times New Roman" panose="02020603050405020304" pitchFamily="18" charset="0"/>
-                      </a:endParaRPr>
-                    </a:p>
-                  </a:txBody>
-                  <a:tcPr marL="59359" marR="59359" marT="0" marB="0" anchor="ctr"/>
-                </a:tc>
-                <a:tc>
-                  <a:txBody>
-                    <a:bodyPr/>
-                    <a:lstStyle/>
-                    <a:p>
-                      <a:pPr marL="0" marR="0" algn="ctr">
-                        <a:spcBef>
-                          <a:spcPts val="0"/>
-                        </a:spcBef>
-                        <a:spcAft>
-                          <a:spcPts val="0"/>
-                        </a:spcAft>
-                      </a:pPr>
-                      <a:r>
-                        <a:rPr lang="en-US" sz="1000">
-                          <a:effectLst/>
-                        </a:rPr>
-                        <a:t>Grocery Store</a:t>
-                      </a:r>
-                      <a:endParaRPr lang="en-US" sz="1200">
-                        <a:effectLst/>
-                        <a:latin typeface="Times New Roman" panose="02020603050405020304" pitchFamily="18" charset="0"/>
-                        <a:ea typeface="Times New Roman" panose="02020603050405020304" pitchFamily="18" charset="0"/>
-                        <a:cs typeface="Times New Roman" panose="02020603050405020304" pitchFamily="18" charset="0"/>
-                      </a:endParaRPr>
-                    </a:p>
-                  </a:txBody>
-                  <a:tcPr marL="59359" marR="59359" marT="0" marB="0" anchor="ctr"/>
-                </a:tc>
-                <a:tc>
-                  <a:txBody>
-                    <a:bodyPr/>
-                    <a:lstStyle/>
-                    <a:p>
-                      <a:pPr marL="0" marR="0" algn="ctr">
-                        <a:spcBef>
-                          <a:spcPts val="0"/>
-                        </a:spcBef>
-                        <a:spcAft>
-                          <a:spcPts val="0"/>
-                        </a:spcAft>
-                      </a:pPr>
-                      <a:r>
-                        <a:rPr lang="en-US" sz="1000">
-                          <a:effectLst/>
-                        </a:rPr>
-                        <a:t>Bookstore</a:t>
-                      </a:r>
-                      <a:endParaRPr lang="en-US" sz="1200">
-                        <a:effectLst/>
-                        <a:latin typeface="Times New Roman" panose="02020603050405020304" pitchFamily="18" charset="0"/>
-                        <a:ea typeface="Times New Roman" panose="02020603050405020304" pitchFamily="18" charset="0"/>
-                        <a:cs typeface="Times New Roman" panose="02020603050405020304" pitchFamily="18" charset="0"/>
-                      </a:endParaRPr>
-                    </a:p>
-                  </a:txBody>
-                  <a:tcPr marL="59359" marR="59359" marT="0" marB="0" anchor="ctr"/>
-                </a:tc>
-                <a:tc>
-                  <a:txBody>
-                    <a:bodyPr/>
-                    <a:lstStyle/>
-                    <a:p>
-                      <a:pPr marL="0" marR="0" algn="ctr">
-                        <a:spcBef>
-                          <a:spcPts val="0"/>
-                        </a:spcBef>
-                        <a:spcAft>
-                          <a:spcPts val="0"/>
-                        </a:spcAft>
-                      </a:pPr>
-                      <a:r>
-                        <a:rPr lang="en-US" sz="1000">
-                          <a:effectLst/>
-                        </a:rPr>
-                        <a:t>American Restaurant</a:t>
-                      </a:r>
-                      <a:endParaRPr lang="en-US" sz="1200">
-                        <a:effectLst/>
-                        <a:latin typeface="Times New Roman" panose="02020603050405020304" pitchFamily="18" charset="0"/>
-                        <a:ea typeface="Times New Roman" panose="02020603050405020304" pitchFamily="18" charset="0"/>
-                        <a:cs typeface="Times New Roman" panose="02020603050405020304" pitchFamily="18" charset="0"/>
-                      </a:endParaRPr>
-                    </a:p>
-                  </a:txBody>
-                  <a:tcPr marL="59359" marR="59359" marT="0" marB="0" anchor="ctr"/>
-                </a:tc>
-                <a:tc>
-                  <a:txBody>
-                    <a:bodyPr/>
-                    <a:lstStyle/>
-                    <a:p>
-                      <a:pPr marL="0" marR="0" algn="ctr">
-                        <a:spcBef>
-                          <a:spcPts val="0"/>
-                        </a:spcBef>
-                        <a:spcAft>
-                          <a:spcPts val="0"/>
-                        </a:spcAft>
-                      </a:pPr>
-                      <a:r>
-                        <a:rPr lang="en-US" sz="1000">
-                          <a:effectLst/>
-                        </a:rPr>
-                        <a:t>Breakfast Spot</a:t>
-                      </a:r>
-                      <a:endParaRPr lang="en-US" sz="1200">
-                        <a:effectLst/>
-                        <a:latin typeface="Times New Roman" panose="02020603050405020304" pitchFamily="18" charset="0"/>
-                        <a:ea typeface="Times New Roman" panose="02020603050405020304" pitchFamily="18" charset="0"/>
-                        <a:cs typeface="Times New Roman" panose="02020603050405020304" pitchFamily="18" charset="0"/>
-                      </a:endParaRPr>
-                    </a:p>
-                  </a:txBody>
-                  <a:tcPr marL="59359" marR="59359" marT="0" marB="0" anchor="ctr"/>
-                </a:tc>
-                <a:tc>
-                  <a:txBody>
-                    <a:bodyPr/>
-                    <a:lstStyle/>
-                    <a:p>
-                      <a:pPr marL="0" marR="0" algn="ctr">
-                        <a:spcBef>
-                          <a:spcPts val="0"/>
-                        </a:spcBef>
-                        <a:spcAft>
-                          <a:spcPts val="0"/>
-                        </a:spcAft>
-                      </a:pPr>
-                      <a:r>
-                        <a:rPr lang="en-US" sz="1000">
-                          <a:effectLst/>
-                        </a:rPr>
-                        <a:t>Mexican Restaurant</a:t>
-                      </a:r>
-                      <a:endParaRPr lang="en-US" sz="1200">
-                        <a:effectLst/>
-                        <a:latin typeface="Times New Roman" panose="02020603050405020304" pitchFamily="18" charset="0"/>
-                        <a:ea typeface="Times New Roman" panose="02020603050405020304" pitchFamily="18" charset="0"/>
-                        <a:cs typeface="Times New Roman" panose="02020603050405020304" pitchFamily="18" charset="0"/>
-                      </a:endParaRPr>
-                    </a:p>
-                  </a:txBody>
-                  <a:tcPr marL="59359" marR="59359" marT="0" marB="0" anchor="ctr"/>
-                </a:tc>
-                <a:tc>
-                  <a:txBody>
-                    <a:bodyPr/>
-                    <a:lstStyle/>
-                    <a:p>
-                      <a:pPr marL="0" marR="0" algn="ctr">
-                        <a:spcBef>
-                          <a:spcPts val="0"/>
-                        </a:spcBef>
-                        <a:spcAft>
-                          <a:spcPts val="0"/>
-                        </a:spcAft>
-                      </a:pPr>
-                      <a:r>
-                        <a:rPr lang="en-US" sz="1000">
-                          <a:effectLst/>
-                        </a:rPr>
-                        <a:t>Thai Restaurant</a:t>
-                      </a:r>
-                      <a:endParaRPr lang="en-US" sz="1200">
-                        <a:effectLst/>
-                        <a:latin typeface="Times New Roman" panose="02020603050405020304" pitchFamily="18" charset="0"/>
-                        <a:ea typeface="Times New Roman" panose="02020603050405020304" pitchFamily="18" charset="0"/>
-                        <a:cs typeface="Times New Roman" panose="02020603050405020304" pitchFamily="18" charset="0"/>
-                      </a:endParaRPr>
-                    </a:p>
-                  </a:txBody>
-                  <a:tcPr marL="59359" marR="59359" marT="0" marB="0" anchor="ctr"/>
-                </a:tc>
-                <a:tc>
-                  <a:txBody>
-                    <a:bodyPr/>
-                    <a:lstStyle/>
-                    <a:p>
-                      <a:pPr marL="0" marR="0" algn="ctr">
-                        <a:spcBef>
-                          <a:spcPts val="0"/>
-                        </a:spcBef>
-                        <a:spcAft>
-                          <a:spcPts val="0"/>
-                        </a:spcAft>
-                      </a:pPr>
-                      <a:r>
-                        <a:rPr lang="en-US" sz="1000">
-                          <a:effectLst/>
-                        </a:rPr>
-                        <a:t>Park</a:t>
-                      </a:r>
-                      <a:endParaRPr lang="en-US" sz="1200">
-                        <a:effectLst/>
-                        <a:latin typeface="Times New Roman" panose="02020603050405020304" pitchFamily="18" charset="0"/>
-                        <a:ea typeface="Times New Roman" panose="02020603050405020304" pitchFamily="18" charset="0"/>
-                        <a:cs typeface="Times New Roman" panose="02020603050405020304" pitchFamily="18" charset="0"/>
-                      </a:endParaRPr>
-                    </a:p>
-                  </a:txBody>
-                  <a:tcPr marL="59359" marR="59359" marT="0" marB="0" anchor="ctr"/>
-                </a:tc>
-                <a:tc>
-                  <a:txBody>
-                    <a:bodyPr/>
-                    <a:lstStyle/>
-                    <a:p>
-                      <a:pPr marL="0" marR="0" algn="ctr">
-                        <a:spcBef>
-                          <a:spcPts val="0"/>
-                        </a:spcBef>
-                        <a:spcAft>
-                          <a:spcPts val="0"/>
-                        </a:spcAft>
-                      </a:pPr>
-                      <a:r>
-                        <a:rPr lang="en-US" sz="1000">
-                          <a:effectLst/>
-                        </a:rPr>
-                        <a:t>Mexican Restaurant</a:t>
-                      </a:r>
-                      <a:endParaRPr lang="en-US" sz="1200">
-                        <a:effectLst/>
-                        <a:latin typeface="Times New Roman" panose="02020603050405020304" pitchFamily="18" charset="0"/>
-                        <a:ea typeface="Times New Roman" panose="02020603050405020304" pitchFamily="18" charset="0"/>
-                        <a:cs typeface="Times New Roman" panose="02020603050405020304" pitchFamily="18" charset="0"/>
-                      </a:endParaRPr>
-                    </a:p>
-                  </a:txBody>
-                  <a:tcPr marL="59359" marR="59359" marT="0" marB="0" anchor="ctr"/>
-                </a:tc>
-                <a:tc>
-                  <a:txBody>
-                    <a:bodyPr/>
-                    <a:lstStyle/>
-                    <a:p>
-                      <a:pPr marL="0" marR="0" algn="ctr">
-                        <a:spcBef>
-                          <a:spcPts val="0"/>
-                        </a:spcBef>
-                        <a:spcAft>
-                          <a:spcPts val="0"/>
-                        </a:spcAft>
-                      </a:pPr>
-                      <a:r>
-                        <a:rPr lang="en-US" sz="1000" dirty="0">
-                          <a:effectLst/>
-                        </a:rPr>
-                        <a:t>Falafel Restaurant</a:t>
-                      </a:r>
-                      <a:endParaRPr lang="en-US" sz="1200" dirty="0">
-                        <a:effectLst/>
-                        <a:latin typeface="Times New Roman" panose="02020603050405020304" pitchFamily="18" charset="0"/>
-                        <a:ea typeface="Times New Roman" panose="02020603050405020304" pitchFamily="18" charset="0"/>
-                        <a:cs typeface="Times New Roman" panose="02020603050405020304" pitchFamily="18" charset="0"/>
-                      </a:endParaRPr>
-                    </a:p>
-                  </a:txBody>
-                  <a:tcPr marL="59359" marR="59359" marT="0" marB="0" anchor="ctr"/>
-                </a:tc>
-                <a:extLst>
-                  <a:ext uri="{0D108BD9-81ED-4DB2-BD59-A6C34878D82A}">
-                    <a16:rowId xmlns:a16="http://schemas.microsoft.com/office/drawing/2014/main" val="2889150495"/>
-                  </a:ext>
-                </a:extLst>
-              </a:tr>
-            </a:tbl>
-          </a:graphicData>
-        </a:graphic>
-      </p:graphicFrame>
-    </p:spTree>
-    <p:extLst>
-      <p:ext uri="{BB962C8B-B14F-4D97-AF65-F5344CB8AC3E}">
-        <p14:creationId xmlns:p14="http://schemas.microsoft.com/office/powerpoint/2010/main" val="3531529202"/>
-      </p:ext>
-    </p:extLst>
-  </p:cSld>
-  <p:clrMapOvr>
-    <a:masterClrMapping/>
-  </p:clrMapOvr>
-</p:sld>
-</file>
-
 <file path=ppt/theme/theme1.xml><?xml version="1.0" encoding="utf-8"?>
 <a:theme xmlns:a="http://schemas.openxmlformats.org/drawingml/2006/main" name="Vapor Trail">
   <a:themeElements>
